--- a/Apresentação time cinco.pptx
+++ b/Apresentação time cinco.pptx
@@ -8,17 +8,16 @@
     <p:sldId id="256" r:id="rId2"/>
     <p:sldId id="268" r:id="rId3"/>
     <p:sldId id="258" r:id="rId4"/>
-    <p:sldId id="260" r:id="rId5"/>
-    <p:sldId id="259" r:id="rId6"/>
+    <p:sldId id="262" r:id="rId5"/>
+    <p:sldId id="260" r:id="rId6"/>
     <p:sldId id="261" r:id="rId7"/>
-    <p:sldId id="262" r:id="rId8"/>
+    <p:sldId id="257" r:id="rId8"/>
     <p:sldId id="263" r:id="rId9"/>
-    <p:sldId id="257" r:id="rId10"/>
-    <p:sldId id="264" r:id="rId11"/>
-    <p:sldId id="265" r:id="rId12"/>
-    <p:sldId id="266" r:id="rId13"/>
-    <p:sldId id="267" r:id="rId14"/>
-    <p:sldId id="269" r:id="rId15"/>
+    <p:sldId id="264" r:id="rId10"/>
+    <p:sldId id="265" r:id="rId11"/>
+    <p:sldId id="266" r:id="rId12"/>
+    <p:sldId id="267" r:id="rId13"/>
+    <p:sldId id="269" r:id="rId14"/>
   </p:sldIdLst>
   <p:sldSz cx="12192000" cy="6858000"/>
   <p:notesSz cx="6858000" cy="9144000"/>
@@ -117,7 +116,1846 @@
       </a:defRPr>
     </a:lvl9pPr>
   </p:defaultTextStyle>
+  <p:extLst>
+    <p:ext uri="{EFAFB233-063F-42B5-8137-9DF3F51BA10A}">
+      <p15:sldGuideLst xmlns:p15="http://schemas.microsoft.com/office/powerpoint/2012/main"/>
+    </p:ext>
+  </p:extLst>
 </p:presentation>
+</file>
+
+<file path=ppt/charts/chart1.xml><?xml version="1.0" encoding="utf-8"?>
+<c:chartSpace xmlns:c="http://schemas.openxmlformats.org/drawingml/2006/chart" xmlns:a="http://schemas.openxmlformats.org/drawingml/2006/main" xmlns:r="http://schemas.openxmlformats.org/officeDocument/2006/relationships" xmlns:c16r2="http://schemas.microsoft.com/office/drawing/2015/06/chart">
+  <c:date1904 val="0"/>
+  <c:lang val="pt-BR"/>
+  <c:roundedCorners val="0"/>
+  <mc:AlternateContent xmlns:mc="http://schemas.openxmlformats.org/markup-compatibility/2006">
+    <mc:Choice xmlns:c14="http://schemas.microsoft.com/office/drawing/2007/8/2/chart" Requires="c14">
+      <c14:style val="102"/>
+    </mc:Choice>
+    <mc:Fallback>
+      <c:style val="2"/>
+    </mc:Fallback>
+  </mc:AlternateContent>
+  <c:chart>
+    <c:autoTitleDeleted val="1"/>
+    <c:plotArea>
+      <c:layout/>
+      <c:barChart>
+        <c:barDir val="col"/>
+        <c:grouping val="clustered"/>
+        <c:varyColors val="0"/>
+        <c:ser>
+          <c:idx val="0"/>
+          <c:order val="0"/>
+          <c:tx>
+            <c:strRef>
+              <c:f>Planilha1!$A$3</c:f>
+              <c:strCache>
+                <c:ptCount val="1"/>
+                <c:pt idx="0">
+                  <c:v>% Acertos</c:v>
+                </c:pt>
+              </c:strCache>
+            </c:strRef>
+          </c:tx>
+          <c:spPr>
+            <a:solidFill>
+              <a:schemeClr val="accent1"/>
+            </a:solidFill>
+            <a:ln>
+              <a:noFill/>
+            </a:ln>
+            <a:effectLst/>
+          </c:spPr>
+          <c:invertIfNegative val="0"/>
+          <c:cat>
+            <c:strRef>
+              <c:f>Planilha1!$B$2:$G$2</c:f>
+              <c:strCache>
+                <c:ptCount val="6"/>
+                <c:pt idx="0">
+                  <c:v>Grupo 1</c:v>
+                </c:pt>
+                <c:pt idx="1">
+                  <c:v>Grupo 2</c:v>
+                </c:pt>
+                <c:pt idx="2">
+                  <c:v>Grupo 3</c:v>
+                </c:pt>
+                <c:pt idx="3">
+                  <c:v>Grupo 4</c:v>
+                </c:pt>
+                <c:pt idx="4">
+                  <c:v>Grupo 5</c:v>
+                </c:pt>
+                <c:pt idx="5">
+                  <c:v>Grupo 6</c:v>
+                </c:pt>
+              </c:strCache>
+            </c:strRef>
+          </c:cat>
+          <c:val>
+            <c:numRef>
+              <c:f>Planilha1!$B$3:$G$3</c:f>
+              <c:numCache>
+                <c:formatCode>0.00%</c:formatCode>
+                <c:ptCount val="6"/>
+                <c:pt idx="0">
+                  <c:v>0.88</c:v>
+                </c:pt>
+                <c:pt idx="1">
+                  <c:v>0.88</c:v>
+                </c:pt>
+                <c:pt idx="2">
+                  <c:v>0.6</c:v>
+                </c:pt>
+                <c:pt idx="3">
+                  <c:v>0.52</c:v>
+                </c:pt>
+                <c:pt idx="4">
+                  <c:v>0.6</c:v>
+                </c:pt>
+                <c:pt idx="5">
+                  <c:v>0.72</c:v>
+                </c:pt>
+              </c:numCache>
+            </c:numRef>
+          </c:val>
+          <c:extLst>
+            <c:ext xmlns:c16="http://schemas.microsoft.com/office/drawing/2014/chart" uri="{C3380CC4-5D6E-409C-BE32-E72D297353CC}">
+              <c16:uniqueId val="{00000000-B801-43CA-984B-68CBDCE0ACF6}"/>
+            </c:ext>
+          </c:extLst>
+        </c:ser>
+        <c:ser>
+          <c:idx val="1"/>
+          <c:order val="1"/>
+          <c:tx>
+            <c:strRef>
+              <c:f>Planilha1!$A$4</c:f>
+              <c:strCache>
+                <c:ptCount val="1"/>
+                <c:pt idx="0">
+                  <c:v>% Presença</c:v>
+                </c:pt>
+              </c:strCache>
+            </c:strRef>
+          </c:tx>
+          <c:spPr>
+            <a:solidFill>
+              <a:schemeClr val="accent2"/>
+            </a:solidFill>
+            <a:ln>
+              <a:noFill/>
+            </a:ln>
+            <a:effectLst/>
+          </c:spPr>
+          <c:invertIfNegative val="0"/>
+          <c:cat>
+            <c:strRef>
+              <c:f>Planilha1!$B$2:$G$2</c:f>
+              <c:strCache>
+                <c:ptCount val="6"/>
+                <c:pt idx="0">
+                  <c:v>Grupo 1</c:v>
+                </c:pt>
+                <c:pt idx="1">
+                  <c:v>Grupo 2</c:v>
+                </c:pt>
+                <c:pt idx="2">
+                  <c:v>Grupo 3</c:v>
+                </c:pt>
+                <c:pt idx="3">
+                  <c:v>Grupo 4</c:v>
+                </c:pt>
+                <c:pt idx="4">
+                  <c:v>Grupo 5</c:v>
+                </c:pt>
+                <c:pt idx="5">
+                  <c:v>Grupo 6</c:v>
+                </c:pt>
+              </c:strCache>
+            </c:strRef>
+          </c:cat>
+          <c:val>
+            <c:numRef>
+              <c:f>Planilha1!$B$4:$G$4</c:f>
+              <c:numCache>
+                <c:formatCode>0.00%</c:formatCode>
+                <c:ptCount val="6"/>
+                <c:pt idx="0">
+                  <c:v>1</c:v>
+                </c:pt>
+                <c:pt idx="1">
+                  <c:v>0.83299999999999996</c:v>
+                </c:pt>
+                <c:pt idx="2">
+                  <c:v>0.83299999999999996</c:v>
+                </c:pt>
+                <c:pt idx="3">
+                  <c:v>1</c:v>
+                </c:pt>
+                <c:pt idx="4">
+                  <c:v>0.71399999999999997</c:v>
+                </c:pt>
+                <c:pt idx="5">
+                  <c:v>0.83299999999999996</c:v>
+                </c:pt>
+              </c:numCache>
+            </c:numRef>
+          </c:val>
+          <c:extLst>
+            <c:ext xmlns:c16="http://schemas.microsoft.com/office/drawing/2014/chart" uri="{C3380CC4-5D6E-409C-BE32-E72D297353CC}">
+              <c16:uniqueId val="{00000001-B801-43CA-984B-68CBDCE0ACF6}"/>
+            </c:ext>
+          </c:extLst>
+        </c:ser>
+        <c:dLbls>
+          <c:showLegendKey val="0"/>
+          <c:showVal val="0"/>
+          <c:showCatName val="0"/>
+          <c:showSerName val="0"/>
+          <c:showPercent val="0"/>
+          <c:showBubbleSize val="0"/>
+        </c:dLbls>
+        <c:gapWidth val="219"/>
+        <c:overlap val="-27"/>
+        <c:axId val="2071135055"/>
+        <c:axId val="2071138799"/>
+      </c:barChart>
+      <c:catAx>
+        <c:axId val="2071135055"/>
+        <c:scaling>
+          <c:orientation val="minMax"/>
+        </c:scaling>
+        <c:delete val="0"/>
+        <c:axPos val="b"/>
+        <c:numFmt formatCode="General" sourceLinked="1"/>
+        <c:majorTickMark val="none"/>
+        <c:minorTickMark val="none"/>
+        <c:tickLblPos val="nextTo"/>
+        <c:spPr>
+          <a:noFill/>
+          <a:ln w="9525" cap="flat" cmpd="sng" algn="ctr">
+            <a:solidFill>
+              <a:schemeClr val="tx1">
+                <a:lumMod val="15000"/>
+                <a:lumOff val="85000"/>
+              </a:schemeClr>
+            </a:solidFill>
+            <a:round/>
+          </a:ln>
+          <a:effectLst/>
+        </c:spPr>
+        <c:txPr>
+          <a:bodyPr rot="-60000000" spcFirstLastPara="1" vertOverflow="ellipsis" vert="horz" wrap="square" anchor="ctr" anchorCtr="1"/>
+          <a:lstStyle/>
+          <a:p>
+            <a:pPr>
+              <a:defRPr sz="900" b="0" i="0" u="none" strike="noStrike" kern="1200" baseline="0">
+                <a:solidFill>
+                  <a:schemeClr val="tx1">
+                    <a:lumMod val="65000"/>
+                    <a:lumOff val="35000"/>
+                  </a:schemeClr>
+                </a:solidFill>
+                <a:latin typeface="+mn-lt"/>
+                <a:ea typeface="+mn-ea"/>
+                <a:cs typeface="+mn-cs"/>
+              </a:defRPr>
+            </a:pPr>
+            <a:endParaRPr lang="pt-BR"/>
+          </a:p>
+        </c:txPr>
+        <c:crossAx val="2071138799"/>
+        <c:crosses val="autoZero"/>
+        <c:auto val="1"/>
+        <c:lblAlgn val="ctr"/>
+        <c:lblOffset val="100"/>
+        <c:noMultiLvlLbl val="0"/>
+      </c:catAx>
+      <c:valAx>
+        <c:axId val="2071138799"/>
+        <c:scaling>
+          <c:orientation val="minMax"/>
+        </c:scaling>
+        <c:delete val="0"/>
+        <c:axPos val="l"/>
+        <c:majorGridlines>
+          <c:spPr>
+            <a:ln w="9525" cap="flat" cmpd="sng" algn="ctr">
+              <a:solidFill>
+                <a:schemeClr val="tx1">
+                  <a:lumMod val="15000"/>
+                  <a:lumOff val="85000"/>
+                </a:schemeClr>
+              </a:solidFill>
+              <a:round/>
+            </a:ln>
+            <a:effectLst/>
+          </c:spPr>
+        </c:majorGridlines>
+        <c:numFmt formatCode="0.00%" sourceLinked="1"/>
+        <c:majorTickMark val="none"/>
+        <c:minorTickMark val="none"/>
+        <c:tickLblPos val="nextTo"/>
+        <c:spPr>
+          <a:noFill/>
+          <a:ln>
+            <a:noFill/>
+          </a:ln>
+          <a:effectLst/>
+        </c:spPr>
+        <c:txPr>
+          <a:bodyPr rot="-60000000" spcFirstLastPara="1" vertOverflow="ellipsis" vert="horz" wrap="square" anchor="ctr" anchorCtr="1"/>
+          <a:lstStyle/>
+          <a:p>
+            <a:pPr>
+              <a:defRPr sz="900" b="0" i="0" u="none" strike="noStrike" kern="1200" baseline="0">
+                <a:solidFill>
+                  <a:schemeClr val="tx1">
+                    <a:lumMod val="65000"/>
+                    <a:lumOff val="35000"/>
+                  </a:schemeClr>
+                </a:solidFill>
+                <a:latin typeface="+mn-lt"/>
+                <a:ea typeface="+mn-ea"/>
+                <a:cs typeface="+mn-cs"/>
+              </a:defRPr>
+            </a:pPr>
+            <a:endParaRPr lang="pt-BR"/>
+          </a:p>
+        </c:txPr>
+        <c:crossAx val="2071135055"/>
+        <c:crosses val="autoZero"/>
+        <c:crossBetween val="between"/>
+      </c:valAx>
+      <c:spPr>
+        <a:noFill/>
+        <a:ln>
+          <a:noFill/>
+        </a:ln>
+        <a:effectLst/>
+      </c:spPr>
+    </c:plotArea>
+    <c:legend>
+      <c:legendPos val="b"/>
+      <c:layout/>
+      <c:overlay val="0"/>
+      <c:spPr>
+        <a:noFill/>
+        <a:ln>
+          <a:noFill/>
+        </a:ln>
+        <a:effectLst/>
+      </c:spPr>
+      <c:txPr>
+        <a:bodyPr rot="0" spcFirstLastPara="1" vertOverflow="ellipsis" vert="horz" wrap="square" anchor="ctr" anchorCtr="1"/>
+        <a:lstStyle/>
+        <a:p>
+          <a:pPr>
+            <a:defRPr sz="1800" b="0" i="0" u="none" strike="noStrike" kern="1200" baseline="0">
+              <a:solidFill>
+                <a:schemeClr val="tx1">
+                  <a:lumMod val="65000"/>
+                  <a:lumOff val="35000"/>
+                </a:schemeClr>
+              </a:solidFill>
+              <a:latin typeface="+mn-lt"/>
+              <a:ea typeface="+mn-ea"/>
+              <a:cs typeface="+mn-cs"/>
+            </a:defRPr>
+          </a:pPr>
+          <a:endParaRPr lang="pt-BR"/>
+        </a:p>
+      </c:txPr>
+    </c:legend>
+    <c:plotVisOnly val="1"/>
+    <c:dispBlanksAs val="gap"/>
+    <c:showDLblsOverMax val="0"/>
+  </c:chart>
+  <c:spPr>
+    <a:noFill/>
+    <a:ln>
+      <a:noFill/>
+    </a:ln>
+    <a:effectLst/>
+  </c:spPr>
+  <c:txPr>
+    <a:bodyPr/>
+    <a:lstStyle/>
+    <a:p>
+      <a:pPr>
+        <a:defRPr/>
+      </a:pPr>
+      <a:endParaRPr lang="pt-BR"/>
+    </a:p>
+  </c:txPr>
+  <c:externalData r:id="rId3">
+    <c:autoUpdate val="0"/>
+  </c:externalData>
+</c:chartSpace>
+</file>
+
+<file path=ppt/charts/chart2.xml><?xml version="1.0" encoding="utf-8"?>
+<c:chartSpace xmlns:c="http://schemas.openxmlformats.org/drawingml/2006/chart" xmlns:a="http://schemas.openxmlformats.org/drawingml/2006/main" xmlns:r="http://schemas.openxmlformats.org/officeDocument/2006/relationships" xmlns:c16r2="http://schemas.microsoft.com/office/drawing/2015/06/chart">
+  <c:date1904 val="0"/>
+  <c:lang val="pt-BR"/>
+  <c:roundedCorners val="0"/>
+  <mc:AlternateContent xmlns:mc="http://schemas.openxmlformats.org/markup-compatibility/2006">
+    <mc:Choice xmlns:c14="http://schemas.microsoft.com/office/drawing/2007/8/2/chart" Requires="c14">
+      <c14:style val="102"/>
+    </mc:Choice>
+    <mc:Fallback>
+      <c:style val="2"/>
+    </mc:Fallback>
+  </mc:AlternateContent>
+  <c:chart>
+    <c:autoTitleDeleted val="1"/>
+    <c:plotArea>
+      <c:layout/>
+      <c:barChart>
+        <c:barDir val="col"/>
+        <c:grouping val="clustered"/>
+        <c:varyColors val="0"/>
+        <c:ser>
+          <c:idx val="0"/>
+          <c:order val="0"/>
+          <c:tx>
+            <c:strRef>
+              <c:f>Planilha1!$A$3</c:f>
+              <c:strCache>
+                <c:ptCount val="1"/>
+                <c:pt idx="0">
+                  <c:v>% Acertos</c:v>
+                </c:pt>
+              </c:strCache>
+            </c:strRef>
+          </c:tx>
+          <c:spPr>
+            <a:solidFill>
+              <a:schemeClr val="accent1"/>
+            </a:solidFill>
+            <a:ln>
+              <a:noFill/>
+            </a:ln>
+            <a:effectLst/>
+          </c:spPr>
+          <c:invertIfNegative val="0"/>
+          <c:cat>
+            <c:strRef>
+              <c:f>Planilha1!$B$1:$G$2</c:f>
+              <c:strCache>
+                <c:ptCount val="6"/>
+                <c:pt idx="0">
+                  <c:v>Grupo 1</c:v>
+                </c:pt>
+                <c:pt idx="1">
+                  <c:v>Grupo 2</c:v>
+                </c:pt>
+                <c:pt idx="2">
+                  <c:v>Grupo 3</c:v>
+                </c:pt>
+                <c:pt idx="3">
+                  <c:v>Grupo 4</c:v>
+                </c:pt>
+                <c:pt idx="4">
+                  <c:v>Grupo 5</c:v>
+                </c:pt>
+                <c:pt idx="5">
+                  <c:v>Grupo 6</c:v>
+                </c:pt>
+              </c:strCache>
+            </c:strRef>
+          </c:cat>
+          <c:val>
+            <c:numRef>
+              <c:f>Planilha1!$B$3:$G$3</c:f>
+              <c:numCache>
+                <c:formatCode>0.00%</c:formatCode>
+                <c:ptCount val="6"/>
+                <c:pt idx="0">
+                  <c:v>0.88</c:v>
+                </c:pt>
+                <c:pt idx="1">
+                  <c:v>0.88</c:v>
+                </c:pt>
+                <c:pt idx="2">
+                  <c:v>0.6</c:v>
+                </c:pt>
+                <c:pt idx="3">
+                  <c:v>0.52</c:v>
+                </c:pt>
+                <c:pt idx="4">
+                  <c:v>0.6</c:v>
+                </c:pt>
+                <c:pt idx="5">
+                  <c:v>0.72</c:v>
+                </c:pt>
+              </c:numCache>
+            </c:numRef>
+          </c:val>
+          <c:extLst>
+            <c:ext xmlns:c16="http://schemas.microsoft.com/office/drawing/2014/chart" uri="{C3380CC4-5D6E-409C-BE32-E72D297353CC}">
+              <c16:uniqueId val="{00000000-B350-4D61-A48C-799A5EACBF36}"/>
+            </c:ext>
+          </c:extLst>
+        </c:ser>
+        <c:ser>
+          <c:idx val="1"/>
+          <c:order val="1"/>
+          <c:tx>
+            <c:strRef>
+              <c:f>Planilha1!$A$4</c:f>
+              <c:strCache>
+                <c:ptCount val="1"/>
+                <c:pt idx="0">
+                  <c:v>% Presença</c:v>
+                </c:pt>
+              </c:strCache>
+            </c:strRef>
+          </c:tx>
+          <c:spPr>
+            <a:solidFill>
+              <a:schemeClr val="accent2"/>
+            </a:solidFill>
+            <a:ln>
+              <a:noFill/>
+            </a:ln>
+            <a:effectLst/>
+          </c:spPr>
+          <c:invertIfNegative val="0"/>
+          <c:cat>
+            <c:strRef>
+              <c:f>Planilha1!$B$1:$G$2</c:f>
+              <c:strCache>
+                <c:ptCount val="6"/>
+                <c:pt idx="0">
+                  <c:v>Grupo 1</c:v>
+                </c:pt>
+                <c:pt idx="1">
+                  <c:v>Grupo 2</c:v>
+                </c:pt>
+                <c:pt idx="2">
+                  <c:v>Grupo 3</c:v>
+                </c:pt>
+                <c:pt idx="3">
+                  <c:v>Grupo 4</c:v>
+                </c:pt>
+                <c:pt idx="4">
+                  <c:v>Grupo 5</c:v>
+                </c:pt>
+                <c:pt idx="5">
+                  <c:v>Grupo 6</c:v>
+                </c:pt>
+              </c:strCache>
+            </c:strRef>
+          </c:cat>
+          <c:val>
+            <c:numRef>
+              <c:f>Planilha1!$B$4:$G$4</c:f>
+              <c:numCache>
+                <c:formatCode>0.00%</c:formatCode>
+                <c:ptCount val="6"/>
+                <c:pt idx="0">
+                  <c:v>1</c:v>
+                </c:pt>
+                <c:pt idx="1">
+                  <c:v>0.83299999999999996</c:v>
+                </c:pt>
+                <c:pt idx="2">
+                  <c:v>0.83299999999999996</c:v>
+                </c:pt>
+                <c:pt idx="3">
+                  <c:v>1</c:v>
+                </c:pt>
+                <c:pt idx="4">
+                  <c:v>0.71399999999999997</c:v>
+                </c:pt>
+                <c:pt idx="5">
+                  <c:v>0.83299999999999996</c:v>
+                </c:pt>
+              </c:numCache>
+            </c:numRef>
+          </c:val>
+          <c:extLst>
+            <c:ext xmlns:c16="http://schemas.microsoft.com/office/drawing/2014/chart" uri="{C3380CC4-5D6E-409C-BE32-E72D297353CC}">
+              <c16:uniqueId val="{00000001-B350-4D61-A48C-799A5EACBF36}"/>
+            </c:ext>
+          </c:extLst>
+        </c:ser>
+        <c:dLbls>
+          <c:showLegendKey val="0"/>
+          <c:showVal val="0"/>
+          <c:showCatName val="0"/>
+          <c:showSerName val="0"/>
+          <c:showPercent val="0"/>
+          <c:showBubbleSize val="0"/>
+        </c:dLbls>
+        <c:gapWidth val="219"/>
+        <c:overlap val="-27"/>
+        <c:axId val="1997406367"/>
+        <c:axId val="1997400543"/>
+      </c:barChart>
+      <c:catAx>
+        <c:axId val="1997406367"/>
+        <c:scaling>
+          <c:orientation val="minMax"/>
+        </c:scaling>
+        <c:delete val="0"/>
+        <c:axPos val="b"/>
+        <c:numFmt formatCode="General" sourceLinked="1"/>
+        <c:majorTickMark val="none"/>
+        <c:minorTickMark val="none"/>
+        <c:tickLblPos val="nextTo"/>
+        <c:spPr>
+          <a:noFill/>
+          <a:ln w="9525" cap="flat" cmpd="sng" algn="ctr">
+            <a:solidFill>
+              <a:schemeClr val="tx1">
+                <a:lumMod val="15000"/>
+                <a:lumOff val="85000"/>
+              </a:schemeClr>
+            </a:solidFill>
+            <a:round/>
+          </a:ln>
+          <a:effectLst/>
+        </c:spPr>
+        <c:txPr>
+          <a:bodyPr rot="-60000000" spcFirstLastPara="1" vertOverflow="ellipsis" vert="horz" wrap="square" anchor="ctr" anchorCtr="1"/>
+          <a:lstStyle/>
+          <a:p>
+            <a:pPr>
+              <a:defRPr sz="900" b="0" i="0" u="none" strike="noStrike" kern="1200" baseline="0">
+                <a:solidFill>
+                  <a:schemeClr val="tx1">
+                    <a:lumMod val="65000"/>
+                    <a:lumOff val="35000"/>
+                  </a:schemeClr>
+                </a:solidFill>
+                <a:latin typeface="+mn-lt"/>
+                <a:ea typeface="+mn-ea"/>
+                <a:cs typeface="+mn-cs"/>
+              </a:defRPr>
+            </a:pPr>
+            <a:endParaRPr lang="pt-BR"/>
+          </a:p>
+        </c:txPr>
+        <c:crossAx val="1997400543"/>
+        <c:crosses val="autoZero"/>
+        <c:auto val="1"/>
+        <c:lblAlgn val="ctr"/>
+        <c:lblOffset val="100"/>
+        <c:noMultiLvlLbl val="0"/>
+      </c:catAx>
+      <c:valAx>
+        <c:axId val="1997400543"/>
+        <c:scaling>
+          <c:orientation val="minMax"/>
+        </c:scaling>
+        <c:delete val="0"/>
+        <c:axPos val="l"/>
+        <c:majorGridlines>
+          <c:spPr>
+            <a:ln w="9525" cap="flat" cmpd="sng" algn="ctr">
+              <a:solidFill>
+                <a:schemeClr val="tx1">
+                  <a:lumMod val="15000"/>
+                  <a:lumOff val="85000"/>
+                </a:schemeClr>
+              </a:solidFill>
+              <a:round/>
+            </a:ln>
+            <a:effectLst/>
+          </c:spPr>
+        </c:majorGridlines>
+        <c:numFmt formatCode="0.00%" sourceLinked="1"/>
+        <c:majorTickMark val="none"/>
+        <c:minorTickMark val="none"/>
+        <c:tickLblPos val="nextTo"/>
+        <c:spPr>
+          <a:noFill/>
+          <a:ln>
+            <a:noFill/>
+          </a:ln>
+          <a:effectLst/>
+        </c:spPr>
+        <c:txPr>
+          <a:bodyPr rot="-60000000" spcFirstLastPara="1" vertOverflow="ellipsis" vert="horz" wrap="square" anchor="ctr" anchorCtr="1"/>
+          <a:lstStyle/>
+          <a:p>
+            <a:pPr>
+              <a:defRPr sz="900" b="0" i="0" u="none" strike="noStrike" kern="1200" baseline="0">
+                <a:solidFill>
+                  <a:schemeClr val="tx1">
+                    <a:lumMod val="65000"/>
+                    <a:lumOff val="35000"/>
+                  </a:schemeClr>
+                </a:solidFill>
+                <a:latin typeface="+mn-lt"/>
+                <a:ea typeface="+mn-ea"/>
+                <a:cs typeface="+mn-cs"/>
+              </a:defRPr>
+            </a:pPr>
+            <a:endParaRPr lang="pt-BR"/>
+          </a:p>
+        </c:txPr>
+        <c:crossAx val="1997406367"/>
+        <c:crosses val="autoZero"/>
+        <c:crossBetween val="between"/>
+      </c:valAx>
+      <c:spPr>
+        <a:noFill/>
+        <a:ln>
+          <a:noFill/>
+        </a:ln>
+        <a:effectLst/>
+      </c:spPr>
+    </c:plotArea>
+    <c:legend>
+      <c:legendPos val="b"/>
+      <c:layout/>
+      <c:overlay val="0"/>
+      <c:spPr>
+        <a:noFill/>
+        <a:ln>
+          <a:noFill/>
+        </a:ln>
+        <a:effectLst/>
+      </c:spPr>
+      <c:txPr>
+        <a:bodyPr rot="0" spcFirstLastPara="1" vertOverflow="ellipsis" vert="horz" wrap="square" anchor="ctr" anchorCtr="1"/>
+        <a:lstStyle/>
+        <a:p>
+          <a:pPr>
+            <a:defRPr sz="2400" b="0" i="0" u="none" strike="noStrike" kern="1200" baseline="0">
+              <a:solidFill>
+                <a:schemeClr val="tx1">
+                  <a:lumMod val="65000"/>
+                  <a:lumOff val="35000"/>
+                </a:schemeClr>
+              </a:solidFill>
+              <a:latin typeface="+mn-lt"/>
+              <a:ea typeface="+mn-ea"/>
+              <a:cs typeface="+mn-cs"/>
+            </a:defRPr>
+          </a:pPr>
+          <a:endParaRPr lang="pt-BR"/>
+        </a:p>
+      </c:txPr>
+    </c:legend>
+    <c:plotVisOnly val="1"/>
+    <c:dispBlanksAs val="gap"/>
+    <c:showDLblsOverMax val="0"/>
+  </c:chart>
+  <c:spPr>
+    <a:noFill/>
+    <a:ln>
+      <a:noFill/>
+    </a:ln>
+    <a:effectLst/>
+  </c:spPr>
+  <c:txPr>
+    <a:bodyPr/>
+    <a:lstStyle/>
+    <a:p>
+      <a:pPr>
+        <a:defRPr/>
+      </a:pPr>
+      <a:endParaRPr lang="pt-BR"/>
+    </a:p>
+  </c:txPr>
+  <c:externalData r:id="rId3">
+    <c:autoUpdate val="0"/>
+  </c:externalData>
+</c:chartSpace>
+</file>
+
+<file path=ppt/charts/colors1.xml><?xml version="1.0" encoding="utf-8"?>
+<cs:colorStyle xmlns:cs="http://schemas.microsoft.com/office/drawing/2012/chartStyle" xmlns:a="http://schemas.openxmlformats.org/drawingml/2006/main" meth="cycle" id="10">
+  <a:schemeClr val="accent1"/>
+  <a:schemeClr val="accent2"/>
+  <a:schemeClr val="accent3"/>
+  <a:schemeClr val="accent4"/>
+  <a:schemeClr val="accent5"/>
+  <a:schemeClr val="accent6"/>
+  <cs:variation/>
+  <cs:variation>
+    <a:lumMod val="60000"/>
+  </cs:variation>
+  <cs:variation>
+    <a:lumMod val="80000"/>
+    <a:lumOff val="20000"/>
+  </cs:variation>
+  <cs:variation>
+    <a:lumMod val="80000"/>
+  </cs:variation>
+  <cs:variation>
+    <a:lumMod val="60000"/>
+    <a:lumOff val="40000"/>
+  </cs:variation>
+  <cs:variation>
+    <a:lumMod val="50000"/>
+  </cs:variation>
+  <cs:variation>
+    <a:lumMod val="70000"/>
+    <a:lumOff val="30000"/>
+  </cs:variation>
+  <cs:variation>
+    <a:lumMod val="70000"/>
+  </cs:variation>
+  <cs:variation>
+    <a:lumMod val="50000"/>
+    <a:lumOff val="50000"/>
+  </cs:variation>
+</cs:colorStyle>
+</file>
+
+<file path=ppt/charts/colors2.xml><?xml version="1.0" encoding="utf-8"?>
+<cs:colorStyle xmlns:cs="http://schemas.microsoft.com/office/drawing/2012/chartStyle" xmlns:a="http://schemas.openxmlformats.org/drawingml/2006/main" meth="cycle" id="10">
+  <a:schemeClr val="accent1"/>
+  <a:schemeClr val="accent2"/>
+  <a:schemeClr val="accent3"/>
+  <a:schemeClr val="accent4"/>
+  <a:schemeClr val="accent5"/>
+  <a:schemeClr val="accent6"/>
+  <cs:variation/>
+  <cs:variation>
+    <a:lumMod val="60000"/>
+  </cs:variation>
+  <cs:variation>
+    <a:lumMod val="80000"/>
+    <a:lumOff val="20000"/>
+  </cs:variation>
+  <cs:variation>
+    <a:lumMod val="80000"/>
+  </cs:variation>
+  <cs:variation>
+    <a:lumMod val="60000"/>
+    <a:lumOff val="40000"/>
+  </cs:variation>
+  <cs:variation>
+    <a:lumMod val="50000"/>
+  </cs:variation>
+  <cs:variation>
+    <a:lumMod val="70000"/>
+    <a:lumOff val="30000"/>
+  </cs:variation>
+  <cs:variation>
+    <a:lumMod val="70000"/>
+  </cs:variation>
+  <cs:variation>
+    <a:lumMod val="50000"/>
+    <a:lumOff val="50000"/>
+  </cs:variation>
+</cs:colorStyle>
+</file>
+
+<file path=ppt/charts/style1.xml><?xml version="1.0" encoding="utf-8"?>
+<cs:chartStyle xmlns:cs="http://schemas.microsoft.com/office/drawing/2012/chartStyle" xmlns:a="http://schemas.openxmlformats.org/drawingml/2006/main" id="201">
+  <cs:axisTitle>
+    <cs:lnRef idx="0"/>
+    <cs:fillRef idx="0"/>
+    <cs:effectRef idx="0"/>
+    <cs:fontRef idx="minor">
+      <a:schemeClr val="tx1">
+        <a:lumMod val="65000"/>
+        <a:lumOff val="35000"/>
+      </a:schemeClr>
+    </cs:fontRef>
+    <cs:defRPr sz="1000" kern="1200"/>
+  </cs:axisTitle>
+  <cs:categoryAxis>
+    <cs:lnRef idx="0"/>
+    <cs:fillRef idx="0"/>
+    <cs:effectRef idx="0"/>
+    <cs:fontRef idx="minor">
+      <a:schemeClr val="tx1">
+        <a:lumMod val="65000"/>
+        <a:lumOff val="35000"/>
+      </a:schemeClr>
+    </cs:fontRef>
+    <cs:spPr>
+      <a:ln w="9525" cap="flat" cmpd="sng" algn="ctr">
+        <a:solidFill>
+          <a:schemeClr val="tx1">
+            <a:lumMod val="15000"/>
+            <a:lumOff val="85000"/>
+          </a:schemeClr>
+        </a:solidFill>
+        <a:round/>
+      </a:ln>
+    </cs:spPr>
+    <cs:defRPr sz="900" kern="1200"/>
+  </cs:categoryAxis>
+  <cs:chartArea mods="allowNoFillOverride allowNoLineOverride">
+    <cs:lnRef idx="0"/>
+    <cs:fillRef idx="0"/>
+    <cs:effectRef idx="0"/>
+    <cs:fontRef idx="minor">
+      <a:schemeClr val="tx1"/>
+    </cs:fontRef>
+    <cs:spPr>
+      <a:solidFill>
+        <a:schemeClr val="bg1"/>
+      </a:solidFill>
+      <a:ln w="9525" cap="flat" cmpd="sng" algn="ctr">
+        <a:solidFill>
+          <a:schemeClr val="tx1">
+            <a:lumMod val="15000"/>
+            <a:lumOff val="85000"/>
+          </a:schemeClr>
+        </a:solidFill>
+        <a:round/>
+      </a:ln>
+    </cs:spPr>
+    <cs:defRPr sz="1000" kern="1200"/>
+  </cs:chartArea>
+  <cs:dataLabel>
+    <cs:lnRef idx="0"/>
+    <cs:fillRef idx="0"/>
+    <cs:effectRef idx="0"/>
+    <cs:fontRef idx="minor">
+      <a:schemeClr val="tx1">
+        <a:lumMod val="75000"/>
+        <a:lumOff val="25000"/>
+      </a:schemeClr>
+    </cs:fontRef>
+    <cs:defRPr sz="900" kern="1200"/>
+  </cs:dataLabel>
+  <cs:dataLabelCallout>
+    <cs:lnRef idx="0"/>
+    <cs:fillRef idx="0"/>
+    <cs:effectRef idx="0"/>
+    <cs:fontRef idx="minor">
+      <a:schemeClr val="dk1">
+        <a:lumMod val="65000"/>
+        <a:lumOff val="35000"/>
+      </a:schemeClr>
+    </cs:fontRef>
+    <cs:spPr>
+      <a:solidFill>
+        <a:schemeClr val="lt1"/>
+      </a:solidFill>
+      <a:ln>
+        <a:solidFill>
+          <a:schemeClr val="dk1">
+            <a:lumMod val="25000"/>
+            <a:lumOff val="75000"/>
+          </a:schemeClr>
+        </a:solidFill>
+      </a:ln>
+    </cs:spPr>
+    <cs:defRPr sz="900" kern="1200"/>
+    <cs:bodyPr rot="0" spcFirstLastPara="1" vertOverflow="clip" horzOverflow="clip" vert="horz" wrap="square" lIns="36576" tIns="18288" rIns="36576" bIns="18288" anchor="ctr" anchorCtr="1">
+      <a:spAutoFit/>
+    </cs:bodyPr>
+  </cs:dataLabelCallout>
+  <cs:dataPoint>
+    <cs:lnRef idx="0"/>
+    <cs:fillRef idx="1">
+      <cs:styleClr val="auto"/>
+    </cs:fillRef>
+    <cs:effectRef idx="0"/>
+    <cs:fontRef idx="minor">
+      <a:schemeClr val="tx1"/>
+    </cs:fontRef>
+  </cs:dataPoint>
+  <cs:dataPoint3D>
+    <cs:lnRef idx="0"/>
+    <cs:fillRef idx="1">
+      <cs:styleClr val="auto"/>
+    </cs:fillRef>
+    <cs:effectRef idx="0"/>
+    <cs:fontRef idx="minor">
+      <a:schemeClr val="tx1"/>
+    </cs:fontRef>
+  </cs:dataPoint3D>
+  <cs:dataPointLine>
+    <cs:lnRef idx="0">
+      <cs:styleClr val="auto"/>
+    </cs:lnRef>
+    <cs:fillRef idx="1"/>
+    <cs:effectRef idx="0"/>
+    <cs:fontRef idx="minor">
+      <a:schemeClr val="tx1"/>
+    </cs:fontRef>
+    <cs:spPr>
+      <a:ln w="28575" cap="rnd">
+        <a:solidFill>
+          <a:schemeClr val="phClr"/>
+        </a:solidFill>
+        <a:round/>
+      </a:ln>
+    </cs:spPr>
+  </cs:dataPointLine>
+  <cs:dataPointMarker>
+    <cs:lnRef idx="0">
+      <cs:styleClr val="auto"/>
+    </cs:lnRef>
+    <cs:fillRef idx="1">
+      <cs:styleClr val="auto"/>
+    </cs:fillRef>
+    <cs:effectRef idx="0"/>
+    <cs:fontRef idx="minor">
+      <a:schemeClr val="tx1"/>
+    </cs:fontRef>
+    <cs:spPr>
+      <a:ln w="9525">
+        <a:solidFill>
+          <a:schemeClr val="phClr"/>
+        </a:solidFill>
+      </a:ln>
+    </cs:spPr>
+  </cs:dataPointMarker>
+  <cs:dataPointMarkerLayout symbol="circle" size="5"/>
+  <cs:dataPointWireframe>
+    <cs:lnRef idx="0">
+      <cs:styleClr val="auto"/>
+    </cs:lnRef>
+    <cs:fillRef idx="1"/>
+    <cs:effectRef idx="0"/>
+    <cs:fontRef idx="minor">
+      <a:schemeClr val="tx1"/>
+    </cs:fontRef>
+    <cs:spPr>
+      <a:ln w="9525" cap="rnd">
+        <a:solidFill>
+          <a:schemeClr val="phClr"/>
+        </a:solidFill>
+        <a:round/>
+      </a:ln>
+    </cs:spPr>
+  </cs:dataPointWireframe>
+  <cs:dataTable>
+    <cs:lnRef idx="0"/>
+    <cs:fillRef idx="0"/>
+    <cs:effectRef idx="0"/>
+    <cs:fontRef idx="minor">
+      <a:schemeClr val="tx1">
+        <a:lumMod val="65000"/>
+        <a:lumOff val="35000"/>
+      </a:schemeClr>
+    </cs:fontRef>
+    <cs:spPr>
+      <a:noFill/>
+      <a:ln w="9525" cap="flat" cmpd="sng" algn="ctr">
+        <a:solidFill>
+          <a:schemeClr val="tx1">
+            <a:lumMod val="15000"/>
+            <a:lumOff val="85000"/>
+          </a:schemeClr>
+        </a:solidFill>
+        <a:round/>
+      </a:ln>
+    </cs:spPr>
+    <cs:defRPr sz="900" kern="1200"/>
+  </cs:dataTable>
+  <cs:downBar>
+    <cs:lnRef idx="0"/>
+    <cs:fillRef idx="0"/>
+    <cs:effectRef idx="0"/>
+    <cs:fontRef idx="minor">
+      <a:schemeClr val="dk1"/>
+    </cs:fontRef>
+    <cs:spPr>
+      <a:solidFill>
+        <a:schemeClr val="dk1">
+          <a:lumMod val="65000"/>
+          <a:lumOff val="35000"/>
+        </a:schemeClr>
+      </a:solidFill>
+      <a:ln w="9525">
+        <a:solidFill>
+          <a:schemeClr val="tx1">
+            <a:lumMod val="65000"/>
+            <a:lumOff val="35000"/>
+          </a:schemeClr>
+        </a:solidFill>
+      </a:ln>
+    </cs:spPr>
+  </cs:downBar>
+  <cs:dropLine>
+    <cs:lnRef idx="0"/>
+    <cs:fillRef idx="0"/>
+    <cs:effectRef idx="0"/>
+    <cs:fontRef idx="minor">
+      <a:schemeClr val="tx1"/>
+    </cs:fontRef>
+    <cs:spPr>
+      <a:ln w="9525" cap="flat" cmpd="sng" algn="ctr">
+        <a:solidFill>
+          <a:schemeClr val="tx1">
+            <a:lumMod val="35000"/>
+            <a:lumOff val="65000"/>
+          </a:schemeClr>
+        </a:solidFill>
+        <a:round/>
+      </a:ln>
+    </cs:spPr>
+  </cs:dropLine>
+  <cs:errorBar>
+    <cs:lnRef idx="0"/>
+    <cs:fillRef idx="0"/>
+    <cs:effectRef idx="0"/>
+    <cs:fontRef idx="minor">
+      <a:schemeClr val="tx1"/>
+    </cs:fontRef>
+    <cs:spPr>
+      <a:ln w="9525" cap="flat" cmpd="sng" algn="ctr">
+        <a:solidFill>
+          <a:schemeClr val="tx1">
+            <a:lumMod val="65000"/>
+            <a:lumOff val="35000"/>
+          </a:schemeClr>
+        </a:solidFill>
+        <a:round/>
+      </a:ln>
+    </cs:spPr>
+  </cs:errorBar>
+  <cs:floor>
+    <cs:lnRef idx="0"/>
+    <cs:fillRef idx="0"/>
+    <cs:effectRef idx="0"/>
+    <cs:fontRef idx="minor">
+      <a:schemeClr val="tx1"/>
+    </cs:fontRef>
+    <cs:spPr>
+      <a:noFill/>
+      <a:ln>
+        <a:noFill/>
+      </a:ln>
+    </cs:spPr>
+  </cs:floor>
+  <cs:gridlineMajor>
+    <cs:lnRef idx="0"/>
+    <cs:fillRef idx="0"/>
+    <cs:effectRef idx="0"/>
+    <cs:fontRef idx="minor">
+      <a:schemeClr val="tx1"/>
+    </cs:fontRef>
+    <cs:spPr>
+      <a:ln w="9525" cap="flat" cmpd="sng" algn="ctr">
+        <a:solidFill>
+          <a:schemeClr val="tx1">
+            <a:lumMod val="15000"/>
+            <a:lumOff val="85000"/>
+          </a:schemeClr>
+        </a:solidFill>
+        <a:round/>
+      </a:ln>
+    </cs:spPr>
+  </cs:gridlineMajor>
+  <cs:gridlineMinor>
+    <cs:lnRef idx="0"/>
+    <cs:fillRef idx="0"/>
+    <cs:effectRef idx="0"/>
+    <cs:fontRef idx="minor">
+      <a:schemeClr val="tx1"/>
+    </cs:fontRef>
+    <cs:spPr>
+      <a:ln w="9525" cap="flat" cmpd="sng" algn="ctr">
+        <a:solidFill>
+          <a:schemeClr val="tx1">
+            <a:lumMod val="5000"/>
+            <a:lumOff val="95000"/>
+          </a:schemeClr>
+        </a:solidFill>
+        <a:round/>
+      </a:ln>
+    </cs:spPr>
+  </cs:gridlineMinor>
+  <cs:hiLoLine>
+    <cs:lnRef idx="0"/>
+    <cs:fillRef idx="0"/>
+    <cs:effectRef idx="0"/>
+    <cs:fontRef idx="minor">
+      <a:schemeClr val="tx1"/>
+    </cs:fontRef>
+    <cs:spPr>
+      <a:ln w="9525" cap="flat" cmpd="sng" algn="ctr">
+        <a:solidFill>
+          <a:schemeClr val="tx1">
+            <a:lumMod val="75000"/>
+            <a:lumOff val="25000"/>
+          </a:schemeClr>
+        </a:solidFill>
+        <a:round/>
+      </a:ln>
+    </cs:spPr>
+  </cs:hiLoLine>
+  <cs:leaderLine>
+    <cs:lnRef idx="0"/>
+    <cs:fillRef idx="0"/>
+    <cs:effectRef idx="0"/>
+    <cs:fontRef idx="minor">
+      <a:schemeClr val="tx1"/>
+    </cs:fontRef>
+    <cs:spPr>
+      <a:ln w="9525" cap="flat" cmpd="sng" algn="ctr">
+        <a:solidFill>
+          <a:schemeClr val="tx1">
+            <a:lumMod val="35000"/>
+            <a:lumOff val="65000"/>
+          </a:schemeClr>
+        </a:solidFill>
+        <a:round/>
+      </a:ln>
+    </cs:spPr>
+  </cs:leaderLine>
+  <cs:legend>
+    <cs:lnRef idx="0"/>
+    <cs:fillRef idx="0"/>
+    <cs:effectRef idx="0"/>
+    <cs:fontRef idx="minor">
+      <a:schemeClr val="tx1">
+        <a:lumMod val="65000"/>
+        <a:lumOff val="35000"/>
+      </a:schemeClr>
+    </cs:fontRef>
+    <cs:defRPr sz="900" kern="1200"/>
+  </cs:legend>
+  <cs:plotArea mods="allowNoFillOverride allowNoLineOverride">
+    <cs:lnRef idx="0"/>
+    <cs:fillRef idx="0"/>
+    <cs:effectRef idx="0"/>
+    <cs:fontRef idx="minor">
+      <a:schemeClr val="tx1"/>
+    </cs:fontRef>
+  </cs:plotArea>
+  <cs:plotArea3D mods="allowNoFillOverride allowNoLineOverride">
+    <cs:lnRef idx="0"/>
+    <cs:fillRef idx="0"/>
+    <cs:effectRef idx="0"/>
+    <cs:fontRef idx="minor">
+      <a:schemeClr val="tx1"/>
+    </cs:fontRef>
+  </cs:plotArea3D>
+  <cs:seriesAxis>
+    <cs:lnRef idx="0"/>
+    <cs:fillRef idx="0"/>
+    <cs:effectRef idx="0"/>
+    <cs:fontRef idx="minor">
+      <a:schemeClr val="tx1">
+        <a:lumMod val="65000"/>
+        <a:lumOff val="35000"/>
+      </a:schemeClr>
+    </cs:fontRef>
+    <cs:defRPr sz="900" kern="1200"/>
+  </cs:seriesAxis>
+  <cs:seriesLine>
+    <cs:lnRef idx="0"/>
+    <cs:fillRef idx="0"/>
+    <cs:effectRef idx="0"/>
+    <cs:fontRef idx="minor">
+      <a:schemeClr val="tx1"/>
+    </cs:fontRef>
+    <cs:spPr>
+      <a:ln w="9525" cap="flat" cmpd="sng" algn="ctr">
+        <a:solidFill>
+          <a:schemeClr val="tx1">
+            <a:lumMod val="35000"/>
+            <a:lumOff val="65000"/>
+          </a:schemeClr>
+        </a:solidFill>
+        <a:round/>
+      </a:ln>
+    </cs:spPr>
+  </cs:seriesLine>
+  <cs:title>
+    <cs:lnRef idx="0"/>
+    <cs:fillRef idx="0"/>
+    <cs:effectRef idx="0"/>
+    <cs:fontRef idx="minor">
+      <a:schemeClr val="tx1">
+        <a:lumMod val="65000"/>
+        <a:lumOff val="35000"/>
+      </a:schemeClr>
+    </cs:fontRef>
+    <cs:defRPr sz="1400" b="0" kern="1200" spc="0" baseline="0"/>
+  </cs:title>
+  <cs:trendline>
+    <cs:lnRef idx="0">
+      <cs:styleClr val="auto"/>
+    </cs:lnRef>
+    <cs:fillRef idx="0"/>
+    <cs:effectRef idx="0"/>
+    <cs:fontRef idx="minor">
+      <a:schemeClr val="tx1"/>
+    </cs:fontRef>
+    <cs:spPr>
+      <a:ln w="19050" cap="rnd">
+        <a:solidFill>
+          <a:schemeClr val="phClr"/>
+        </a:solidFill>
+        <a:prstDash val="sysDot"/>
+      </a:ln>
+    </cs:spPr>
+  </cs:trendline>
+  <cs:trendlineLabel>
+    <cs:lnRef idx="0"/>
+    <cs:fillRef idx="0"/>
+    <cs:effectRef idx="0"/>
+    <cs:fontRef idx="minor">
+      <a:schemeClr val="tx1">
+        <a:lumMod val="65000"/>
+        <a:lumOff val="35000"/>
+      </a:schemeClr>
+    </cs:fontRef>
+    <cs:defRPr sz="900" kern="1200"/>
+  </cs:trendlineLabel>
+  <cs:upBar>
+    <cs:lnRef idx="0"/>
+    <cs:fillRef idx="0"/>
+    <cs:effectRef idx="0"/>
+    <cs:fontRef idx="minor">
+      <a:schemeClr val="dk1"/>
+    </cs:fontRef>
+    <cs:spPr>
+      <a:solidFill>
+        <a:schemeClr val="lt1"/>
+      </a:solidFill>
+      <a:ln w="9525">
+        <a:solidFill>
+          <a:schemeClr val="tx1">
+            <a:lumMod val="15000"/>
+            <a:lumOff val="85000"/>
+          </a:schemeClr>
+        </a:solidFill>
+      </a:ln>
+    </cs:spPr>
+  </cs:upBar>
+  <cs:valueAxis>
+    <cs:lnRef idx="0"/>
+    <cs:fillRef idx="0"/>
+    <cs:effectRef idx="0"/>
+    <cs:fontRef idx="minor">
+      <a:schemeClr val="tx1">
+        <a:lumMod val="65000"/>
+        <a:lumOff val="35000"/>
+      </a:schemeClr>
+    </cs:fontRef>
+    <cs:defRPr sz="900" kern="1200"/>
+  </cs:valueAxis>
+  <cs:wall>
+    <cs:lnRef idx="0"/>
+    <cs:fillRef idx="0"/>
+    <cs:effectRef idx="0"/>
+    <cs:fontRef idx="minor">
+      <a:schemeClr val="tx1"/>
+    </cs:fontRef>
+    <cs:spPr>
+      <a:noFill/>
+      <a:ln>
+        <a:noFill/>
+      </a:ln>
+    </cs:spPr>
+  </cs:wall>
+</cs:chartStyle>
+</file>
+
+<file path=ppt/charts/style2.xml><?xml version="1.0" encoding="utf-8"?>
+<cs:chartStyle xmlns:cs="http://schemas.microsoft.com/office/drawing/2012/chartStyle" xmlns:a="http://schemas.openxmlformats.org/drawingml/2006/main" id="201">
+  <cs:axisTitle>
+    <cs:lnRef idx="0"/>
+    <cs:fillRef idx="0"/>
+    <cs:effectRef idx="0"/>
+    <cs:fontRef idx="minor">
+      <a:schemeClr val="tx1">
+        <a:lumMod val="65000"/>
+        <a:lumOff val="35000"/>
+      </a:schemeClr>
+    </cs:fontRef>
+    <cs:defRPr sz="1000" kern="1200"/>
+  </cs:axisTitle>
+  <cs:categoryAxis>
+    <cs:lnRef idx="0"/>
+    <cs:fillRef idx="0"/>
+    <cs:effectRef idx="0"/>
+    <cs:fontRef idx="minor">
+      <a:schemeClr val="tx1">
+        <a:lumMod val="65000"/>
+        <a:lumOff val="35000"/>
+      </a:schemeClr>
+    </cs:fontRef>
+    <cs:spPr>
+      <a:ln w="9525" cap="flat" cmpd="sng" algn="ctr">
+        <a:solidFill>
+          <a:schemeClr val="tx1">
+            <a:lumMod val="15000"/>
+            <a:lumOff val="85000"/>
+          </a:schemeClr>
+        </a:solidFill>
+        <a:round/>
+      </a:ln>
+    </cs:spPr>
+    <cs:defRPr sz="900" kern="1200"/>
+  </cs:categoryAxis>
+  <cs:chartArea mods="allowNoFillOverride allowNoLineOverride">
+    <cs:lnRef idx="0"/>
+    <cs:fillRef idx="0"/>
+    <cs:effectRef idx="0"/>
+    <cs:fontRef idx="minor">
+      <a:schemeClr val="tx1"/>
+    </cs:fontRef>
+    <cs:spPr>
+      <a:solidFill>
+        <a:schemeClr val="bg1"/>
+      </a:solidFill>
+      <a:ln w="9525" cap="flat" cmpd="sng" algn="ctr">
+        <a:solidFill>
+          <a:schemeClr val="tx1">
+            <a:lumMod val="15000"/>
+            <a:lumOff val="85000"/>
+          </a:schemeClr>
+        </a:solidFill>
+        <a:round/>
+      </a:ln>
+    </cs:spPr>
+    <cs:defRPr sz="1000" kern="1200"/>
+  </cs:chartArea>
+  <cs:dataLabel>
+    <cs:lnRef idx="0"/>
+    <cs:fillRef idx="0"/>
+    <cs:effectRef idx="0"/>
+    <cs:fontRef idx="minor">
+      <a:schemeClr val="tx1">
+        <a:lumMod val="75000"/>
+        <a:lumOff val="25000"/>
+      </a:schemeClr>
+    </cs:fontRef>
+    <cs:defRPr sz="900" kern="1200"/>
+  </cs:dataLabel>
+  <cs:dataLabelCallout>
+    <cs:lnRef idx="0"/>
+    <cs:fillRef idx="0"/>
+    <cs:effectRef idx="0"/>
+    <cs:fontRef idx="minor">
+      <a:schemeClr val="dk1">
+        <a:lumMod val="65000"/>
+        <a:lumOff val="35000"/>
+      </a:schemeClr>
+    </cs:fontRef>
+    <cs:spPr>
+      <a:solidFill>
+        <a:schemeClr val="lt1"/>
+      </a:solidFill>
+      <a:ln>
+        <a:solidFill>
+          <a:schemeClr val="dk1">
+            <a:lumMod val="25000"/>
+            <a:lumOff val="75000"/>
+          </a:schemeClr>
+        </a:solidFill>
+      </a:ln>
+    </cs:spPr>
+    <cs:defRPr sz="900" kern="1200"/>
+    <cs:bodyPr rot="0" spcFirstLastPara="1" vertOverflow="clip" horzOverflow="clip" vert="horz" wrap="square" lIns="36576" tIns="18288" rIns="36576" bIns="18288" anchor="ctr" anchorCtr="1">
+      <a:spAutoFit/>
+    </cs:bodyPr>
+  </cs:dataLabelCallout>
+  <cs:dataPoint>
+    <cs:lnRef idx="0"/>
+    <cs:fillRef idx="1">
+      <cs:styleClr val="auto"/>
+    </cs:fillRef>
+    <cs:effectRef idx="0"/>
+    <cs:fontRef idx="minor">
+      <a:schemeClr val="tx1"/>
+    </cs:fontRef>
+  </cs:dataPoint>
+  <cs:dataPoint3D>
+    <cs:lnRef idx="0"/>
+    <cs:fillRef idx="1">
+      <cs:styleClr val="auto"/>
+    </cs:fillRef>
+    <cs:effectRef idx="0"/>
+    <cs:fontRef idx="minor">
+      <a:schemeClr val="tx1"/>
+    </cs:fontRef>
+  </cs:dataPoint3D>
+  <cs:dataPointLine>
+    <cs:lnRef idx="0">
+      <cs:styleClr val="auto"/>
+    </cs:lnRef>
+    <cs:fillRef idx="1"/>
+    <cs:effectRef idx="0"/>
+    <cs:fontRef idx="minor">
+      <a:schemeClr val="tx1"/>
+    </cs:fontRef>
+    <cs:spPr>
+      <a:ln w="28575" cap="rnd">
+        <a:solidFill>
+          <a:schemeClr val="phClr"/>
+        </a:solidFill>
+        <a:round/>
+      </a:ln>
+    </cs:spPr>
+  </cs:dataPointLine>
+  <cs:dataPointMarker>
+    <cs:lnRef idx="0">
+      <cs:styleClr val="auto"/>
+    </cs:lnRef>
+    <cs:fillRef idx="1">
+      <cs:styleClr val="auto"/>
+    </cs:fillRef>
+    <cs:effectRef idx="0"/>
+    <cs:fontRef idx="minor">
+      <a:schemeClr val="tx1"/>
+    </cs:fontRef>
+    <cs:spPr>
+      <a:ln w="9525">
+        <a:solidFill>
+          <a:schemeClr val="phClr"/>
+        </a:solidFill>
+      </a:ln>
+    </cs:spPr>
+  </cs:dataPointMarker>
+  <cs:dataPointMarkerLayout symbol="circle" size="5"/>
+  <cs:dataPointWireframe>
+    <cs:lnRef idx="0">
+      <cs:styleClr val="auto"/>
+    </cs:lnRef>
+    <cs:fillRef idx="1"/>
+    <cs:effectRef idx="0"/>
+    <cs:fontRef idx="minor">
+      <a:schemeClr val="tx1"/>
+    </cs:fontRef>
+    <cs:spPr>
+      <a:ln w="9525" cap="rnd">
+        <a:solidFill>
+          <a:schemeClr val="phClr"/>
+        </a:solidFill>
+        <a:round/>
+      </a:ln>
+    </cs:spPr>
+  </cs:dataPointWireframe>
+  <cs:dataTable>
+    <cs:lnRef idx="0"/>
+    <cs:fillRef idx="0"/>
+    <cs:effectRef idx="0"/>
+    <cs:fontRef idx="minor">
+      <a:schemeClr val="tx1">
+        <a:lumMod val="65000"/>
+        <a:lumOff val="35000"/>
+      </a:schemeClr>
+    </cs:fontRef>
+    <cs:spPr>
+      <a:noFill/>
+      <a:ln w="9525" cap="flat" cmpd="sng" algn="ctr">
+        <a:solidFill>
+          <a:schemeClr val="tx1">
+            <a:lumMod val="15000"/>
+            <a:lumOff val="85000"/>
+          </a:schemeClr>
+        </a:solidFill>
+        <a:round/>
+      </a:ln>
+    </cs:spPr>
+    <cs:defRPr sz="900" kern="1200"/>
+  </cs:dataTable>
+  <cs:downBar>
+    <cs:lnRef idx="0"/>
+    <cs:fillRef idx="0"/>
+    <cs:effectRef idx="0"/>
+    <cs:fontRef idx="minor">
+      <a:schemeClr val="dk1"/>
+    </cs:fontRef>
+    <cs:spPr>
+      <a:solidFill>
+        <a:schemeClr val="dk1">
+          <a:lumMod val="65000"/>
+          <a:lumOff val="35000"/>
+        </a:schemeClr>
+      </a:solidFill>
+      <a:ln w="9525">
+        <a:solidFill>
+          <a:schemeClr val="tx1">
+            <a:lumMod val="65000"/>
+            <a:lumOff val="35000"/>
+          </a:schemeClr>
+        </a:solidFill>
+      </a:ln>
+    </cs:spPr>
+  </cs:downBar>
+  <cs:dropLine>
+    <cs:lnRef idx="0"/>
+    <cs:fillRef idx="0"/>
+    <cs:effectRef idx="0"/>
+    <cs:fontRef idx="minor">
+      <a:schemeClr val="tx1"/>
+    </cs:fontRef>
+    <cs:spPr>
+      <a:ln w="9525" cap="flat" cmpd="sng" algn="ctr">
+        <a:solidFill>
+          <a:schemeClr val="tx1">
+            <a:lumMod val="35000"/>
+            <a:lumOff val="65000"/>
+          </a:schemeClr>
+        </a:solidFill>
+        <a:round/>
+      </a:ln>
+    </cs:spPr>
+  </cs:dropLine>
+  <cs:errorBar>
+    <cs:lnRef idx="0"/>
+    <cs:fillRef idx="0"/>
+    <cs:effectRef idx="0"/>
+    <cs:fontRef idx="minor">
+      <a:schemeClr val="tx1"/>
+    </cs:fontRef>
+    <cs:spPr>
+      <a:ln w="9525" cap="flat" cmpd="sng" algn="ctr">
+        <a:solidFill>
+          <a:schemeClr val="tx1">
+            <a:lumMod val="65000"/>
+            <a:lumOff val="35000"/>
+          </a:schemeClr>
+        </a:solidFill>
+        <a:round/>
+      </a:ln>
+    </cs:spPr>
+  </cs:errorBar>
+  <cs:floor>
+    <cs:lnRef idx="0"/>
+    <cs:fillRef idx="0"/>
+    <cs:effectRef idx="0"/>
+    <cs:fontRef idx="minor">
+      <a:schemeClr val="tx1"/>
+    </cs:fontRef>
+    <cs:spPr>
+      <a:noFill/>
+      <a:ln>
+        <a:noFill/>
+      </a:ln>
+    </cs:spPr>
+  </cs:floor>
+  <cs:gridlineMajor>
+    <cs:lnRef idx="0"/>
+    <cs:fillRef idx="0"/>
+    <cs:effectRef idx="0"/>
+    <cs:fontRef idx="minor">
+      <a:schemeClr val="tx1"/>
+    </cs:fontRef>
+    <cs:spPr>
+      <a:ln w="9525" cap="flat" cmpd="sng" algn="ctr">
+        <a:solidFill>
+          <a:schemeClr val="tx1">
+            <a:lumMod val="15000"/>
+            <a:lumOff val="85000"/>
+          </a:schemeClr>
+        </a:solidFill>
+        <a:round/>
+      </a:ln>
+    </cs:spPr>
+  </cs:gridlineMajor>
+  <cs:gridlineMinor>
+    <cs:lnRef idx="0"/>
+    <cs:fillRef idx="0"/>
+    <cs:effectRef idx="0"/>
+    <cs:fontRef idx="minor">
+      <a:schemeClr val="tx1"/>
+    </cs:fontRef>
+    <cs:spPr>
+      <a:ln w="9525" cap="flat" cmpd="sng" algn="ctr">
+        <a:solidFill>
+          <a:schemeClr val="tx1">
+            <a:lumMod val="5000"/>
+            <a:lumOff val="95000"/>
+          </a:schemeClr>
+        </a:solidFill>
+        <a:round/>
+      </a:ln>
+    </cs:spPr>
+  </cs:gridlineMinor>
+  <cs:hiLoLine>
+    <cs:lnRef idx="0"/>
+    <cs:fillRef idx="0"/>
+    <cs:effectRef idx="0"/>
+    <cs:fontRef idx="minor">
+      <a:schemeClr val="tx1"/>
+    </cs:fontRef>
+    <cs:spPr>
+      <a:ln w="9525" cap="flat" cmpd="sng" algn="ctr">
+        <a:solidFill>
+          <a:schemeClr val="tx1">
+            <a:lumMod val="75000"/>
+            <a:lumOff val="25000"/>
+          </a:schemeClr>
+        </a:solidFill>
+        <a:round/>
+      </a:ln>
+    </cs:spPr>
+  </cs:hiLoLine>
+  <cs:leaderLine>
+    <cs:lnRef idx="0"/>
+    <cs:fillRef idx="0"/>
+    <cs:effectRef idx="0"/>
+    <cs:fontRef idx="minor">
+      <a:schemeClr val="tx1"/>
+    </cs:fontRef>
+    <cs:spPr>
+      <a:ln w="9525" cap="flat" cmpd="sng" algn="ctr">
+        <a:solidFill>
+          <a:schemeClr val="tx1">
+            <a:lumMod val="35000"/>
+            <a:lumOff val="65000"/>
+          </a:schemeClr>
+        </a:solidFill>
+        <a:round/>
+      </a:ln>
+    </cs:spPr>
+  </cs:leaderLine>
+  <cs:legend>
+    <cs:lnRef idx="0"/>
+    <cs:fillRef idx="0"/>
+    <cs:effectRef idx="0"/>
+    <cs:fontRef idx="minor">
+      <a:schemeClr val="tx1">
+        <a:lumMod val="65000"/>
+        <a:lumOff val="35000"/>
+      </a:schemeClr>
+    </cs:fontRef>
+    <cs:defRPr sz="900" kern="1200"/>
+  </cs:legend>
+  <cs:plotArea mods="allowNoFillOverride allowNoLineOverride">
+    <cs:lnRef idx="0"/>
+    <cs:fillRef idx="0"/>
+    <cs:effectRef idx="0"/>
+    <cs:fontRef idx="minor">
+      <a:schemeClr val="tx1"/>
+    </cs:fontRef>
+  </cs:plotArea>
+  <cs:plotArea3D mods="allowNoFillOverride allowNoLineOverride">
+    <cs:lnRef idx="0"/>
+    <cs:fillRef idx="0"/>
+    <cs:effectRef idx="0"/>
+    <cs:fontRef idx="minor">
+      <a:schemeClr val="tx1"/>
+    </cs:fontRef>
+  </cs:plotArea3D>
+  <cs:seriesAxis>
+    <cs:lnRef idx="0"/>
+    <cs:fillRef idx="0"/>
+    <cs:effectRef idx="0"/>
+    <cs:fontRef idx="minor">
+      <a:schemeClr val="tx1">
+        <a:lumMod val="65000"/>
+        <a:lumOff val="35000"/>
+      </a:schemeClr>
+    </cs:fontRef>
+    <cs:defRPr sz="900" kern="1200"/>
+  </cs:seriesAxis>
+  <cs:seriesLine>
+    <cs:lnRef idx="0"/>
+    <cs:fillRef idx="0"/>
+    <cs:effectRef idx="0"/>
+    <cs:fontRef idx="minor">
+      <a:schemeClr val="tx1"/>
+    </cs:fontRef>
+    <cs:spPr>
+      <a:ln w="9525" cap="flat" cmpd="sng" algn="ctr">
+        <a:solidFill>
+          <a:schemeClr val="tx1">
+            <a:lumMod val="35000"/>
+            <a:lumOff val="65000"/>
+          </a:schemeClr>
+        </a:solidFill>
+        <a:round/>
+      </a:ln>
+    </cs:spPr>
+  </cs:seriesLine>
+  <cs:title>
+    <cs:lnRef idx="0"/>
+    <cs:fillRef idx="0"/>
+    <cs:effectRef idx="0"/>
+    <cs:fontRef idx="minor">
+      <a:schemeClr val="tx1">
+        <a:lumMod val="65000"/>
+        <a:lumOff val="35000"/>
+      </a:schemeClr>
+    </cs:fontRef>
+    <cs:defRPr sz="1400" b="0" kern="1200" spc="0" baseline="0"/>
+  </cs:title>
+  <cs:trendline>
+    <cs:lnRef idx="0">
+      <cs:styleClr val="auto"/>
+    </cs:lnRef>
+    <cs:fillRef idx="0"/>
+    <cs:effectRef idx="0"/>
+    <cs:fontRef idx="minor">
+      <a:schemeClr val="tx1"/>
+    </cs:fontRef>
+    <cs:spPr>
+      <a:ln w="19050" cap="rnd">
+        <a:solidFill>
+          <a:schemeClr val="phClr"/>
+        </a:solidFill>
+        <a:prstDash val="sysDot"/>
+      </a:ln>
+    </cs:spPr>
+  </cs:trendline>
+  <cs:trendlineLabel>
+    <cs:lnRef idx="0"/>
+    <cs:fillRef idx="0"/>
+    <cs:effectRef idx="0"/>
+    <cs:fontRef idx="minor">
+      <a:schemeClr val="tx1">
+        <a:lumMod val="65000"/>
+        <a:lumOff val="35000"/>
+      </a:schemeClr>
+    </cs:fontRef>
+    <cs:defRPr sz="900" kern="1200"/>
+  </cs:trendlineLabel>
+  <cs:upBar>
+    <cs:lnRef idx="0"/>
+    <cs:fillRef idx="0"/>
+    <cs:effectRef idx="0"/>
+    <cs:fontRef idx="minor">
+      <a:schemeClr val="dk1"/>
+    </cs:fontRef>
+    <cs:spPr>
+      <a:solidFill>
+        <a:schemeClr val="lt1"/>
+      </a:solidFill>
+      <a:ln w="9525">
+        <a:solidFill>
+          <a:schemeClr val="tx1">
+            <a:lumMod val="15000"/>
+            <a:lumOff val="85000"/>
+          </a:schemeClr>
+        </a:solidFill>
+      </a:ln>
+    </cs:spPr>
+  </cs:upBar>
+  <cs:valueAxis>
+    <cs:lnRef idx="0"/>
+    <cs:fillRef idx="0"/>
+    <cs:effectRef idx="0"/>
+    <cs:fontRef idx="minor">
+      <a:schemeClr val="tx1">
+        <a:lumMod val="65000"/>
+        <a:lumOff val="35000"/>
+      </a:schemeClr>
+    </cs:fontRef>
+    <cs:defRPr sz="900" kern="1200"/>
+  </cs:valueAxis>
+  <cs:wall>
+    <cs:lnRef idx="0"/>
+    <cs:fillRef idx="0"/>
+    <cs:effectRef idx="0"/>
+    <cs:fontRef idx="minor">
+      <a:schemeClr val="tx1"/>
+    </cs:fontRef>
+    <cs:spPr>
+      <a:noFill/>
+      <a:ln>
+        <a:noFill/>
+      </a:ln>
+    </cs:spPr>
+  </cs:wall>
+</cs:chartStyle>
 </file>
 
 <file path=ppt/slideLayouts/slideLayout1.xml><?xml version="1.0" encoding="utf-8"?>
@@ -290,7 +2128,7 @@
             <a:fld id="{87DE6118-2437-4B30-8E3C-4D2BE6020583}" type="datetimeFigureOut">
               <a:rPr lang="en-US" dirty="0"/>
               <a:pPr/>
-              <a:t>4/1/2025</a:t>
+              <a:t>4/8/2025</a:t>
             </a:fld>
             <a:endParaRPr lang="en-US" dirty="0"/>
           </a:p>
@@ -616,7 +2454,7 @@
           <a:p>
             <a:fld id="{87DE6118-2437-4B30-8E3C-4D2BE6020583}" type="datetimeFigureOut">
               <a:rPr lang="en-US" dirty="0"/>
-              <a:t>4/1/2025</a:t>
+              <a:t>4/8/2025</a:t>
             </a:fld>
             <a:endParaRPr lang="en-US" dirty="0"/>
           </a:p>
@@ -791,7 +2629,7 @@
           <a:p>
             <a:fld id="{87DE6118-2437-4B30-8E3C-4D2BE6020583}" type="datetimeFigureOut">
               <a:rPr lang="en-US" dirty="0"/>
-              <a:t>4/1/2025</a:t>
+              <a:t>4/8/2025</a:t>
             </a:fld>
             <a:endParaRPr lang="en-US" dirty="0"/>
           </a:p>
@@ -956,7 +2794,7 @@
           <a:p>
             <a:fld id="{87DE6118-2437-4B30-8E3C-4D2BE6020583}" type="datetimeFigureOut">
               <a:rPr lang="en-US" dirty="0"/>
-              <a:t>4/1/2025</a:t>
+              <a:t>4/8/2025</a:t>
             </a:fld>
             <a:endParaRPr lang="en-US" dirty="0"/>
           </a:p>
@@ -1229,7 +3067,7 @@
             <a:fld id="{87DE6118-2437-4B30-8E3C-4D2BE6020583}" type="datetimeFigureOut">
               <a:rPr lang="en-US" dirty="0"/>
               <a:pPr/>
-              <a:t>4/1/2025</a:t>
+              <a:t>4/8/2025</a:t>
             </a:fld>
             <a:endParaRPr lang="en-US" dirty="0"/>
           </a:p>
@@ -1619,7 +3457,7 @@
           <a:p>
             <a:fld id="{87DE6118-2437-4B30-8E3C-4D2BE6020583}" type="datetimeFigureOut">
               <a:rPr lang="en-US" dirty="0"/>
-              <a:t>4/1/2025</a:t>
+              <a:t>4/8/2025</a:t>
             </a:fld>
             <a:endParaRPr lang="en-US" dirty="0"/>
           </a:p>
@@ -2091,7 +3929,7 @@
           <a:p>
             <a:fld id="{87DE6118-2437-4B30-8E3C-4D2BE6020583}" type="datetimeFigureOut">
               <a:rPr lang="en-US" dirty="0"/>
-              <a:t>4/1/2025</a:t>
+              <a:t>4/8/2025</a:t>
             </a:fld>
             <a:endParaRPr lang="en-US" dirty="0"/>
           </a:p>
@@ -2204,7 +4042,7 @@
           <a:p>
             <a:fld id="{87DE6118-2437-4B30-8E3C-4D2BE6020583}" type="datetimeFigureOut">
               <a:rPr lang="en-US" dirty="0"/>
-              <a:t>4/1/2025</a:t>
+              <a:t>4/8/2025</a:t>
             </a:fld>
             <a:endParaRPr lang="en-US" dirty="0"/>
           </a:p>
@@ -2294,7 +4132,7 @@
           <a:p>
             <a:fld id="{87DE6118-2437-4B30-8E3C-4D2BE6020583}" type="datetimeFigureOut">
               <a:rPr lang="en-US" dirty="0"/>
-              <a:t>4/1/2025</a:t>
+              <a:t>4/8/2025</a:t>
             </a:fld>
             <a:endParaRPr lang="en-US" dirty="0"/>
           </a:p>
@@ -2636,7 +4474,7 @@
             <a:fld id="{87DE6118-2437-4B30-8E3C-4D2BE6020583}" type="datetimeFigureOut">
               <a:rPr lang="en-US" dirty="0"/>
               <a:pPr/>
-              <a:t>4/1/2025</a:t>
+              <a:t>4/8/2025</a:t>
             </a:fld>
             <a:endParaRPr lang="en-US" dirty="0"/>
           </a:p>
@@ -3021,7 +4859,7 @@
             <a:fld id="{87DE6118-2437-4B30-8E3C-4D2BE6020583}" type="datetimeFigureOut">
               <a:rPr lang="en-US" dirty="0"/>
               <a:pPr/>
-              <a:t>4/1/2025</a:t>
+              <a:t>4/8/2025</a:t>
             </a:fld>
             <a:endParaRPr lang="en-US" dirty="0"/>
           </a:p>
@@ -3296,7 +5134,7 @@
             <a:fld id="{87DE6118-2437-4B30-8E3C-4D2BE6020583}" type="datetimeFigureOut">
               <a:rPr lang="en-US" dirty="0"/>
               <a:pPr/>
-              <a:t>4/1/2025</a:t>
+              <a:t>4/8/2025</a:t>
             </a:fld>
             <a:endParaRPr lang="en-US" dirty="0"/>
           </a:p>
@@ -3930,9 +5768,47 @@
           <a:chExt cx="0" cy="0"/>
         </a:xfrm>
       </p:grpSpPr>
+      <p:sp>
+        <p:nvSpPr>
+          <p:cNvPr id="2" name="Título 1"/>
+          <p:cNvSpPr>
+            <a:spLocks noGrp="1"/>
+          </p:cNvSpPr>
+          <p:nvPr>
+            <p:ph type="title"/>
+          </p:nvPr>
+        </p:nvSpPr>
+        <p:spPr/>
+        <p:txBody>
+          <a:bodyPr/>
+          <a:lstStyle/>
+          <a:p>
+            <a:endParaRPr lang="pt-BR"/>
+          </a:p>
+        </p:txBody>
+      </p:sp>
+      <p:sp>
+        <p:nvSpPr>
+          <p:cNvPr id="3" name="Espaço Reservado para Conteúdo 2"/>
+          <p:cNvSpPr>
+            <a:spLocks noGrp="1"/>
+          </p:cNvSpPr>
+          <p:nvPr>
+            <p:ph idx="1"/>
+          </p:nvPr>
+        </p:nvSpPr>
+        <p:spPr/>
+        <p:txBody>
+          <a:bodyPr/>
+          <a:lstStyle/>
+          <a:p>
+            <a:endParaRPr lang="pt-BR"/>
+          </a:p>
+        </p:txBody>
+      </p:sp>
       <p:pic>
         <p:nvPicPr>
-          <p:cNvPr id="6" name="Imagem 5"/>
+          <p:cNvPr id="5" name="Imagem 4"/>
           <p:cNvPicPr>
             <a:picLocks noChangeAspect="1"/>
           </p:cNvPicPr>
@@ -3946,8 +5822,8 @@
         </p:blipFill>
         <p:spPr>
           <a:xfrm>
-            <a:off x="1667268" y="621672"/>
-            <a:ext cx="9707531" cy="5390508"/>
+            <a:off x="965770" y="503434"/>
+            <a:ext cx="10664575" cy="5661060"/>
           </a:xfrm>
           <a:prstGeom prst="rect">
             <a:avLst/>
@@ -3957,7 +5833,7 @@
     </p:spTree>
     <p:extLst>
       <p:ext uri="{BB962C8B-B14F-4D97-AF65-F5344CB8AC3E}">
-        <p14:creationId xmlns:p14="http://schemas.microsoft.com/office/powerpoint/2010/main" val="395552234"/>
+        <p14:creationId xmlns:p14="http://schemas.microsoft.com/office/powerpoint/2010/main" val="3771481709"/>
       </p:ext>
     </p:extLst>
   </p:cSld>
@@ -4045,8 +5921,8 @@
         </p:blipFill>
         <p:spPr>
           <a:xfrm>
-            <a:off x="1340086" y="1428750"/>
-            <a:ext cx="9664228" cy="3463290"/>
+            <a:off x="1345042" y="359596"/>
+            <a:ext cx="9771596" cy="6010382"/>
           </a:xfrm>
           <a:prstGeom prst="rect">
             <a:avLst/>
@@ -4056,7 +5932,7 @@
     </p:spTree>
     <p:extLst>
       <p:ext uri="{BB962C8B-B14F-4D97-AF65-F5344CB8AC3E}">
-        <p14:creationId xmlns:p14="http://schemas.microsoft.com/office/powerpoint/2010/main" val="3771481709"/>
+        <p14:creationId xmlns:p14="http://schemas.microsoft.com/office/powerpoint/2010/main" val="3419749026"/>
       </p:ext>
     </p:extLst>
   </p:cSld>
@@ -4105,7 +5981,7 @@
           <a:bodyPr/>
           <a:lstStyle/>
           <a:p>
-            <a:endParaRPr lang="pt-BR"/>
+            <a:endParaRPr lang="pt-BR" dirty="0"/>
           </a:p>
         </p:txBody>
       </p:sp>
@@ -4124,13 +6000,13 @@
           <a:bodyPr/>
           <a:lstStyle/>
           <a:p>
-            <a:endParaRPr lang="pt-BR"/>
+            <a:endParaRPr lang="pt-BR" dirty="0"/>
           </a:p>
         </p:txBody>
       </p:sp>
       <p:pic>
         <p:nvPicPr>
-          <p:cNvPr id="5" name="Imagem 4"/>
+          <p:cNvPr id="4" name="Imagem 3"/>
           <p:cNvPicPr>
             <a:picLocks noChangeAspect="1"/>
           </p:cNvPicPr>
@@ -4144,8 +6020,8 @@
         </p:blipFill>
         <p:spPr>
           <a:xfrm>
-            <a:off x="2052062" y="1102656"/>
-            <a:ext cx="8240275" cy="4858428"/>
+            <a:off x="1371600" y="1089060"/>
+            <a:ext cx="9601200" cy="4191857"/>
           </a:xfrm>
           <a:prstGeom prst="rect">
             <a:avLst/>
@@ -4155,7 +6031,7 @@
     </p:spTree>
     <p:extLst>
       <p:ext uri="{BB962C8B-B14F-4D97-AF65-F5344CB8AC3E}">
-        <p14:creationId xmlns:p14="http://schemas.microsoft.com/office/powerpoint/2010/main" val="3419749026"/>
+        <p14:creationId xmlns:p14="http://schemas.microsoft.com/office/powerpoint/2010/main" val="3712612989"/>
       </p:ext>
     </p:extLst>
   </p:cSld>
@@ -4204,7 +6080,15 @@
           <a:bodyPr/>
           <a:lstStyle/>
           <a:p>
-            <a:endParaRPr lang="pt-BR"/>
+            <a:r>
+              <a:rPr lang="pt-BR" dirty="0" smtClean="0"/>
+              <a:t>Obrigado pela </a:t>
+            </a:r>
+            <a:r>
+              <a:rPr lang="pt-BR" dirty="0" smtClean="0"/>
+              <a:t>atenção. </a:t>
+            </a:r>
+            <a:endParaRPr lang="pt-BR" dirty="0"/>
           </a:p>
         </p:txBody>
       </p:sp>
@@ -4223,38 +6107,14 @@
           <a:bodyPr/>
           <a:lstStyle/>
           <a:p>
-            <a:endParaRPr lang="pt-BR"/>
+            <a:endParaRPr lang="pt-BR" dirty="0"/>
           </a:p>
         </p:txBody>
       </p:sp>
-      <p:pic>
-        <p:nvPicPr>
-          <p:cNvPr id="5" name="Imagem 4"/>
-          <p:cNvPicPr>
-            <a:picLocks noChangeAspect="1"/>
-          </p:cNvPicPr>
-          <p:nvPr/>
-        </p:nvPicPr>
-        <p:blipFill>
-          <a:blip r:embed="rId2"/>
-          <a:stretch>
-            <a:fillRect/>
-          </a:stretch>
-        </p:blipFill>
-        <p:spPr>
-          <a:xfrm>
-            <a:off x="1371600" y="1611630"/>
-            <a:ext cx="9555088" cy="3695700"/>
-          </a:xfrm>
-          <a:prstGeom prst="rect">
-            <a:avLst/>
-          </a:prstGeom>
-        </p:spPr>
-      </p:pic>
     </p:spTree>
     <p:extLst>
       <p:ext uri="{BB962C8B-B14F-4D97-AF65-F5344CB8AC3E}">
-        <p14:creationId xmlns:p14="http://schemas.microsoft.com/office/powerpoint/2010/main" val="3712612989"/>
+        <p14:creationId xmlns:p14="http://schemas.microsoft.com/office/powerpoint/2010/main" val="2120415991"/>
       </p:ext>
     </p:extLst>
   </p:cSld>
@@ -4268,78 +6128,6 @@
       </p:par>
     </p:tnLst>
   </p:timing>
-</p:sld>
-</file>
-
-<file path=ppt/slides/slide14.xml><?xml version="1.0" encoding="utf-8"?>
-<p:sld xmlns:a="http://schemas.openxmlformats.org/drawingml/2006/main" xmlns:r="http://schemas.openxmlformats.org/officeDocument/2006/relationships" xmlns:p="http://schemas.openxmlformats.org/presentationml/2006/main">
-  <p:cSld>
-    <p:spTree>
-      <p:nvGrpSpPr>
-        <p:cNvPr id="1" name=""/>
-        <p:cNvGrpSpPr/>
-        <p:nvPr/>
-      </p:nvGrpSpPr>
-      <p:grpSpPr>
-        <a:xfrm>
-          <a:off x="0" y="0"/>
-          <a:ext cx="0" cy="0"/>
-          <a:chOff x="0" y="0"/>
-          <a:chExt cx="0" cy="0"/>
-        </a:xfrm>
-      </p:grpSpPr>
-      <p:sp>
-        <p:nvSpPr>
-          <p:cNvPr id="2" name="Título 1"/>
-          <p:cNvSpPr>
-            <a:spLocks noGrp="1"/>
-          </p:cNvSpPr>
-          <p:nvPr>
-            <p:ph type="title"/>
-          </p:nvPr>
-        </p:nvSpPr>
-        <p:spPr/>
-        <p:txBody>
-          <a:bodyPr/>
-          <a:lstStyle/>
-          <a:p>
-            <a:r>
-              <a:rPr lang="pt-BR" dirty="0" smtClean="0"/>
-              <a:t>Obrigado pela atenção </a:t>
-            </a:r>
-            <a:endParaRPr lang="pt-BR" dirty="0"/>
-          </a:p>
-        </p:txBody>
-      </p:sp>
-      <p:sp>
-        <p:nvSpPr>
-          <p:cNvPr id="3" name="Espaço Reservado para Conteúdo 2"/>
-          <p:cNvSpPr>
-            <a:spLocks noGrp="1"/>
-          </p:cNvSpPr>
-          <p:nvPr>
-            <p:ph idx="1"/>
-          </p:nvPr>
-        </p:nvSpPr>
-        <p:spPr/>
-        <p:txBody>
-          <a:bodyPr/>
-          <a:lstStyle/>
-          <a:p>
-            <a:endParaRPr lang="pt-BR"/>
-          </a:p>
-        </p:txBody>
-      </p:sp>
-    </p:spTree>
-    <p:extLst>
-      <p:ext uri="{BB962C8B-B14F-4D97-AF65-F5344CB8AC3E}">
-        <p14:creationId xmlns:p14="http://schemas.microsoft.com/office/powerpoint/2010/main" val="2120415991"/>
-      </p:ext>
-    </p:extLst>
-  </p:cSld>
-  <p:clrMapOvr>
-    <a:masterClrMapping/>
-  </p:clrMapOvr>
 </p:sld>
 </file>
 
@@ -4487,7 +6275,7 @@
         <p:spPr>
           <a:xfrm>
             <a:off x="3048000" y="1157802"/>
-            <a:ext cx="7623142" cy="4246034"/>
+            <a:ext cx="7623142" cy="5303888"/>
           </a:xfrm>
           <a:prstGeom prst="rect">
             <a:avLst/>
@@ -4506,14 +6294,14 @@
             </a:pPr>
             <a:r>
               <a:rPr lang="pt-BR" sz="2400" b="1" kern="1400" spc="-50" dirty="0">
-                <a:latin typeface="Calibri Light" panose="020F0302020204030204" pitchFamily="34" charset="0"/>
+                <a:latin typeface="Bodoni MT" panose="02070603080606020203" pitchFamily="18" charset="0"/>
                 <a:ea typeface="Times New Roman" panose="02020603050405020304" pitchFamily="18" charset="0"/>
                 <a:cs typeface="Times New Roman" panose="02020603050405020304" pitchFamily="18" charset="0"/>
               </a:rPr>
               <a:t>Análise Individual</a:t>
             </a:r>
-            <a:endParaRPr lang="pt-BR" sz="4000" kern="1400" spc="-50" dirty="0">
-              <a:latin typeface="Calibri Light" panose="020F0302020204030204" pitchFamily="34" charset="0"/>
+            <a:endParaRPr lang="pt-BR" sz="2400" kern="1400" spc="-50" dirty="0">
+              <a:latin typeface="Bodoni MT" panose="02070603080606020203" pitchFamily="18" charset="0"/>
               <a:ea typeface="Times New Roman" panose="02020603050405020304" pitchFamily="18" charset="0"/>
               <a:cs typeface="Times New Roman" panose="02020603050405020304" pitchFamily="18" charset="0"/>
             </a:endParaRPr>
@@ -4551,18 +6339,13 @@
               </a:spcAft>
             </a:pPr>
             <a:r>
-              <a:rPr lang="pt-BR" dirty="0">
-                <a:latin typeface="Calibri" panose="020F0502020204030204" pitchFamily="34" charset="0"/>
+              <a:rPr lang="pt-BR" sz="2000" dirty="0">
+                <a:latin typeface="Arial" panose="020B0604020202020204" pitchFamily="34" charset="0"/>
                 <a:ea typeface="Calibri" panose="020F0502020204030204" pitchFamily="34" charset="0"/>
-                <a:cs typeface="Times New Roman" panose="02020603050405020304" pitchFamily="18" charset="0"/>
+                <a:cs typeface="Arial" panose="020B0604020202020204" pitchFamily="34" charset="0"/>
               </a:rPr>
               <a:t>Percebe-se que a maioria dos indivíduos desconheciam certos termos e tiveram dificuldade na interpretação de algumas questões.</a:t>
             </a:r>
-            <a:endParaRPr lang="pt-BR" sz="1600" dirty="0">
-              <a:latin typeface="Calibri" panose="020F0502020204030204" pitchFamily="34" charset="0"/>
-              <a:ea typeface="Calibri" panose="020F0502020204030204" pitchFamily="34" charset="0"/>
-              <a:cs typeface="Times New Roman" panose="02020603050405020304" pitchFamily="18" charset="0"/>
-            </a:endParaRPr>
           </a:p>
           <a:p>
             <a:pPr>
@@ -4574,18 +6357,13 @@
               </a:spcAft>
             </a:pPr>
             <a:r>
-              <a:rPr lang="pt-BR" dirty="0">
-                <a:latin typeface="Calibri" panose="020F0502020204030204" pitchFamily="34" charset="0"/>
+              <a:rPr lang="pt-BR" sz="2000" dirty="0">
+                <a:latin typeface="Arial" panose="020B0604020202020204" pitchFamily="34" charset="0"/>
                 <a:ea typeface="Calibri" panose="020F0502020204030204" pitchFamily="34" charset="0"/>
-                <a:cs typeface="Times New Roman" panose="02020603050405020304" pitchFamily="18" charset="0"/>
+                <a:cs typeface="Arial" panose="020B0604020202020204" pitchFamily="34" charset="0"/>
               </a:rPr>
               <a:t> </a:t>
             </a:r>
-            <a:endParaRPr lang="pt-BR" sz="1600" dirty="0">
-              <a:latin typeface="Calibri" panose="020F0502020204030204" pitchFamily="34" charset="0"/>
-              <a:ea typeface="Calibri" panose="020F0502020204030204" pitchFamily="34" charset="0"/>
-              <a:cs typeface="Times New Roman" panose="02020603050405020304" pitchFamily="18" charset="0"/>
-            </a:endParaRPr>
           </a:p>
           <a:p>
             <a:pPr>
@@ -4597,26 +6375,21 @@
               </a:spcAft>
             </a:pPr>
             <a:r>
-              <a:rPr lang="pt-BR" dirty="0" err="1">
-                <a:latin typeface="Calibri" panose="020F0502020204030204" pitchFamily="34" charset="0"/>
+              <a:rPr lang="pt-BR" sz="2000" dirty="0" err="1">
+                <a:latin typeface="Arial" panose="020B0604020202020204" pitchFamily="34" charset="0"/>
                 <a:ea typeface="Calibri" panose="020F0502020204030204" pitchFamily="34" charset="0"/>
-                <a:cs typeface="Times New Roman" panose="02020603050405020304" pitchFamily="18" charset="0"/>
+                <a:cs typeface="Arial" panose="020B0604020202020204" pitchFamily="34" charset="0"/>
               </a:rPr>
               <a:t>Angela</a:t>
             </a:r>
             <a:r>
-              <a:rPr lang="pt-BR" dirty="0">
-                <a:latin typeface="Calibri" panose="020F0502020204030204" pitchFamily="34" charset="0"/>
+              <a:rPr lang="pt-BR" sz="2000" dirty="0">
+                <a:latin typeface="Arial" panose="020B0604020202020204" pitchFamily="34" charset="0"/>
                 <a:ea typeface="Calibri" panose="020F0502020204030204" pitchFamily="34" charset="0"/>
-                <a:cs typeface="Times New Roman" panose="02020603050405020304" pitchFamily="18" charset="0"/>
+                <a:cs typeface="Arial" panose="020B0604020202020204" pitchFamily="34" charset="0"/>
               </a:rPr>
               <a:t> Silva: 32% de acertos</a:t>
             </a:r>
-            <a:endParaRPr lang="pt-BR" sz="1600" dirty="0">
-              <a:latin typeface="Calibri" panose="020F0502020204030204" pitchFamily="34" charset="0"/>
-              <a:ea typeface="Calibri" panose="020F0502020204030204" pitchFamily="34" charset="0"/>
-              <a:cs typeface="Times New Roman" panose="02020603050405020304" pitchFamily="18" charset="0"/>
-            </a:endParaRPr>
           </a:p>
           <a:p>
             <a:pPr>
@@ -4628,18 +6401,13 @@
               </a:spcAft>
             </a:pPr>
             <a:r>
-              <a:rPr lang="pt-BR" dirty="0">
-                <a:latin typeface="Calibri" panose="020F0502020204030204" pitchFamily="34" charset="0"/>
+              <a:rPr lang="pt-BR" sz="2000" dirty="0">
+                <a:latin typeface="Arial" panose="020B0604020202020204" pitchFamily="34" charset="0"/>
                 <a:ea typeface="Calibri" panose="020F0502020204030204" pitchFamily="34" charset="0"/>
-                <a:cs typeface="Times New Roman" panose="02020603050405020304" pitchFamily="18" charset="0"/>
+                <a:cs typeface="Arial" panose="020B0604020202020204" pitchFamily="34" charset="0"/>
               </a:rPr>
               <a:t>Antônio: 56% de acertos</a:t>
             </a:r>
-            <a:endParaRPr lang="pt-BR" sz="1600" dirty="0">
-              <a:latin typeface="Calibri" panose="020F0502020204030204" pitchFamily="34" charset="0"/>
-              <a:ea typeface="Calibri" panose="020F0502020204030204" pitchFamily="34" charset="0"/>
-              <a:cs typeface="Times New Roman" panose="02020603050405020304" pitchFamily="18" charset="0"/>
-            </a:endParaRPr>
           </a:p>
           <a:p>
             <a:pPr>
@@ -4651,18 +6419,13 @@
               </a:spcAft>
             </a:pPr>
             <a:r>
-              <a:rPr lang="pt-BR" dirty="0">
-                <a:latin typeface="Calibri" panose="020F0502020204030204" pitchFamily="34" charset="0"/>
+              <a:rPr lang="pt-BR" sz="2000" dirty="0">
+                <a:latin typeface="Arial" panose="020B0604020202020204" pitchFamily="34" charset="0"/>
                 <a:ea typeface="Calibri" panose="020F0502020204030204" pitchFamily="34" charset="0"/>
-                <a:cs typeface="Times New Roman" panose="02020603050405020304" pitchFamily="18" charset="0"/>
+                <a:cs typeface="Arial" panose="020B0604020202020204" pitchFamily="34" charset="0"/>
               </a:rPr>
               <a:t>Claudiane: 24% de acertos</a:t>
             </a:r>
-            <a:endParaRPr lang="pt-BR" sz="1600" dirty="0">
-              <a:latin typeface="Calibri" panose="020F0502020204030204" pitchFamily="34" charset="0"/>
-              <a:ea typeface="Calibri" panose="020F0502020204030204" pitchFamily="34" charset="0"/>
-              <a:cs typeface="Times New Roman" panose="02020603050405020304" pitchFamily="18" charset="0"/>
-            </a:endParaRPr>
           </a:p>
           <a:p>
             <a:pPr>
@@ -4674,17 +6437,25 @@
               </a:spcAft>
             </a:pPr>
             <a:r>
-              <a:rPr lang="pt-BR" dirty="0">
-                <a:latin typeface="Calibri" panose="020F0502020204030204" pitchFamily="34" charset="0"/>
+              <a:rPr lang="pt-BR" sz="2000" dirty="0">
+                <a:latin typeface="Arial" panose="020B0604020202020204" pitchFamily="34" charset="0"/>
                 <a:ea typeface="Calibri" panose="020F0502020204030204" pitchFamily="34" charset="0"/>
-                <a:cs typeface="Times New Roman" panose="02020603050405020304" pitchFamily="18" charset="0"/>
+                <a:cs typeface="Arial" panose="020B0604020202020204" pitchFamily="34" charset="0"/>
               </a:rPr>
-              <a:t>João Gabriel: 64% de Acertos</a:t>
-            </a:r>
-            <a:endParaRPr lang="pt-BR" sz="1600" dirty="0">
-              <a:latin typeface="Calibri" panose="020F0502020204030204" pitchFamily="34" charset="0"/>
+              <a:t>João Gabriel: 64% de </a:t>
+            </a:r>
+            <a:r>
+              <a:rPr lang="pt-BR" sz="2000" dirty="0" smtClean="0">
+                <a:latin typeface="Arial" panose="020B0604020202020204" pitchFamily="34" charset="0"/>
+                <a:ea typeface="Calibri" panose="020F0502020204030204" pitchFamily="34" charset="0"/>
+                <a:cs typeface="Arial" panose="020B0604020202020204" pitchFamily="34" charset="0"/>
+              </a:rPr>
+              <a:t>acertos</a:t>
+            </a:r>
+            <a:endParaRPr lang="pt-BR" sz="2000" dirty="0">
+              <a:latin typeface="Arial" panose="020B0604020202020204" pitchFamily="34" charset="0"/>
               <a:ea typeface="Calibri" panose="020F0502020204030204" pitchFamily="34" charset="0"/>
-              <a:cs typeface="Times New Roman" panose="02020603050405020304" pitchFamily="18" charset="0"/>
+              <a:cs typeface="Arial" panose="020B0604020202020204" pitchFamily="34" charset="0"/>
             </a:endParaRPr>
           </a:p>
           <a:p>
@@ -4697,17 +6468,25 @@
               </a:spcAft>
             </a:pPr>
             <a:r>
-              <a:rPr lang="pt-BR" dirty="0">
-                <a:latin typeface="Calibri" panose="020F0502020204030204" pitchFamily="34" charset="0"/>
+              <a:rPr lang="pt-BR" sz="2000" dirty="0">
+                <a:latin typeface="Arial" panose="020B0604020202020204" pitchFamily="34" charset="0"/>
                 <a:ea typeface="Calibri" panose="020F0502020204030204" pitchFamily="34" charset="0"/>
-                <a:cs typeface="Times New Roman" panose="02020603050405020304" pitchFamily="18" charset="0"/>
+                <a:cs typeface="Arial" panose="020B0604020202020204" pitchFamily="34" charset="0"/>
               </a:rPr>
-              <a:t>Jonas: ?</a:t>
-            </a:r>
-            <a:endParaRPr lang="pt-BR" sz="1600" dirty="0">
-              <a:latin typeface="Calibri" panose="020F0502020204030204" pitchFamily="34" charset="0"/>
+              <a:t>Jonas: </a:t>
+            </a:r>
+            <a:r>
+              <a:rPr lang="pt-BR" sz="2000" dirty="0" smtClean="0">
+                <a:latin typeface="Arial" panose="020B0604020202020204" pitchFamily="34" charset="0"/>
+                <a:ea typeface="Calibri" panose="020F0502020204030204" pitchFamily="34" charset="0"/>
+                <a:cs typeface="Arial" panose="020B0604020202020204" pitchFamily="34" charset="0"/>
+              </a:rPr>
+              <a:t>32% de acertos</a:t>
+            </a:r>
+            <a:endParaRPr lang="pt-BR" sz="2000" dirty="0">
+              <a:latin typeface="Arial" panose="020B0604020202020204" pitchFamily="34" charset="0"/>
               <a:ea typeface="Calibri" panose="020F0502020204030204" pitchFamily="34" charset="0"/>
-              <a:cs typeface="Times New Roman" panose="02020603050405020304" pitchFamily="18" charset="0"/>
+              <a:cs typeface="Arial" panose="020B0604020202020204" pitchFamily="34" charset="0"/>
             </a:endParaRPr>
           </a:p>
           <a:p>
@@ -4720,18 +6499,36 @@
               </a:spcAft>
             </a:pPr>
             <a:r>
-              <a:rPr lang="pt-BR" dirty="0">
-                <a:latin typeface="Calibri" panose="020F0502020204030204" pitchFamily="34" charset="0"/>
+              <a:rPr lang="pt-BR" sz="2000" dirty="0">
+                <a:latin typeface="Arial" panose="020B0604020202020204" pitchFamily="34" charset="0"/>
                 <a:ea typeface="Calibri" panose="020F0502020204030204" pitchFamily="34" charset="0"/>
-                <a:cs typeface="Times New Roman" panose="02020603050405020304" pitchFamily="18" charset="0"/>
+                <a:cs typeface="Arial" panose="020B0604020202020204" pitchFamily="34" charset="0"/>
               </a:rPr>
-              <a:t>Melissa: 36%</a:t>
-            </a:r>
-            <a:endParaRPr lang="pt-BR" sz="1600" dirty="0">
+              <a:t>Melissa: 36</a:t>
+            </a:r>
+            <a:r>
+              <a:rPr lang="pt-BR" sz="2000" dirty="0" smtClean="0">
+                <a:latin typeface="Arial" panose="020B0604020202020204" pitchFamily="34" charset="0"/>
+                <a:ea typeface="Calibri" panose="020F0502020204030204" pitchFamily="34" charset="0"/>
+                <a:cs typeface="Arial" panose="020B0604020202020204" pitchFamily="34" charset="0"/>
+              </a:rPr>
+              <a:t>% acertos</a:t>
+            </a:r>
+          </a:p>
+          <a:p>
+            <a:pPr>
+              <a:lnSpc>
+                <a:spcPct val="107000"/>
+              </a:lnSpc>
+              <a:spcAft>
+                <a:spcPts val="800"/>
+              </a:spcAft>
+            </a:pPr>
+            <a:endParaRPr lang="pt-BR" sz="2000" dirty="0">
               <a:effectLst/>
-              <a:latin typeface="Calibri" panose="020F0502020204030204" pitchFamily="34" charset="0"/>
+              <a:latin typeface="Arial" panose="020B0604020202020204" pitchFamily="34" charset="0"/>
               <a:ea typeface="Calibri" panose="020F0502020204030204" pitchFamily="34" charset="0"/>
-              <a:cs typeface="Times New Roman" panose="02020603050405020304" pitchFamily="18" charset="0"/>
+              <a:cs typeface="Arial" panose="020B0604020202020204" pitchFamily="34" charset="0"/>
             </a:endParaRPr>
           </a:p>
         </p:txBody>
@@ -4773,207 +6570,1463 @@
           <a:chExt cx="0" cy="0"/>
         </a:xfrm>
       </p:grpSpPr>
-      <p:sp>
-        <p:nvSpPr>
-          <p:cNvPr id="2" name="Retângulo 1"/>
-          <p:cNvSpPr/>
-          <p:nvPr/>
-        </p:nvSpPr>
-        <p:spPr>
-          <a:xfrm>
-            <a:off x="4650527" y="435146"/>
-            <a:ext cx="3371683" cy="461665"/>
-          </a:xfrm>
-          <a:prstGeom prst="rect">
-            <a:avLst/>
-          </a:prstGeom>
-        </p:spPr>
-        <p:txBody>
-          <a:bodyPr wrap="square">
-            <a:spAutoFit/>
-          </a:bodyPr>
-          <a:lstStyle/>
-          <a:p>
-            <a:pPr algn="ctr">
-              <a:spcAft>
-                <a:spcPts val="0"/>
-              </a:spcAft>
-            </a:pPr>
-            <a:r>
-              <a:rPr lang="pt-BR" sz="2400" b="1" kern="1400" spc="-50" dirty="0">
-                <a:latin typeface="Calibri Light" panose="020F0302020204030204" pitchFamily="34" charset="0"/>
-                <a:ea typeface="Times New Roman" panose="02020603050405020304" pitchFamily="18" charset="0"/>
-                <a:cs typeface="Times New Roman" panose="02020603050405020304" pitchFamily="18" charset="0"/>
-              </a:rPr>
-              <a:t>Análise do Grupo</a:t>
-            </a:r>
-            <a:endParaRPr lang="pt-BR" sz="2400" kern="1400" spc="-50" dirty="0">
-              <a:effectLst/>
-              <a:latin typeface="Calibri Light" panose="020F0302020204030204" pitchFamily="34" charset="0"/>
-              <a:ea typeface="Times New Roman" panose="02020603050405020304" pitchFamily="18" charset="0"/>
-              <a:cs typeface="Times New Roman" panose="02020603050405020304" pitchFamily="18" charset="0"/>
-            </a:endParaRPr>
-          </a:p>
-        </p:txBody>
-      </p:sp>
-      <p:sp>
-        <p:nvSpPr>
-          <p:cNvPr id="3" name="Retângulo 2"/>
-          <p:cNvSpPr/>
-          <p:nvPr/>
-        </p:nvSpPr>
-        <p:spPr>
-          <a:xfrm>
-            <a:off x="2925452" y="1706511"/>
-            <a:ext cx="7689130" cy="3385542"/>
-          </a:xfrm>
-          <a:prstGeom prst="rect">
-            <a:avLst/>
-          </a:prstGeom>
-        </p:spPr>
-        <p:txBody>
-          <a:bodyPr wrap="square">
-            <a:spAutoFit/>
-          </a:bodyPr>
-          <a:lstStyle/>
-          <a:p>
-            <a:pPr fontAlgn="base">
-              <a:spcAft>
-                <a:spcPts val="0"/>
-              </a:spcAft>
-            </a:pPr>
-            <a:r>
-              <a:rPr lang="pt-BR" sz="1600" dirty="0">
-                <a:latin typeface="Calibri" panose="020F0502020204030204" pitchFamily="34" charset="0"/>
-                <a:ea typeface="Times New Roman" panose="02020603050405020304" pitchFamily="18" charset="0"/>
-              </a:rPr>
-              <a:t>O teste já era um </a:t>
-            </a:r>
-            <a:r>
-              <a:rPr lang="pt-BR" dirty="0">
-                <a:latin typeface="Times New Roman" panose="02020603050405020304" pitchFamily="18" charset="0"/>
-                <a:ea typeface="Times New Roman" panose="02020603050405020304" pitchFamily="18" charset="0"/>
-              </a:rPr>
-              <a:t>subsidio para nós e os nossos professores avaliarem o quanto nós estamos inteirados destes objetos de pesquisa, análise e de conhecimento prático para estruturar, formar, fundar, operar, administrar </a:t>
-            </a:r>
-            <a:r>
-              <a:rPr lang="pt-BR" dirty="0" err="1">
-                <a:latin typeface="Times New Roman" panose="02020603050405020304" pitchFamily="18" charset="0"/>
-                <a:ea typeface="Times New Roman" panose="02020603050405020304" pitchFamily="18" charset="0"/>
-              </a:rPr>
-              <a:t>etc</a:t>
-            </a:r>
-            <a:r>
-              <a:rPr lang="pt-BR" dirty="0">
-                <a:latin typeface="Times New Roman" panose="02020603050405020304" pitchFamily="18" charset="0"/>
-                <a:ea typeface="Times New Roman" panose="02020603050405020304" pitchFamily="18" charset="0"/>
-              </a:rPr>
-              <a:t> um “negócio”.   </a:t>
-            </a:r>
-          </a:p>
-          <a:p>
-            <a:pPr fontAlgn="base">
-              <a:spcAft>
-                <a:spcPts val="0"/>
-              </a:spcAft>
-            </a:pPr>
-            <a:r>
-              <a:rPr lang="pt-BR" sz="1100" dirty="0">
-                <a:latin typeface="Segoe UI" panose="020B0502040204020203" pitchFamily="34" charset="0"/>
-                <a:ea typeface="Times New Roman" panose="02020603050405020304" pitchFamily="18" charset="0"/>
-              </a:rPr>
-              <a:t> </a:t>
-            </a:r>
-            <a:endParaRPr lang="pt-BR" dirty="0">
-              <a:latin typeface="Times New Roman" panose="02020603050405020304" pitchFamily="18" charset="0"/>
-              <a:ea typeface="Times New Roman" panose="02020603050405020304" pitchFamily="18" charset="0"/>
-            </a:endParaRPr>
-          </a:p>
-          <a:p>
-            <a:pPr fontAlgn="base">
-              <a:spcAft>
-                <a:spcPts val="0"/>
-              </a:spcAft>
-            </a:pPr>
-            <a:r>
-              <a:rPr lang="pt-BR" sz="1600" dirty="0">
-                <a:latin typeface="Calibri" panose="020F0502020204030204" pitchFamily="34" charset="0"/>
-                <a:ea typeface="Times New Roman" panose="02020603050405020304" pitchFamily="18" charset="0"/>
-              </a:rPr>
-              <a:t>E o ´Grupo 5`, ao qual pertencemos, ficou com os seguintes índices: ´ Acertos`: (60%) e ´Presença´: (71,4%). </a:t>
-            </a:r>
-            <a:endParaRPr lang="pt-BR" dirty="0">
-              <a:latin typeface="Times New Roman" panose="02020603050405020304" pitchFamily="18" charset="0"/>
-              <a:ea typeface="Times New Roman" panose="02020603050405020304" pitchFamily="18" charset="0"/>
-            </a:endParaRPr>
-          </a:p>
-          <a:p>
-            <a:pPr fontAlgn="base">
-              <a:spcAft>
-                <a:spcPts val="0"/>
-              </a:spcAft>
-            </a:pPr>
-            <a:r>
-              <a:rPr lang="pt-BR" sz="1100" dirty="0">
-                <a:latin typeface="Segoe UI" panose="020B0502040204020203" pitchFamily="34" charset="0"/>
-                <a:ea typeface="Times New Roman" panose="02020603050405020304" pitchFamily="18" charset="0"/>
-              </a:rPr>
-              <a:t> </a:t>
-            </a:r>
-            <a:endParaRPr lang="pt-BR" dirty="0">
-              <a:latin typeface="Times New Roman" panose="02020603050405020304" pitchFamily="18" charset="0"/>
-              <a:ea typeface="Times New Roman" panose="02020603050405020304" pitchFamily="18" charset="0"/>
-            </a:endParaRPr>
-          </a:p>
-          <a:p>
-            <a:pPr fontAlgn="base">
-              <a:spcAft>
-                <a:spcPts val="0"/>
-              </a:spcAft>
-            </a:pPr>
-            <a:r>
-              <a:rPr lang="pt-BR" sz="1600" dirty="0">
-                <a:latin typeface="Calibri" panose="020F0502020204030204" pitchFamily="34" charset="0"/>
-                <a:ea typeface="Times New Roman" panose="02020603050405020304" pitchFamily="18" charset="0"/>
-              </a:rPr>
-              <a:t>Nosso grupo privilegiou o diálogo e as assertivas de um e outro debatendo as opiniões e os consensos não se atendo ao tempo e </a:t>
-            </a:r>
-            <a:r>
-              <a:rPr lang="pt-BR" dirty="0">
-                <a:latin typeface="Times New Roman" panose="02020603050405020304" pitchFamily="18" charset="0"/>
-                <a:ea typeface="Times New Roman" panose="02020603050405020304" pitchFamily="18" charset="0"/>
-              </a:rPr>
-              <a:t>á necessidade em acabar logo o questionário ou sequer usar por exemplo o buscador Google para realizar pesquisas sobre o conteúdo da `prova` coisa levada adiante por outros grupos se bem me lembro e pude até observar. </a:t>
-            </a:r>
-            <a:r>
-              <a:rPr lang="pt-BR" sz="1600" dirty="0">
-                <a:latin typeface="Calibri" panose="020F0502020204030204" pitchFamily="34" charset="0"/>
-                <a:ea typeface="Times New Roman" panose="02020603050405020304" pitchFamily="18" charset="0"/>
-              </a:rPr>
-              <a:t> </a:t>
-            </a:r>
-            <a:endParaRPr lang="pt-BR" sz="1600" dirty="0" smtClean="0">
-              <a:latin typeface="Calibri" panose="020F0502020204030204" pitchFamily="34" charset="0"/>
-              <a:ea typeface="Times New Roman" panose="02020603050405020304" pitchFamily="18" charset="0"/>
-            </a:endParaRPr>
-          </a:p>
-          <a:p>
-            <a:pPr fontAlgn="base">
-              <a:spcAft>
-                <a:spcPts val="0"/>
-              </a:spcAft>
-            </a:pPr>
-            <a:endParaRPr lang="pt-BR" dirty="0">
-              <a:latin typeface="Times New Roman" panose="02020603050405020304" pitchFamily="18" charset="0"/>
-              <a:ea typeface="Times New Roman" panose="02020603050405020304" pitchFamily="18" charset="0"/>
-            </a:endParaRPr>
-          </a:p>
-        </p:txBody>
-      </p:sp>
+      <p:graphicFrame>
+        <p:nvGraphicFramePr>
+          <p:cNvPr id="4" name="Tabela 3"/>
+          <p:cNvGraphicFramePr>
+            <a:graphicFrameLocks noGrp="1"/>
+          </p:cNvGraphicFramePr>
+          <p:nvPr>
+            <p:extLst>
+              <p:ext uri="{D42A27DB-BD31-4B8C-83A1-F6EECF244321}">
+                <p14:modId xmlns:p14="http://schemas.microsoft.com/office/powerpoint/2010/main" val="1233183109"/>
+              </p:ext>
+            </p:extLst>
+          </p:nvPr>
+        </p:nvGraphicFramePr>
+        <p:xfrm>
+          <a:off x="1387013" y="647263"/>
+          <a:ext cx="10191965" cy="1543242"/>
+        </p:xfrm>
+        <a:graphic>
+          <a:graphicData uri="http://schemas.openxmlformats.org/drawingml/2006/table">
+            <a:tbl>
+              <a:tblPr/>
+              <a:tblGrid>
+                <a:gridCol w="1455995">
+                  <a:extLst>
+                    <a:ext uri="{9D8B030D-6E8A-4147-A177-3AD203B41FA5}">
+                      <a16:colId xmlns:a16="http://schemas.microsoft.com/office/drawing/2014/main" val="2005591155"/>
+                    </a:ext>
+                  </a:extLst>
+                </a:gridCol>
+                <a:gridCol w="1455995">
+                  <a:extLst>
+                    <a:ext uri="{9D8B030D-6E8A-4147-A177-3AD203B41FA5}">
+                      <a16:colId xmlns:a16="http://schemas.microsoft.com/office/drawing/2014/main" val="3944702633"/>
+                    </a:ext>
+                  </a:extLst>
+                </a:gridCol>
+                <a:gridCol w="1455995">
+                  <a:extLst>
+                    <a:ext uri="{9D8B030D-6E8A-4147-A177-3AD203B41FA5}">
+                      <a16:colId xmlns:a16="http://schemas.microsoft.com/office/drawing/2014/main" val="2422102217"/>
+                    </a:ext>
+                  </a:extLst>
+                </a:gridCol>
+                <a:gridCol w="1455995">
+                  <a:extLst>
+                    <a:ext uri="{9D8B030D-6E8A-4147-A177-3AD203B41FA5}">
+                      <a16:colId xmlns:a16="http://schemas.microsoft.com/office/drawing/2014/main" val="3261145071"/>
+                    </a:ext>
+                  </a:extLst>
+                </a:gridCol>
+                <a:gridCol w="1455995">
+                  <a:extLst>
+                    <a:ext uri="{9D8B030D-6E8A-4147-A177-3AD203B41FA5}">
+                      <a16:colId xmlns:a16="http://schemas.microsoft.com/office/drawing/2014/main" val="1602160172"/>
+                    </a:ext>
+                  </a:extLst>
+                </a:gridCol>
+                <a:gridCol w="1455995">
+                  <a:extLst>
+                    <a:ext uri="{9D8B030D-6E8A-4147-A177-3AD203B41FA5}">
+                      <a16:colId xmlns:a16="http://schemas.microsoft.com/office/drawing/2014/main" val="3036095607"/>
+                    </a:ext>
+                  </a:extLst>
+                </a:gridCol>
+                <a:gridCol w="1455995">
+                  <a:extLst>
+                    <a:ext uri="{9D8B030D-6E8A-4147-A177-3AD203B41FA5}">
+                      <a16:colId xmlns:a16="http://schemas.microsoft.com/office/drawing/2014/main" val="3730899443"/>
+                    </a:ext>
+                  </a:extLst>
+                </a:gridCol>
+              </a:tblGrid>
+              <a:tr h="344009">
+                <a:tc gridSpan="7">
+                  <a:txBody>
+                    <a:bodyPr/>
+                    <a:lstStyle/>
+                    <a:p>
+                      <a:pPr algn="ctr" fontAlgn="b"/>
+                      <a:r>
+                        <a:rPr lang="pt-BR" sz="2400" b="0" i="0" u="none" strike="noStrike" dirty="0">
+                          <a:solidFill>
+                            <a:srgbClr val="000000"/>
+                          </a:solidFill>
+                          <a:effectLst/>
+                          <a:latin typeface="Calibri" panose="020F0502020204030204" pitchFamily="34" charset="0"/>
+                        </a:rPr>
+                        <a:t>Grupo 5:</a:t>
+                      </a:r>
+                    </a:p>
+                  </a:txBody>
+                  <a:tcPr marL="6350" marR="6350" marT="6350" marB="0" anchor="b">
+                    <a:lnL w="6350" cap="flat" cmpd="sng" algn="ctr">
+                      <a:solidFill>
+                        <a:srgbClr val="000000"/>
+                      </a:solidFill>
+                      <a:prstDash val="solid"/>
+                      <a:round/>
+                      <a:headEnd type="none" w="med" len="med"/>
+                      <a:tailEnd type="none" w="med" len="med"/>
+                    </a:lnL>
+                    <a:lnR w="6350" cap="flat" cmpd="sng" algn="ctr">
+                      <a:solidFill>
+                        <a:srgbClr val="000000"/>
+                      </a:solidFill>
+                      <a:prstDash val="solid"/>
+                      <a:round/>
+                      <a:headEnd type="none" w="med" len="med"/>
+                      <a:tailEnd type="none" w="med" len="med"/>
+                    </a:lnR>
+                    <a:lnT w="6350" cap="flat" cmpd="sng" algn="ctr">
+                      <a:solidFill>
+                        <a:srgbClr val="000000"/>
+                      </a:solidFill>
+                      <a:prstDash val="solid"/>
+                      <a:round/>
+                      <a:headEnd type="none" w="med" len="med"/>
+                      <a:tailEnd type="none" w="med" len="med"/>
+                    </a:lnT>
+                    <a:lnB w="6350" cap="flat" cmpd="sng" algn="ctr">
+                      <a:solidFill>
+                        <a:srgbClr val="000000"/>
+                      </a:solidFill>
+                      <a:prstDash val="solid"/>
+                      <a:round/>
+                      <a:headEnd type="none" w="med" len="med"/>
+                      <a:tailEnd type="none" w="med" len="med"/>
+                    </a:lnB>
+                  </a:tcPr>
+                </a:tc>
+                <a:tc hMerge="1">
+                  <a:txBody>
+                    <a:bodyPr/>
+                    <a:lstStyle/>
+                    <a:p>
+                      <a:endParaRPr lang="pt-BR"/>
+                    </a:p>
+                  </a:txBody>
+                  <a:tcPr/>
+                </a:tc>
+                <a:tc hMerge="1">
+                  <a:txBody>
+                    <a:bodyPr/>
+                    <a:lstStyle/>
+                    <a:p>
+                      <a:endParaRPr lang="pt-BR"/>
+                    </a:p>
+                  </a:txBody>
+                  <a:tcPr/>
+                </a:tc>
+                <a:tc hMerge="1">
+                  <a:txBody>
+                    <a:bodyPr/>
+                    <a:lstStyle/>
+                    <a:p>
+                      <a:endParaRPr lang="pt-BR"/>
+                    </a:p>
+                  </a:txBody>
+                  <a:tcPr/>
+                </a:tc>
+                <a:tc hMerge="1">
+                  <a:txBody>
+                    <a:bodyPr/>
+                    <a:lstStyle/>
+                    <a:p>
+                      <a:endParaRPr lang="pt-BR"/>
+                    </a:p>
+                  </a:txBody>
+                  <a:tcPr/>
+                </a:tc>
+                <a:tc hMerge="1">
+                  <a:txBody>
+                    <a:bodyPr/>
+                    <a:lstStyle/>
+                    <a:p>
+                      <a:endParaRPr lang="pt-BR"/>
+                    </a:p>
+                  </a:txBody>
+                  <a:tcPr/>
+                </a:tc>
+                <a:tc hMerge="1">
+                  <a:txBody>
+                    <a:bodyPr/>
+                    <a:lstStyle/>
+                    <a:p>
+                      <a:endParaRPr lang="pt-BR"/>
+                    </a:p>
+                  </a:txBody>
+                  <a:tcPr/>
+                </a:tc>
+                <a:extLst>
+                  <a:ext uri="{0D108BD9-81ED-4DB2-BD59-A6C34878D82A}">
+                    <a16:rowId xmlns:a16="http://schemas.microsoft.com/office/drawing/2014/main" val="348797190"/>
+                  </a:ext>
+                </a:extLst>
+              </a:tr>
+              <a:tr h="344009">
+                <a:tc>
+                  <a:txBody>
+                    <a:bodyPr/>
+                    <a:lstStyle/>
+                    <a:p>
+                      <a:pPr algn="l" fontAlgn="b"/>
+                      <a:r>
+                        <a:rPr lang="pt-BR" sz="2400" b="0" i="0" u="none" strike="noStrike" dirty="0">
+                          <a:solidFill>
+                            <a:srgbClr val="000000"/>
+                          </a:solidFill>
+                          <a:effectLst/>
+                          <a:latin typeface="Calibri" panose="020F0502020204030204" pitchFamily="34" charset="0"/>
+                        </a:rPr>
+                        <a:t> </a:t>
+                      </a:r>
+                    </a:p>
+                  </a:txBody>
+                  <a:tcPr marL="6350" marR="6350" marT="6350" marB="0" anchor="b">
+                    <a:lnL w="6350" cap="flat" cmpd="sng" algn="ctr">
+                      <a:solidFill>
+                        <a:srgbClr val="000000"/>
+                      </a:solidFill>
+                      <a:prstDash val="solid"/>
+                      <a:round/>
+                      <a:headEnd type="none" w="med" len="med"/>
+                      <a:tailEnd type="none" w="med" len="med"/>
+                    </a:lnL>
+                    <a:lnR w="6350" cap="flat" cmpd="sng" algn="ctr">
+                      <a:solidFill>
+                        <a:srgbClr val="000000"/>
+                      </a:solidFill>
+                      <a:prstDash val="solid"/>
+                      <a:round/>
+                      <a:headEnd type="none" w="med" len="med"/>
+                      <a:tailEnd type="none" w="med" len="med"/>
+                    </a:lnR>
+                    <a:lnT w="6350" cap="flat" cmpd="sng" algn="ctr">
+                      <a:solidFill>
+                        <a:srgbClr val="000000"/>
+                      </a:solidFill>
+                      <a:prstDash val="solid"/>
+                      <a:round/>
+                      <a:headEnd type="none" w="med" len="med"/>
+                      <a:tailEnd type="none" w="med" len="med"/>
+                    </a:lnT>
+                    <a:lnB w="6350" cap="flat" cmpd="sng" algn="ctr">
+                      <a:solidFill>
+                        <a:srgbClr val="000000"/>
+                      </a:solidFill>
+                      <a:prstDash val="solid"/>
+                      <a:round/>
+                      <a:headEnd type="none" w="med" len="med"/>
+                      <a:tailEnd type="none" w="med" len="med"/>
+                    </a:lnB>
+                  </a:tcPr>
+                </a:tc>
+                <a:tc>
+                  <a:txBody>
+                    <a:bodyPr/>
+                    <a:lstStyle/>
+                    <a:p>
+                      <a:pPr algn="l" fontAlgn="b"/>
+                      <a:r>
+                        <a:rPr lang="pt-BR" sz="2400" b="0" i="0" u="none" strike="noStrike">
+                          <a:solidFill>
+                            <a:srgbClr val="000000"/>
+                          </a:solidFill>
+                          <a:effectLst/>
+                          <a:latin typeface="Calibri" panose="020F0502020204030204" pitchFamily="34" charset="0"/>
+                        </a:rPr>
+                        <a:t>Angela</a:t>
+                      </a:r>
+                    </a:p>
+                  </a:txBody>
+                  <a:tcPr marL="6350" marR="6350" marT="6350" marB="0" anchor="b">
+                    <a:lnL w="6350" cap="flat" cmpd="sng" algn="ctr">
+                      <a:solidFill>
+                        <a:srgbClr val="000000"/>
+                      </a:solidFill>
+                      <a:prstDash val="solid"/>
+                      <a:round/>
+                      <a:headEnd type="none" w="med" len="med"/>
+                      <a:tailEnd type="none" w="med" len="med"/>
+                    </a:lnL>
+                    <a:lnR w="6350" cap="flat" cmpd="sng" algn="ctr">
+                      <a:solidFill>
+                        <a:srgbClr val="000000"/>
+                      </a:solidFill>
+                      <a:prstDash val="solid"/>
+                      <a:round/>
+                      <a:headEnd type="none" w="med" len="med"/>
+                      <a:tailEnd type="none" w="med" len="med"/>
+                    </a:lnR>
+                    <a:lnT w="6350" cap="flat" cmpd="sng" algn="ctr">
+                      <a:solidFill>
+                        <a:srgbClr val="000000"/>
+                      </a:solidFill>
+                      <a:prstDash val="solid"/>
+                      <a:round/>
+                      <a:headEnd type="none" w="med" len="med"/>
+                      <a:tailEnd type="none" w="med" len="med"/>
+                    </a:lnT>
+                    <a:lnB w="6350" cap="flat" cmpd="sng" algn="ctr">
+                      <a:solidFill>
+                        <a:srgbClr val="000000"/>
+                      </a:solidFill>
+                      <a:prstDash val="solid"/>
+                      <a:round/>
+                      <a:headEnd type="none" w="med" len="med"/>
+                      <a:tailEnd type="none" w="med" len="med"/>
+                    </a:lnB>
+                  </a:tcPr>
+                </a:tc>
+                <a:tc>
+                  <a:txBody>
+                    <a:bodyPr/>
+                    <a:lstStyle/>
+                    <a:p>
+                      <a:pPr algn="l" fontAlgn="b"/>
+                      <a:r>
+                        <a:rPr lang="pt-BR" sz="2400" b="0" i="0" u="none" strike="noStrike">
+                          <a:solidFill>
+                            <a:srgbClr val="000000"/>
+                          </a:solidFill>
+                          <a:effectLst/>
+                          <a:latin typeface="Calibri" panose="020F0502020204030204" pitchFamily="34" charset="0"/>
+                        </a:rPr>
+                        <a:t>Antônio </a:t>
+                      </a:r>
+                    </a:p>
+                  </a:txBody>
+                  <a:tcPr marL="6350" marR="6350" marT="6350" marB="0" anchor="b">
+                    <a:lnL w="6350" cap="flat" cmpd="sng" algn="ctr">
+                      <a:solidFill>
+                        <a:srgbClr val="000000"/>
+                      </a:solidFill>
+                      <a:prstDash val="solid"/>
+                      <a:round/>
+                      <a:headEnd type="none" w="med" len="med"/>
+                      <a:tailEnd type="none" w="med" len="med"/>
+                    </a:lnL>
+                    <a:lnR w="6350" cap="flat" cmpd="sng" algn="ctr">
+                      <a:solidFill>
+                        <a:srgbClr val="000000"/>
+                      </a:solidFill>
+                      <a:prstDash val="solid"/>
+                      <a:round/>
+                      <a:headEnd type="none" w="med" len="med"/>
+                      <a:tailEnd type="none" w="med" len="med"/>
+                    </a:lnR>
+                    <a:lnT w="6350" cap="flat" cmpd="sng" algn="ctr">
+                      <a:solidFill>
+                        <a:srgbClr val="000000"/>
+                      </a:solidFill>
+                      <a:prstDash val="solid"/>
+                      <a:round/>
+                      <a:headEnd type="none" w="med" len="med"/>
+                      <a:tailEnd type="none" w="med" len="med"/>
+                    </a:lnT>
+                    <a:lnB w="6350" cap="flat" cmpd="sng" algn="ctr">
+                      <a:solidFill>
+                        <a:srgbClr val="000000"/>
+                      </a:solidFill>
+                      <a:prstDash val="solid"/>
+                      <a:round/>
+                      <a:headEnd type="none" w="med" len="med"/>
+                      <a:tailEnd type="none" w="med" len="med"/>
+                    </a:lnB>
+                  </a:tcPr>
+                </a:tc>
+                <a:tc>
+                  <a:txBody>
+                    <a:bodyPr/>
+                    <a:lstStyle/>
+                    <a:p>
+                      <a:pPr algn="l" fontAlgn="b"/>
+                      <a:r>
+                        <a:rPr lang="pt-BR" sz="2400" b="0" i="0" u="none" strike="noStrike">
+                          <a:solidFill>
+                            <a:srgbClr val="000000"/>
+                          </a:solidFill>
+                          <a:effectLst/>
+                          <a:latin typeface="Calibri" panose="020F0502020204030204" pitchFamily="34" charset="0"/>
+                        </a:rPr>
+                        <a:t>Claudiane</a:t>
+                      </a:r>
+                    </a:p>
+                  </a:txBody>
+                  <a:tcPr marL="6350" marR="6350" marT="6350" marB="0" anchor="b">
+                    <a:lnL w="6350" cap="flat" cmpd="sng" algn="ctr">
+                      <a:solidFill>
+                        <a:srgbClr val="000000"/>
+                      </a:solidFill>
+                      <a:prstDash val="solid"/>
+                      <a:round/>
+                      <a:headEnd type="none" w="med" len="med"/>
+                      <a:tailEnd type="none" w="med" len="med"/>
+                    </a:lnL>
+                    <a:lnR w="6350" cap="flat" cmpd="sng" algn="ctr">
+                      <a:solidFill>
+                        <a:srgbClr val="000000"/>
+                      </a:solidFill>
+                      <a:prstDash val="solid"/>
+                      <a:round/>
+                      <a:headEnd type="none" w="med" len="med"/>
+                      <a:tailEnd type="none" w="med" len="med"/>
+                    </a:lnR>
+                    <a:lnT w="6350" cap="flat" cmpd="sng" algn="ctr">
+                      <a:solidFill>
+                        <a:srgbClr val="000000"/>
+                      </a:solidFill>
+                      <a:prstDash val="solid"/>
+                      <a:round/>
+                      <a:headEnd type="none" w="med" len="med"/>
+                      <a:tailEnd type="none" w="med" len="med"/>
+                    </a:lnT>
+                    <a:lnB w="6350" cap="flat" cmpd="sng" algn="ctr">
+                      <a:solidFill>
+                        <a:srgbClr val="000000"/>
+                      </a:solidFill>
+                      <a:prstDash val="solid"/>
+                      <a:round/>
+                      <a:headEnd type="none" w="med" len="med"/>
+                      <a:tailEnd type="none" w="med" len="med"/>
+                    </a:lnB>
+                  </a:tcPr>
+                </a:tc>
+                <a:tc>
+                  <a:txBody>
+                    <a:bodyPr/>
+                    <a:lstStyle/>
+                    <a:p>
+                      <a:pPr algn="l" fontAlgn="b"/>
+                      <a:r>
+                        <a:rPr lang="pt-BR" sz="2400" b="0" i="0" u="none" strike="noStrike">
+                          <a:solidFill>
+                            <a:srgbClr val="000000"/>
+                          </a:solidFill>
+                          <a:effectLst/>
+                          <a:latin typeface="Calibri" panose="020F0502020204030204" pitchFamily="34" charset="0"/>
+                        </a:rPr>
+                        <a:t>João</a:t>
+                      </a:r>
+                    </a:p>
+                  </a:txBody>
+                  <a:tcPr marL="6350" marR="6350" marT="6350" marB="0" anchor="b">
+                    <a:lnL w="6350" cap="flat" cmpd="sng" algn="ctr">
+                      <a:solidFill>
+                        <a:srgbClr val="000000"/>
+                      </a:solidFill>
+                      <a:prstDash val="solid"/>
+                      <a:round/>
+                      <a:headEnd type="none" w="med" len="med"/>
+                      <a:tailEnd type="none" w="med" len="med"/>
+                    </a:lnL>
+                    <a:lnR w="6350" cap="flat" cmpd="sng" algn="ctr">
+                      <a:solidFill>
+                        <a:srgbClr val="000000"/>
+                      </a:solidFill>
+                      <a:prstDash val="solid"/>
+                      <a:round/>
+                      <a:headEnd type="none" w="med" len="med"/>
+                      <a:tailEnd type="none" w="med" len="med"/>
+                    </a:lnR>
+                    <a:lnT w="6350" cap="flat" cmpd="sng" algn="ctr">
+                      <a:solidFill>
+                        <a:srgbClr val="000000"/>
+                      </a:solidFill>
+                      <a:prstDash val="solid"/>
+                      <a:round/>
+                      <a:headEnd type="none" w="med" len="med"/>
+                      <a:tailEnd type="none" w="med" len="med"/>
+                    </a:lnT>
+                    <a:lnB w="6350" cap="flat" cmpd="sng" algn="ctr">
+                      <a:solidFill>
+                        <a:srgbClr val="000000"/>
+                      </a:solidFill>
+                      <a:prstDash val="solid"/>
+                      <a:round/>
+                      <a:headEnd type="none" w="med" len="med"/>
+                      <a:tailEnd type="none" w="med" len="med"/>
+                    </a:lnB>
+                  </a:tcPr>
+                </a:tc>
+                <a:tc>
+                  <a:txBody>
+                    <a:bodyPr/>
+                    <a:lstStyle/>
+                    <a:p>
+                      <a:pPr algn="l" fontAlgn="b"/>
+                      <a:r>
+                        <a:rPr lang="pt-BR" sz="2400" b="0" i="0" u="none" strike="noStrike">
+                          <a:solidFill>
+                            <a:srgbClr val="000000"/>
+                          </a:solidFill>
+                          <a:effectLst/>
+                          <a:latin typeface="Calibri" panose="020F0502020204030204" pitchFamily="34" charset="0"/>
+                        </a:rPr>
+                        <a:t>Jonas</a:t>
+                      </a:r>
+                    </a:p>
+                  </a:txBody>
+                  <a:tcPr marL="6350" marR="6350" marT="6350" marB="0" anchor="b">
+                    <a:lnL w="6350" cap="flat" cmpd="sng" algn="ctr">
+                      <a:solidFill>
+                        <a:srgbClr val="000000"/>
+                      </a:solidFill>
+                      <a:prstDash val="solid"/>
+                      <a:round/>
+                      <a:headEnd type="none" w="med" len="med"/>
+                      <a:tailEnd type="none" w="med" len="med"/>
+                    </a:lnL>
+                    <a:lnR w="6350" cap="flat" cmpd="sng" algn="ctr">
+                      <a:solidFill>
+                        <a:srgbClr val="000000"/>
+                      </a:solidFill>
+                      <a:prstDash val="solid"/>
+                      <a:round/>
+                      <a:headEnd type="none" w="med" len="med"/>
+                      <a:tailEnd type="none" w="med" len="med"/>
+                    </a:lnR>
+                    <a:lnT w="6350" cap="flat" cmpd="sng" algn="ctr">
+                      <a:solidFill>
+                        <a:srgbClr val="000000"/>
+                      </a:solidFill>
+                      <a:prstDash val="solid"/>
+                      <a:round/>
+                      <a:headEnd type="none" w="med" len="med"/>
+                      <a:tailEnd type="none" w="med" len="med"/>
+                    </a:lnT>
+                    <a:lnB w="6350" cap="flat" cmpd="sng" algn="ctr">
+                      <a:solidFill>
+                        <a:srgbClr val="000000"/>
+                      </a:solidFill>
+                      <a:prstDash val="solid"/>
+                      <a:round/>
+                      <a:headEnd type="none" w="med" len="med"/>
+                      <a:tailEnd type="none" w="med" len="med"/>
+                    </a:lnB>
+                  </a:tcPr>
+                </a:tc>
+                <a:tc>
+                  <a:txBody>
+                    <a:bodyPr/>
+                    <a:lstStyle/>
+                    <a:p>
+                      <a:pPr algn="l" fontAlgn="b"/>
+                      <a:r>
+                        <a:rPr lang="pt-BR" sz="2400" b="0" i="0" u="none" strike="noStrike">
+                          <a:solidFill>
+                            <a:srgbClr val="000000"/>
+                          </a:solidFill>
+                          <a:effectLst/>
+                          <a:latin typeface="Calibri" panose="020F0502020204030204" pitchFamily="34" charset="0"/>
+                        </a:rPr>
+                        <a:t>Melissa</a:t>
+                      </a:r>
+                    </a:p>
+                  </a:txBody>
+                  <a:tcPr marL="6350" marR="6350" marT="6350" marB="0" anchor="b">
+                    <a:lnL w="6350" cap="flat" cmpd="sng" algn="ctr">
+                      <a:solidFill>
+                        <a:srgbClr val="000000"/>
+                      </a:solidFill>
+                      <a:prstDash val="solid"/>
+                      <a:round/>
+                      <a:headEnd type="none" w="med" len="med"/>
+                      <a:tailEnd type="none" w="med" len="med"/>
+                    </a:lnL>
+                    <a:lnR w="6350" cap="flat" cmpd="sng" algn="ctr">
+                      <a:solidFill>
+                        <a:srgbClr val="000000"/>
+                      </a:solidFill>
+                      <a:prstDash val="solid"/>
+                      <a:round/>
+                      <a:headEnd type="none" w="med" len="med"/>
+                      <a:tailEnd type="none" w="med" len="med"/>
+                    </a:lnR>
+                    <a:lnT w="6350" cap="flat" cmpd="sng" algn="ctr">
+                      <a:solidFill>
+                        <a:srgbClr val="000000"/>
+                      </a:solidFill>
+                      <a:prstDash val="solid"/>
+                      <a:round/>
+                      <a:headEnd type="none" w="med" len="med"/>
+                      <a:tailEnd type="none" w="med" len="med"/>
+                    </a:lnT>
+                    <a:lnB w="6350" cap="flat" cmpd="sng" algn="ctr">
+                      <a:solidFill>
+                        <a:srgbClr val="000000"/>
+                      </a:solidFill>
+                      <a:prstDash val="solid"/>
+                      <a:round/>
+                      <a:headEnd type="none" w="med" len="med"/>
+                      <a:tailEnd type="none" w="med" len="med"/>
+                    </a:lnB>
+                  </a:tcPr>
+                </a:tc>
+                <a:extLst>
+                  <a:ext uri="{0D108BD9-81ED-4DB2-BD59-A6C34878D82A}">
+                    <a16:rowId xmlns:a16="http://schemas.microsoft.com/office/drawing/2014/main" val="4203805217"/>
+                  </a:ext>
+                </a:extLst>
+              </a:tr>
+              <a:tr h="344009">
+                <a:tc>
+                  <a:txBody>
+                    <a:bodyPr/>
+                    <a:lstStyle/>
+                    <a:p>
+                      <a:pPr algn="l" fontAlgn="b"/>
+                      <a:r>
+                        <a:rPr lang="pt-BR" sz="2400" b="0" i="0" u="none" strike="noStrike" dirty="0">
+                          <a:solidFill>
+                            <a:srgbClr val="000000"/>
+                          </a:solidFill>
+                          <a:effectLst/>
+                          <a:latin typeface="Calibri" panose="020F0502020204030204" pitchFamily="34" charset="0"/>
+                        </a:rPr>
+                        <a:t>% Acertos</a:t>
+                      </a:r>
+                    </a:p>
+                  </a:txBody>
+                  <a:tcPr marL="6350" marR="6350" marT="6350" marB="0" anchor="b">
+                    <a:lnL w="6350" cap="flat" cmpd="sng" algn="ctr">
+                      <a:solidFill>
+                        <a:srgbClr val="000000"/>
+                      </a:solidFill>
+                      <a:prstDash val="solid"/>
+                      <a:round/>
+                      <a:headEnd type="none" w="med" len="med"/>
+                      <a:tailEnd type="none" w="med" len="med"/>
+                    </a:lnL>
+                    <a:lnR w="6350" cap="flat" cmpd="sng" algn="ctr">
+                      <a:solidFill>
+                        <a:srgbClr val="000000"/>
+                      </a:solidFill>
+                      <a:prstDash val="solid"/>
+                      <a:round/>
+                      <a:headEnd type="none" w="med" len="med"/>
+                      <a:tailEnd type="none" w="med" len="med"/>
+                    </a:lnR>
+                    <a:lnT w="6350" cap="flat" cmpd="sng" algn="ctr">
+                      <a:solidFill>
+                        <a:srgbClr val="000000"/>
+                      </a:solidFill>
+                      <a:prstDash val="solid"/>
+                      <a:round/>
+                      <a:headEnd type="none" w="med" len="med"/>
+                      <a:tailEnd type="none" w="med" len="med"/>
+                    </a:lnT>
+                    <a:lnB w="6350" cap="flat" cmpd="sng" algn="ctr">
+                      <a:solidFill>
+                        <a:srgbClr val="000000"/>
+                      </a:solidFill>
+                      <a:prstDash val="solid"/>
+                      <a:round/>
+                      <a:headEnd type="none" w="med" len="med"/>
+                      <a:tailEnd type="none" w="med" len="med"/>
+                    </a:lnB>
+                  </a:tcPr>
+                </a:tc>
+                <a:tc>
+                  <a:txBody>
+                    <a:bodyPr/>
+                    <a:lstStyle/>
+                    <a:p>
+                      <a:pPr algn="r" fontAlgn="b"/>
+                      <a:r>
+                        <a:rPr lang="pt-BR" sz="2400" b="0" i="0" u="none" strike="noStrike" dirty="0">
+                          <a:solidFill>
+                            <a:srgbClr val="000000"/>
+                          </a:solidFill>
+                          <a:effectLst/>
+                          <a:latin typeface="Calibri" panose="020F0502020204030204" pitchFamily="34" charset="0"/>
+                        </a:rPr>
+                        <a:t>32,00%</a:t>
+                      </a:r>
+                    </a:p>
+                  </a:txBody>
+                  <a:tcPr marL="6350" marR="6350" marT="6350" marB="0" anchor="b">
+                    <a:lnL w="6350" cap="flat" cmpd="sng" algn="ctr">
+                      <a:solidFill>
+                        <a:srgbClr val="000000"/>
+                      </a:solidFill>
+                      <a:prstDash val="solid"/>
+                      <a:round/>
+                      <a:headEnd type="none" w="med" len="med"/>
+                      <a:tailEnd type="none" w="med" len="med"/>
+                    </a:lnL>
+                    <a:lnR w="6350" cap="flat" cmpd="sng" algn="ctr">
+                      <a:solidFill>
+                        <a:srgbClr val="000000"/>
+                      </a:solidFill>
+                      <a:prstDash val="solid"/>
+                      <a:round/>
+                      <a:headEnd type="none" w="med" len="med"/>
+                      <a:tailEnd type="none" w="med" len="med"/>
+                    </a:lnR>
+                    <a:lnT w="6350" cap="flat" cmpd="sng" algn="ctr">
+                      <a:solidFill>
+                        <a:srgbClr val="000000"/>
+                      </a:solidFill>
+                      <a:prstDash val="solid"/>
+                      <a:round/>
+                      <a:headEnd type="none" w="med" len="med"/>
+                      <a:tailEnd type="none" w="med" len="med"/>
+                    </a:lnT>
+                    <a:lnB w="6350" cap="flat" cmpd="sng" algn="ctr">
+                      <a:solidFill>
+                        <a:srgbClr val="000000"/>
+                      </a:solidFill>
+                      <a:prstDash val="solid"/>
+                      <a:round/>
+                      <a:headEnd type="none" w="med" len="med"/>
+                      <a:tailEnd type="none" w="med" len="med"/>
+                    </a:lnB>
+                  </a:tcPr>
+                </a:tc>
+                <a:tc>
+                  <a:txBody>
+                    <a:bodyPr/>
+                    <a:lstStyle/>
+                    <a:p>
+                      <a:pPr algn="r" fontAlgn="b"/>
+                      <a:r>
+                        <a:rPr lang="pt-BR" sz="2400" b="0" i="0" u="none" strike="noStrike">
+                          <a:solidFill>
+                            <a:srgbClr val="000000"/>
+                          </a:solidFill>
+                          <a:effectLst/>
+                          <a:latin typeface="Calibri" panose="020F0502020204030204" pitchFamily="34" charset="0"/>
+                        </a:rPr>
+                        <a:t>56,00%</a:t>
+                      </a:r>
+                    </a:p>
+                  </a:txBody>
+                  <a:tcPr marL="6350" marR="6350" marT="6350" marB="0" anchor="b">
+                    <a:lnL w="6350" cap="flat" cmpd="sng" algn="ctr">
+                      <a:solidFill>
+                        <a:srgbClr val="000000"/>
+                      </a:solidFill>
+                      <a:prstDash val="solid"/>
+                      <a:round/>
+                      <a:headEnd type="none" w="med" len="med"/>
+                      <a:tailEnd type="none" w="med" len="med"/>
+                    </a:lnL>
+                    <a:lnR w="6350" cap="flat" cmpd="sng" algn="ctr">
+                      <a:solidFill>
+                        <a:srgbClr val="000000"/>
+                      </a:solidFill>
+                      <a:prstDash val="solid"/>
+                      <a:round/>
+                      <a:headEnd type="none" w="med" len="med"/>
+                      <a:tailEnd type="none" w="med" len="med"/>
+                    </a:lnR>
+                    <a:lnT w="6350" cap="flat" cmpd="sng" algn="ctr">
+                      <a:solidFill>
+                        <a:srgbClr val="000000"/>
+                      </a:solidFill>
+                      <a:prstDash val="solid"/>
+                      <a:round/>
+                      <a:headEnd type="none" w="med" len="med"/>
+                      <a:tailEnd type="none" w="med" len="med"/>
+                    </a:lnT>
+                    <a:lnB w="6350" cap="flat" cmpd="sng" algn="ctr">
+                      <a:solidFill>
+                        <a:srgbClr val="000000"/>
+                      </a:solidFill>
+                      <a:prstDash val="solid"/>
+                      <a:round/>
+                      <a:headEnd type="none" w="med" len="med"/>
+                      <a:tailEnd type="none" w="med" len="med"/>
+                    </a:lnB>
+                  </a:tcPr>
+                </a:tc>
+                <a:tc>
+                  <a:txBody>
+                    <a:bodyPr/>
+                    <a:lstStyle/>
+                    <a:p>
+                      <a:pPr algn="r" fontAlgn="b"/>
+                      <a:r>
+                        <a:rPr lang="pt-BR" sz="2400" b="0" i="0" u="none" strike="noStrike">
+                          <a:solidFill>
+                            <a:srgbClr val="000000"/>
+                          </a:solidFill>
+                          <a:effectLst/>
+                          <a:latin typeface="Calibri" panose="020F0502020204030204" pitchFamily="34" charset="0"/>
+                        </a:rPr>
+                        <a:t>24,00%</a:t>
+                      </a:r>
+                    </a:p>
+                  </a:txBody>
+                  <a:tcPr marL="6350" marR="6350" marT="6350" marB="0" anchor="b">
+                    <a:lnL w="6350" cap="flat" cmpd="sng" algn="ctr">
+                      <a:solidFill>
+                        <a:srgbClr val="000000"/>
+                      </a:solidFill>
+                      <a:prstDash val="solid"/>
+                      <a:round/>
+                      <a:headEnd type="none" w="med" len="med"/>
+                      <a:tailEnd type="none" w="med" len="med"/>
+                    </a:lnL>
+                    <a:lnR w="6350" cap="flat" cmpd="sng" algn="ctr">
+                      <a:solidFill>
+                        <a:srgbClr val="000000"/>
+                      </a:solidFill>
+                      <a:prstDash val="solid"/>
+                      <a:round/>
+                      <a:headEnd type="none" w="med" len="med"/>
+                      <a:tailEnd type="none" w="med" len="med"/>
+                    </a:lnR>
+                    <a:lnT w="6350" cap="flat" cmpd="sng" algn="ctr">
+                      <a:solidFill>
+                        <a:srgbClr val="000000"/>
+                      </a:solidFill>
+                      <a:prstDash val="solid"/>
+                      <a:round/>
+                      <a:headEnd type="none" w="med" len="med"/>
+                      <a:tailEnd type="none" w="med" len="med"/>
+                    </a:lnT>
+                    <a:lnB w="6350" cap="flat" cmpd="sng" algn="ctr">
+                      <a:solidFill>
+                        <a:srgbClr val="000000"/>
+                      </a:solidFill>
+                      <a:prstDash val="solid"/>
+                      <a:round/>
+                      <a:headEnd type="none" w="med" len="med"/>
+                      <a:tailEnd type="none" w="med" len="med"/>
+                    </a:lnB>
+                  </a:tcPr>
+                </a:tc>
+                <a:tc>
+                  <a:txBody>
+                    <a:bodyPr/>
+                    <a:lstStyle/>
+                    <a:p>
+                      <a:pPr algn="r" fontAlgn="b"/>
+                      <a:r>
+                        <a:rPr lang="pt-BR" sz="2400" b="0" i="0" u="none" strike="noStrike">
+                          <a:solidFill>
+                            <a:srgbClr val="000000"/>
+                          </a:solidFill>
+                          <a:effectLst/>
+                          <a:latin typeface="Calibri" panose="020F0502020204030204" pitchFamily="34" charset="0"/>
+                        </a:rPr>
+                        <a:t>64,00%</a:t>
+                      </a:r>
+                    </a:p>
+                  </a:txBody>
+                  <a:tcPr marL="6350" marR="6350" marT="6350" marB="0" anchor="b">
+                    <a:lnL w="6350" cap="flat" cmpd="sng" algn="ctr">
+                      <a:solidFill>
+                        <a:srgbClr val="000000"/>
+                      </a:solidFill>
+                      <a:prstDash val="solid"/>
+                      <a:round/>
+                      <a:headEnd type="none" w="med" len="med"/>
+                      <a:tailEnd type="none" w="med" len="med"/>
+                    </a:lnL>
+                    <a:lnR w="6350" cap="flat" cmpd="sng" algn="ctr">
+                      <a:solidFill>
+                        <a:srgbClr val="000000"/>
+                      </a:solidFill>
+                      <a:prstDash val="solid"/>
+                      <a:round/>
+                      <a:headEnd type="none" w="med" len="med"/>
+                      <a:tailEnd type="none" w="med" len="med"/>
+                    </a:lnR>
+                    <a:lnT w="6350" cap="flat" cmpd="sng" algn="ctr">
+                      <a:solidFill>
+                        <a:srgbClr val="000000"/>
+                      </a:solidFill>
+                      <a:prstDash val="solid"/>
+                      <a:round/>
+                      <a:headEnd type="none" w="med" len="med"/>
+                      <a:tailEnd type="none" w="med" len="med"/>
+                    </a:lnT>
+                    <a:lnB w="6350" cap="flat" cmpd="sng" algn="ctr">
+                      <a:solidFill>
+                        <a:srgbClr val="000000"/>
+                      </a:solidFill>
+                      <a:prstDash val="solid"/>
+                      <a:round/>
+                      <a:headEnd type="none" w="med" len="med"/>
+                      <a:tailEnd type="none" w="med" len="med"/>
+                    </a:lnB>
+                  </a:tcPr>
+                </a:tc>
+                <a:tc>
+                  <a:txBody>
+                    <a:bodyPr/>
+                    <a:lstStyle/>
+                    <a:p>
+                      <a:pPr algn="r" fontAlgn="b"/>
+                      <a:r>
+                        <a:rPr lang="pt-BR" sz="2400" b="0" i="0" u="none" strike="noStrike" dirty="0" smtClean="0">
+                          <a:solidFill>
+                            <a:srgbClr val="000000"/>
+                          </a:solidFill>
+                          <a:effectLst/>
+                          <a:latin typeface="Calibri" panose="020F0502020204030204" pitchFamily="34" charset="0"/>
+                        </a:rPr>
+                        <a:t>32,00</a:t>
+                      </a:r>
+                      <a:r>
+                        <a:rPr lang="pt-BR" sz="2400" b="0" i="0" u="none" strike="noStrike" dirty="0">
+                          <a:solidFill>
+                            <a:srgbClr val="000000"/>
+                          </a:solidFill>
+                          <a:effectLst/>
+                          <a:latin typeface="Calibri" panose="020F0502020204030204" pitchFamily="34" charset="0"/>
+                        </a:rPr>
+                        <a:t>%</a:t>
+                      </a:r>
+                    </a:p>
+                  </a:txBody>
+                  <a:tcPr marL="6350" marR="6350" marT="6350" marB="0" anchor="b">
+                    <a:lnL w="6350" cap="flat" cmpd="sng" algn="ctr">
+                      <a:solidFill>
+                        <a:srgbClr val="000000"/>
+                      </a:solidFill>
+                      <a:prstDash val="solid"/>
+                      <a:round/>
+                      <a:headEnd type="none" w="med" len="med"/>
+                      <a:tailEnd type="none" w="med" len="med"/>
+                    </a:lnL>
+                    <a:lnR w="6350" cap="flat" cmpd="sng" algn="ctr">
+                      <a:solidFill>
+                        <a:srgbClr val="000000"/>
+                      </a:solidFill>
+                      <a:prstDash val="solid"/>
+                      <a:round/>
+                      <a:headEnd type="none" w="med" len="med"/>
+                      <a:tailEnd type="none" w="med" len="med"/>
+                    </a:lnR>
+                    <a:lnT w="6350" cap="flat" cmpd="sng" algn="ctr">
+                      <a:solidFill>
+                        <a:srgbClr val="000000"/>
+                      </a:solidFill>
+                      <a:prstDash val="solid"/>
+                      <a:round/>
+                      <a:headEnd type="none" w="med" len="med"/>
+                      <a:tailEnd type="none" w="med" len="med"/>
+                    </a:lnT>
+                    <a:lnB w="6350" cap="flat" cmpd="sng" algn="ctr">
+                      <a:solidFill>
+                        <a:srgbClr val="000000"/>
+                      </a:solidFill>
+                      <a:prstDash val="solid"/>
+                      <a:round/>
+                      <a:headEnd type="none" w="med" len="med"/>
+                      <a:tailEnd type="none" w="med" len="med"/>
+                    </a:lnB>
+                  </a:tcPr>
+                </a:tc>
+                <a:tc>
+                  <a:txBody>
+                    <a:bodyPr/>
+                    <a:lstStyle/>
+                    <a:p>
+                      <a:pPr algn="r" fontAlgn="b"/>
+                      <a:r>
+                        <a:rPr lang="pt-BR" sz="2400" b="0" i="0" u="none" strike="noStrike">
+                          <a:solidFill>
+                            <a:srgbClr val="000000"/>
+                          </a:solidFill>
+                          <a:effectLst/>
+                          <a:latin typeface="Calibri" panose="020F0502020204030204" pitchFamily="34" charset="0"/>
+                        </a:rPr>
+                        <a:t>36,00%</a:t>
+                      </a:r>
+                    </a:p>
+                  </a:txBody>
+                  <a:tcPr marL="6350" marR="6350" marT="6350" marB="0" anchor="b">
+                    <a:lnL w="6350" cap="flat" cmpd="sng" algn="ctr">
+                      <a:solidFill>
+                        <a:srgbClr val="000000"/>
+                      </a:solidFill>
+                      <a:prstDash val="solid"/>
+                      <a:round/>
+                      <a:headEnd type="none" w="med" len="med"/>
+                      <a:tailEnd type="none" w="med" len="med"/>
+                    </a:lnL>
+                    <a:lnR w="6350" cap="flat" cmpd="sng" algn="ctr">
+                      <a:solidFill>
+                        <a:srgbClr val="000000"/>
+                      </a:solidFill>
+                      <a:prstDash val="solid"/>
+                      <a:round/>
+                      <a:headEnd type="none" w="med" len="med"/>
+                      <a:tailEnd type="none" w="med" len="med"/>
+                    </a:lnR>
+                    <a:lnT w="6350" cap="flat" cmpd="sng" algn="ctr">
+                      <a:solidFill>
+                        <a:srgbClr val="000000"/>
+                      </a:solidFill>
+                      <a:prstDash val="solid"/>
+                      <a:round/>
+                      <a:headEnd type="none" w="med" len="med"/>
+                      <a:tailEnd type="none" w="med" len="med"/>
+                    </a:lnT>
+                    <a:lnB w="6350" cap="flat" cmpd="sng" algn="ctr">
+                      <a:solidFill>
+                        <a:srgbClr val="000000"/>
+                      </a:solidFill>
+                      <a:prstDash val="solid"/>
+                      <a:round/>
+                      <a:headEnd type="none" w="med" len="med"/>
+                      <a:tailEnd type="none" w="med" len="med"/>
+                    </a:lnB>
+                  </a:tcPr>
+                </a:tc>
+                <a:extLst>
+                  <a:ext uri="{0D108BD9-81ED-4DB2-BD59-A6C34878D82A}">
+                    <a16:rowId xmlns:a16="http://schemas.microsoft.com/office/drawing/2014/main" val="1214505616"/>
+                  </a:ext>
+                </a:extLst>
+              </a:tr>
+              <a:tr h="426912">
+                <a:tc>
+                  <a:txBody>
+                    <a:bodyPr/>
+                    <a:lstStyle/>
+                    <a:p>
+                      <a:pPr algn="l" fontAlgn="b"/>
+                      <a:r>
+                        <a:rPr lang="pt-BR" sz="2400" b="0" i="0" u="none" strike="noStrike" dirty="0">
+                          <a:solidFill>
+                            <a:srgbClr val="000000"/>
+                          </a:solidFill>
+                          <a:effectLst/>
+                          <a:latin typeface="Calibri" panose="020F0502020204030204" pitchFamily="34" charset="0"/>
+                        </a:rPr>
+                        <a:t>% Presença</a:t>
+                      </a:r>
+                    </a:p>
+                  </a:txBody>
+                  <a:tcPr marL="6350" marR="6350" marT="6350" marB="0" anchor="b">
+                    <a:lnL w="6350" cap="flat" cmpd="sng" algn="ctr">
+                      <a:solidFill>
+                        <a:srgbClr val="000000"/>
+                      </a:solidFill>
+                      <a:prstDash val="solid"/>
+                      <a:round/>
+                      <a:headEnd type="none" w="med" len="med"/>
+                      <a:tailEnd type="none" w="med" len="med"/>
+                    </a:lnL>
+                    <a:lnR w="6350" cap="flat" cmpd="sng" algn="ctr">
+                      <a:solidFill>
+                        <a:srgbClr val="000000"/>
+                      </a:solidFill>
+                      <a:prstDash val="solid"/>
+                      <a:round/>
+                      <a:headEnd type="none" w="med" len="med"/>
+                      <a:tailEnd type="none" w="med" len="med"/>
+                    </a:lnR>
+                    <a:lnT w="6350" cap="flat" cmpd="sng" algn="ctr">
+                      <a:solidFill>
+                        <a:srgbClr val="000000"/>
+                      </a:solidFill>
+                      <a:prstDash val="solid"/>
+                      <a:round/>
+                      <a:headEnd type="none" w="med" len="med"/>
+                      <a:tailEnd type="none" w="med" len="med"/>
+                    </a:lnT>
+                    <a:lnB w="6350" cap="flat" cmpd="sng" algn="ctr">
+                      <a:solidFill>
+                        <a:srgbClr val="000000"/>
+                      </a:solidFill>
+                      <a:prstDash val="solid"/>
+                      <a:round/>
+                      <a:headEnd type="none" w="med" len="med"/>
+                      <a:tailEnd type="none" w="med" len="med"/>
+                    </a:lnB>
+                  </a:tcPr>
+                </a:tc>
+                <a:tc>
+                  <a:txBody>
+                    <a:bodyPr/>
+                    <a:lstStyle/>
+                    <a:p>
+                      <a:pPr algn="r" fontAlgn="b"/>
+                      <a:r>
+                        <a:rPr lang="pt-BR" sz="2400" b="0" i="0" u="none" strike="noStrike" dirty="0">
+                          <a:solidFill>
+                            <a:srgbClr val="000000"/>
+                          </a:solidFill>
+                          <a:effectLst/>
+                          <a:latin typeface="Calibri" panose="020F0502020204030204" pitchFamily="34" charset="0"/>
+                        </a:rPr>
+                        <a:t>100,00%</a:t>
+                      </a:r>
+                    </a:p>
+                  </a:txBody>
+                  <a:tcPr marL="6350" marR="6350" marT="6350" marB="0" anchor="b">
+                    <a:lnL w="6350" cap="flat" cmpd="sng" algn="ctr">
+                      <a:solidFill>
+                        <a:srgbClr val="000000"/>
+                      </a:solidFill>
+                      <a:prstDash val="solid"/>
+                      <a:round/>
+                      <a:headEnd type="none" w="med" len="med"/>
+                      <a:tailEnd type="none" w="med" len="med"/>
+                    </a:lnL>
+                    <a:lnR w="6350" cap="flat" cmpd="sng" algn="ctr">
+                      <a:solidFill>
+                        <a:srgbClr val="000000"/>
+                      </a:solidFill>
+                      <a:prstDash val="solid"/>
+                      <a:round/>
+                      <a:headEnd type="none" w="med" len="med"/>
+                      <a:tailEnd type="none" w="med" len="med"/>
+                    </a:lnR>
+                    <a:lnT w="6350" cap="flat" cmpd="sng" algn="ctr">
+                      <a:solidFill>
+                        <a:srgbClr val="000000"/>
+                      </a:solidFill>
+                      <a:prstDash val="solid"/>
+                      <a:round/>
+                      <a:headEnd type="none" w="med" len="med"/>
+                      <a:tailEnd type="none" w="med" len="med"/>
+                    </a:lnT>
+                    <a:lnB w="6350" cap="flat" cmpd="sng" algn="ctr">
+                      <a:solidFill>
+                        <a:srgbClr val="000000"/>
+                      </a:solidFill>
+                      <a:prstDash val="solid"/>
+                      <a:round/>
+                      <a:headEnd type="none" w="med" len="med"/>
+                      <a:tailEnd type="none" w="med" len="med"/>
+                    </a:lnB>
+                  </a:tcPr>
+                </a:tc>
+                <a:tc>
+                  <a:txBody>
+                    <a:bodyPr/>
+                    <a:lstStyle/>
+                    <a:p>
+                      <a:pPr algn="r" fontAlgn="b"/>
+                      <a:r>
+                        <a:rPr lang="pt-BR" sz="2400" b="0" i="0" u="none" strike="noStrike" dirty="0">
+                          <a:solidFill>
+                            <a:srgbClr val="000000"/>
+                          </a:solidFill>
+                          <a:effectLst/>
+                          <a:latin typeface="Calibri" panose="020F0502020204030204" pitchFamily="34" charset="0"/>
+                        </a:rPr>
+                        <a:t>100,00%</a:t>
+                      </a:r>
+                    </a:p>
+                  </a:txBody>
+                  <a:tcPr marL="6350" marR="6350" marT="6350" marB="0" anchor="b">
+                    <a:lnL w="6350" cap="flat" cmpd="sng" algn="ctr">
+                      <a:solidFill>
+                        <a:srgbClr val="000000"/>
+                      </a:solidFill>
+                      <a:prstDash val="solid"/>
+                      <a:round/>
+                      <a:headEnd type="none" w="med" len="med"/>
+                      <a:tailEnd type="none" w="med" len="med"/>
+                    </a:lnL>
+                    <a:lnR w="6350" cap="flat" cmpd="sng" algn="ctr">
+                      <a:solidFill>
+                        <a:srgbClr val="000000"/>
+                      </a:solidFill>
+                      <a:prstDash val="solid"/>
+                      <a:round/>
+                      <a:headEnd type="none" w="med" len="med"/>
+                      <a:tailEnd type="none" w="med" len="med"/>
+                    </a:lnR>
+                    <a:lnT w="6350" cap="flat" cmpd="sng" algn="ctr">
+                      <a:solidFill>
+                        <a:srgbClr val="000000"/>
+                      </a:solidFill>
+                      <a:prstDash val="solid"/>
+                      <a:round/>
+                      <a:headEnd type="none" w="med" len="med"/>
+                      <a:tailEnd type="none" w="med" len="med"/>
+                    </a:lnT>
+                    <a:lnB w="6350" cap="flat" cmpd="sng" algn="ctr">
+                      <a:solidFill>
+                        <a:srgbClr val="000000"/>
+                      </a:solidFill>
+                      <a:prstDash val="solid"/>
+                      <a:round/>
+                      <a:headEnd type="none" w="med" len="med"/>
+                      <a:tailEnd type="none" w="med" len="med"/>
+                    </a:lnB>
+                  </a:tcPr>
+                </a:tc>
+                <a:tc>
+                  <a:txBody>
+                    <a:bodyPr/>
+                    <a:lstStyle/>
+                    <a:p>
+                      <a:pPr algn="r" fontAlgn="b"/>
+                      <a:r>
+                        <a:rPr lang="pt-BR" sz="2400" b="0" i="0" u="none" strike="noStrike" dirty="0">
+                          <a:solidFill>
+                            <a:srgbClr val="000000"/>
+                          </a:solidFill>
+                          <a:effectLst/>
+                          <a:latin typeface="Calibri" panose="020F0502020204030204" pitchFamily="34" charset="0"/>
+                        </a:rPr>
+                        <a:t>100,00%</a:t>
+                      </a:r>
+                    </a:p>
+                  </a:txBody>
+                  <a:tcPr marL="6350" marR="6350" marT="6350" marB="0" anchor="b">
+                    <a:lnL w="6350" cap="flat" cmpd="sng" algn="ctr">
+                      <a:solidFill>
+                        <a:srgbClr val="000000"/>
+                      </a:solidFill>
+                      <a:prstDash val="solid"/>
+                      <a:round/>
+                      <a:headEnd type="none" w="med" len="med"/>
+                      <a:tailEnd type="none" w="med" len="med"/>
+                    </a:lnL>
+                    <a:lnR w="6350" cap="flat" cmpd="sng" algn="ctr">
+                      <a:solidFill>
+                        <a:srgbClr val="000000"/>
+                      </a:solidFill>
+                      <a:prstDash val="solid"/>
+                      <a:round/>
+                      <a:headEnd type="none" w="med" len="med"/>
+                      <a:tailEnd type="none" w="med" len="med"/>
+                    </a:lnR>
+                    <a:lnT w="6350" cap="flat" cmpd="sng" algn="ctr">
+                      <a:solidFill>
+                        <a:srgbClr val="000000"/>
+                      </a:solidFill>
+                      <a:prstDash val="solid"/>
+                      <a:round/>
+                      <a:headEnd type="none" w="med" len="med"/>
+                      <a:tailEnd type="none" w="med" len="med"/>
+                    </a:lnT>
+                    <a:lnB w="6350" cap="flat" cmpd="sng" algn="ctr">
+                      <a:solidFill>
+                        <a:srgbClr val="000000"/>
+                      </a:solidFill>
+                      <a:prstDash val="solid"/>
+                      <a:round/>
+                      <a:headEnd type="none" w="med" len="med"/>
+                      <a:tailEnd type="none" w="med" len="med"/>
+                    </a:lnB>
+                  </a:tcPr>
+                </a:tc>
+                <a:tc>
+                  <a:txBody>
+                    <a:bodyPr/>
+                    <a:lstStyle/>
+                    <a:p>
+                      <a:pPr algn="r" fontAlgn="b"/>
+                      <a:r>
+                        <a:rPr lang="pt-BR" sz="2400" b="0" i="0" u="none" strike="noStrike" dirty="0">
+                          <a:solidFill>
+                            <a:srgbClr val="000000"/>
+                          </a:solidFill>
+                          <a:effectLst/>
+                          <a:latin typeface="Calibri" panose="020F0502020204030204" pitchFamily="34" charset="0"/>
+                        </a:rPr>
+                        <a:t>100,00%</a:t>
+                      </a:r>
+                    </a:p>
+                  </a:txBody>
+                  <a:tcPr marL="6350" marR="6350" marT="6350" marB="0" anchor="b">
+                    <a:lnL w="6350" cap="flat" cmpd="sng" algn="ctr">
+                      <a:solidFill>
+                        <a:srgbClr val="000000"/>
+                      </a:solidFill>
+                      <a:prstDash val="solid"/>
+                      <a:round/>
+                      <a:headEnd type="none" w="med" len="med"/>
+                      <a:tailEnd type="none" w="med" len="med"/>
+                    </a:lnL>
+                    <a:lnR w="6350" cap="flat" cmpd="sng" algn="ctr">
+                      <a:solidFill>
+                        <a:srgbClr val="000000"/>
+                      </a:solidFill>
+                      <a:prstDash val="solid"/>
+                      <a:round/>
+                      <a:headEnd type="none" w="med" len="med"/>
+                      <a:tailEnd type="none" w="med" len="med"/>
+                    </a:lnR>
+                    <a:lnT w="6350" cap="flat" cmpd="sng" algn="ctr">
+                      <a:solidFill>
+                        <a:srgbClr val="000000"/>
+                      </a:solidFill>
+                      <a:prstDash val="solid"/>
+                      <a:round/>
+                      <a:headEnd type="none" w="med" len="med"/>
+                      <a:tailEnd type="none" w="med" len="med"/>
+                    </a:lnT>
+                    <a:lnB w="6350" cap="flat" cmpd="sng" algn="ctr">
+                      <a:solidFill>
+                        <a:srgbClr val="000000"/>
+                      </a:solidFill>
+                      <a:prstDash val="solid"/>
+                      <a:round/>
+                      <a:headEnd type="none" w="med" len="med"/>
+                      <a:tailEnd type="none" w="med" len="med"/>
+                    </a:lnB>
+                  </a:tcPr>
+                </a:tc>
+                <a:tc>
+                  <a:txBody>
+                    <a:bodyPr/>
+                    <a:lstStyle/>
+                    <a:p>
+                      <a:pPr algn="r" fontAlgn="b"/>
+                      <a:r>
+                        <a:rPr lang="pt-BR" sz="2400" b="0" i="0" u="none" strike="noStrike" dirty="0">
+                          <a:solidFill>
+                            <a:srgbClr val="000000"/>
+                          </a:solidFill>
+                          <a:effectLst/>
+                          <a:latin typeface="Calibri" panose="020F0502020204030204" pitchFamily="34" charset="0"/>
+                        </a:rPr>
+                        <a:t>0,00%</a:t>
+                      </a:r>
+                    </a:p>
+                  </a:txBody>
+                  <a:tcPr marL="6350" marR="6350" marT="6350" marB="0" anchor="b">
+                    <a:lnL w="6350" cap="flat" cmpd="sng" algn="ctr">
+                      <a:solidFill>
+                        <a:srgbClr val="000000"/>
+                      </a:solidFill>
+                      <a:prstDash val="solid"/>
+                      <a:round/>
+                      <a:headEnd type="none" w="med" len="med"/>
+                      <a:tailEnd type="none" w="med" len="med"/>
+                    </a:lnL>
+                    <a:lnR w="6350" cap="flat" cmpd="sng" algn="ctr">
+                      <a:solidFill>
+                        <a:srgbClr val="000000"/>
+                      </a:solidFill>
+                      <a:prstDash val="solid"/>
+                      <a:round/>
+                      <a:headEnd type="none" w="med" len="med"/>
+                      <a:tailEnd type="none" w="med" len="med"/>
+                    </a:lnR>
+                    <a:lnT w="6350" cap="flat" cmpd="sng" algn="ctr">
+                      <a:solidFill>
+                        <a:srgbClr val="000000"/>
+                      </a:solidFill>
+                      <a:prstDash val="solid"/>
+                      <a:round/>
+                      <a:headEnd type="none" w="med" len="med"/>
+                      <a:tailEnd type="none" w="med" len="med"/>
+                    </a:lnT>
+                    <a:lnB w="6350" cap="flat" cmpd="sng" algn="ctr">
+                      <a:solidFill>
+                        <a:srgbClr val="000000"/>
+                      </a:solidFill>
+                      <a:prstDash val="solid"/>
+                      <a:round/>
+                      <a:headEnd type="none" w="med" len="med"/>
+                      <a:tailEnd type="none" w="med" len="med"/>
+                    </a:lnB>
+                  </a:tcPr>
+                </a:tc>
+                <a:tc>
+                  <a:txBody>
+                    <a:bodyPr/>
+                    <a:lstStyle/>
+                    <a:p>
+                      <a:pPr algn="r" fontAlgn="b"/>
+                      <a:r>
+                        <a:rPr lang="pt-BR" sz="2400" b="0" i="0" u="none" strike="noStrike" dirty="0">
+                          <a:solidFill>
+                            <a:srgbClr val="000000"/>
+                          </a:solidFill>
+                          <a:effectLst/>
+                          <a:latin typeface="Calibri" panose="020F0502020204030204" pitchFamily="34" charset="0"/>
+                        </a:rPr>
+                        <a:t>100,00%</a:t>
+                      </a:r>
+                    </a:p>
+                  </a:txBody>
+                  <a:tcPr marL="6350" marR="6350" marT="6350" marB="0" anchor="b">
+                    <a:lnL w="6350" cap="flat" cmpd="sng" algn="ctr">
+                      <a:solidFill>
+                        <a:srgbClr val="000000"/>
+                      </a:solidFill>
+                      <a:prstDash val="solid"/>
+                      <a:round/>
+                      <a:headEnd type="none" w="med" len="med"/>
+                      <a:tailEnd type="none" w="med" len="med"/>
+                    </a:lnL>
+                    <a:lnR w="6350" cap="flat" cmpd="sng" algn="ctr">
+                      <a:solidFill>
+                        <a:srgbClr val="000000"/>
+                      </a:solidFill>
+                      <a:prstDash val="solid"/>
+                      <a:round/>
+                      <a:headEnd type="none" w="med" len="med"/>
+                      <a:tailEnd type="none" w="med" len="med"/>
+                    </a:lnR>
+                    <a:lnT w="6350" cap="flat" cmpd="sng" algn="ctr">
+                      <a:solidFill>
+                        <a:srgbClr val="000000"/>
+                      </a:solidFill>
+                      <a:prstDash val="solid"/>
+                      <a:round/>
+                      <a:headEnd type="none" w="med" len="med"/>
+                      <a:tailEnd type="none" w="med" len="med"/>
+                    </a:lnT>
+                    <a:lnB w="6350" cap="flat" cmpd="sng" algn="ctr">
+                      <a:solidFill>
+                        <a:srgbClr val="000000"/>
+                      </a:solidFill>
+                      <a:prstDash val="solid"/>
+                      <a:round/>
+                      <a:headEnd type="none" w="med" len="med"/>
+                      <a:tailEnd type="none" w="med" len="med"/>
+                    </a:lnB>
+                  </a:tcPr>
+                </a:tc>
+                <a:extLst>
+                  <a:ext uri="{0D108BD9-81ED-4DB2-BD59-A6C34878D82A}">
+                    <a16:rowId xmlns:a16="http://schemas.microsoft.com/office/drawing/2014/main" val="1950583675"/>
+                  </a:ext>
+                </a:extLst>
+              </a:tr>
+            </a:tbl>
+          </a:graphicData>
+        </a:graphic>
+      </p:graphicFrame>
+      <p:graphicFrame>
+        <p:nvGraphicFramePr>
+          <p:cNvPr id="8" name="Gráfico 7"/>
+          <p:cNvGraphicFramePr>
+            <a:graphicFrameLocks/>
+          </p:cNvGraphicFramePr>
+          <p:nvPr>
+            <p:extLst>
+              <p:ext uri="{D42A27DB-BD31-4B8C-83A1-F6EECF244321}">
+                <p14:modId xmlns:p14="http://schemas.microsoft.com/office/powerpoint/2010/main" val="2123603501"/>
+              </p:ext>
+            </p:extLst>
+          </p:nvPr>
+        </p:nvGraphicFramePr>
+        <p:xfrm>
+          <a:off x="1592494" y="2530011"/>
+          <a:ext cx="9832369" cy="3778321"/>
+        </p:xfrm>
+        <a:graphic>
+          <a:graphicData uri="http://schemas.openxmlformats.org/drawingml/2006/chart">
+            <c:chart xmlns:c="http://schemas.openxmlformats.org/drawingml/2006/chart" xmlns:r="http://schemas.openxmlformats.org/officeDocument/2006/relationships" r:id="rId2"/>
+          </a:graphicData>
+        </a:graphic>
+      </p:graphicFrame>
     </p:spTree>
     <p:extLst>
       <p:ext uri="{BB962C8B-B14F-4D97-AF65-F5344CB8AC3E}">
-        <p14:creationId xmlns:p14="http://schemas.microsoft.com/office/powerpoint/2010/main" val="4099727929"/>
+        <p14:creationId xmlns:p14="http://schemas.microsoft.com/office/powerpoint/2010/main" val="3234958837"/>
       </p:ext>
     </p:extLst>
   </p:cSld>
@@ -5015,15 +8068,15 @@
         </p:nvSpPr>
         <p:spPr>
           <a:xfrm>
-            <a:off x="3048000" y="764553"/>
-            <a:ext cx="6096000" cy="4530984"/>
+            <a:off x="4650527" y="435146"/>
+            <a:ext cx="3371683" cy="584775"/>
           </a:xfrm>
           <a:prstGeom prst="rect">
             <a:avLst/>
           </a:prstGeom>
         </p:spPr>
         <p:txBody>
-          <a:bodyPr>
+          <a:bodyPr wrap="square">
             <a:spAutoFit/>
           </a:bodyPr>
           <a:lstStyle/>
@@ -5034,285 +8087,168 @@
               </a:spcAft>
             </a:pPr>
             <a:r>
-              <a:rPr lang="pt-BR" sz="2400" b="1" kern="1400" spc="-50" dirty="0">
-                <a:latin typeface="Calibri Light" panose="020F0302020204030204" pitchFamily="34" charset="0"/>
+              <a:rPr lang="pt-BR" sz="3200" b="1" kern="1400" spc="-50" dirty="0">
+                <a:latin typeface="Bodoni MT" panose="02070603080606020203" pitchFamily="18" charset="0"/>
                 <a:ea typeface="Times New Roman" panose="02020603050405020304" pitchFamily="18" charset="0"/>
                 <a:cs typeface="Times New Roman" panose="02020603050405020304" pitchFamily="18" charset="0"/>
               </a:rPr>
               <a:t>Análise do Grupo</a:t>
             </a:r>
-            <a:endParaRPr lang="pt-BR" sz="4000" kern="1400" spc="-50" dirty="0">
-              <a:latin typeface="Calibri Light" panose="020F0302020204030204" pitchFamily="34" charset="0"/>
+            <a:endParaRPr lang="pt-BR" sz="3200" kern="1400" spc="-50" dirty="0">
+              <a:effectLst/>
+              <a:latin typeface="Bodoni MT" panose="02070603080606020203" pitchFamily="18" charset="0"/>
               <a:ea typeface="Times New Roman" panose="02020603050405020304" pitchFamily="18" charset="0"/>
               <a:cs typeface="Times New Roman" panose="02020603050405020304" pitchFamily="18" charset="0"/>
             </a:endParaRPr>
           </a:p>
-          <a:p>
-            <a:pPr>
-              <a:lnSpc>
-                <a:spcPct val="107000"/>
-              </a:lnSpc>
-              <a:spcAft>
-                <a:spcPts val="800"/>
-              </a:spcAft>
-            </a:pPr>
-            <a:r>
-              <a:rPr lang="pt-BR" dirty="0">
-                <a:latin typeface="Calibri" panose="020F0502020204030204" pitchFamily="34" charset="0"/>
-                <a:ea typeface="Calibri" panose="020F0502020204030204" pitchFamily="34" charset="0"/>
-                <a:cs typeface="Times New Roman" panose="02020603050405020304" pitchFamily="18" charset="0"/>
-              </a:rPr>
-              <a:t>  </a:t>
-            </a:r>
-            <a:endParaRPr lang="pt-BR" sz="1600" dirty="0">
-              <a:latin typeface="Calibri" panose="020F0502020204030204" pitchFamily="34" charset="0"/>
-              <a:ea typeface="Calibri" panose="020F0502020204030204" pitchFamily="34" charset="0"/>
-              <a:cs typeface="Times New Roman" panose="02020603050405020304" pitchFamily="18" charset="0"/>
-            </a:endParaRPr>
-          </a:p>
-          <a:p>
-            <a:pPr>
-              <a:lnSpc>
-                <a:spcPct val="107000"/>
-              </a:lnSpc>
-              <a:spcAft>
-                <a:spcPts val="800"/>
-              </a:spcAft>
-            </a:pPr>
-            <a:r>
-              <a:rPr lang="pt-BR" dirty="0">
-                <a:latin typeface="Calibri" panose="020F0502020204030204" pitchFamily="34" charset="0"/>
-                <a:ea typeface="Calibri" panose="020F0502020204030204" pitchFamily="34" charset="0"/>
-                <a:cs typeface="Times New Roman" panose="02020603050405020304" pitchFamily="18" charset="0"/>
-              </a:rPr>
-              <a:t>Pontos Fortes:</a:t>
-            </a:r>
-            <a:endParaRPr lang="pt-BR" sz="1600" dirty="0">
-              <a:latin typeface="Calibri" panose="020F0502020204030204" pitchFamily="34" charset="0"/>
-              <a:ea typeface="Calibri" panose="020F0502020204030204" pitchFamily="34" charset="0"/>
-              <a:cs typeface="Times New Roman" panose="02020603050405020304" pitchFamily="18" charset="0"/>
-            </a:endParaRPr>
-          </a:p>
-          <a:p>
-            <a:pPr marL="342900" lvl="0" indent="-342900">
-              <a:lnSpc>
-                <a:spcPct val="107000"/>
-              </a:lnSpc>
+        </p:txBody>
+      </p:sp>
+      <p:sp>
+        <p:nvSpPr>
+          <p:cNvPr id="3" name="Retângulo 2"/>
+          <p:cNvSpPr/>
+          <p:nvPr/>
+        </p:nvSpPr>
+        <p:spPr>
+          <a:xfrm>
+            <a:off x="2267905" y="1273996"/>
+            <a:ext cx="8396669" cy="4462760"/>
+          </a:xfrm>
+          <a:prstGeom prst="rect">
+            <a:avLst/>
+          </a:prstGeom>
+        </p:spPr>
+        <p:txBody>
+          <a:bodyPr wrap="square">
+            <a:spAutoFit/>
+          </a:bodyPr>
+          <a:lstStyle/>
+          <a:p>
+            <a:pPr fontAlgn="base">
               <a:spcAft>
                 <a:spcPts val="0"/>
               </a:spcAft>
-              <a:buFont typeface="Symbol" panose="05050102010706020507" pitchFamily="18" charset="2"/>
-              <a:buChar char=""/>
             </a:pPr>
             <a:r>
-              <a:rPr lang="pt-BR" dirty="0">
-                <a:latin typeface="Calibri" panose="020F0502020204030204" pitchFamily="34" charset="0"/>
-                <a:ea typeface="Calibri" panose="020F0502020204030204" pitchFamily="34" charset="0"/>
-                <a:cs typeface="Times New Roman" panose="02020603050405020304" pitchFamily="18" charset="0"/>
+              <a:rPr lang="pt-BR" sz="2000" dirty="0">
+                <a:latin typeface="Arial" panose="020B0604020202020204" pitchFamily="34" charset="0"/>
+                <a:ea typeface="Times New Roman" panose="02020603050405020304" pitchFamily="18" charset="0"/>
+                <a:cs typeface="Arial" panose="020B0604020202020204" pitchFamily="34" charset="0"/>
               </a:rPr>
-              <a:t>Diversidade de experiências e pontos de vista</a:t>
-            </a:r>
-            <a:endParaRPr lang="pt-BR" sz="1600" dirty="0">
-              <a:latin typeface="Calibri" panose="020F0502020204030204" pitchFamily="34" charset="0"/>
-              <a:ea typeface="Calibri" panose="020F0502020204030204" pitchFamily="34" charset="0"/>
-              <a:cs typeface="Times New Roman" panose="02020603050405020304" pitchFamily="18" charset="0"/>
-            </a:endParaRPr>
-          </a:p>
-          <a:p>
-            <a:pPr marL="342900" lvl="0" indent="-342900">
-              <a:lnSpc>
-                <a:spcPct val="107000"/>
-              </a:lnSpc>
+              <a:t>O teste já era um subsidio para nós e os nossos professores avaliarem o quanto nós estamos inteirados destes objetos de pesquisa, análise e de conhecimento prático para estruturar, formar, fundar, operar, administrar </a:t>
+            </a:r>
+            <a:r>
+              <a:rPr lang="pt-BR" sz="2000" dirty="0" err="1">
+                <a:latin typeface="Arial" panose="020B0604020202020204" pitchFamily="34" charset="0"/>
+                <a:ea typeface="Times New Roman" panose="02020603050405020304" pitchFamily="18" charset="0"/>
+                <a:cs typeface="Arial" panose="020B0604020202020204" pitchFamily="34" charset="0"/>
+              </a:rPr>
+              <a:t>etc</a:t>
+            </a:r>
+            <a:r>
+              <a:rPr lang="pt-BR" sz="2000" dirty="0">
+                <a:latin typeface="Arial" panose="020B0604020202020204" pitchFamily="34" charset="0"/>
+                <a:ea typeface="Times New Roman" panose="02020603050405020304" pitchFamily="18" charset="0"/>
+                <a:cs typeface="Arial" panose="020B0604020202020204" pitchFamily="34" charset="0"/>
+              </a:rPr>
+              <a:t> um “negócio”.   </a:t>
+            </a:r>
+          </a:p>
+          <a:p>
+            <a:pPr fontAlgn="base">
               <a:spcAft>
                 <a:spcPts val="0"/>
               </a:spcAft>
-              <a:buFont typeface="Symbol" panose="05050102010706020507" pitchFamily="18" charset="2"/>
-              <a:buChar char=""/>
             </a:pPr>
             <a:r>
-              <a:rPr lang="pt-BR" dirty="0">
-                <a:latin typeface="Calibri" panose="020F0502020204030204" pitchFamily="34" charset="0"/>
-                <a:ea typeface="Calibri" panose="020F0502020204030204" pitchFamily="34" charset="0"/>
-                <a:cs typeface="Times New Roman" panose="02020603050405020304" pitchFamily="18" charset="0"/>
+              <a:rPr lang="pt-BR" sz="2000" dirty="0">
+                <a:latin typeface="Arial" panose="020B0604020202020204" pitchFamily="34" charset="0"/>
+                <a:ea typeface="Times New Roman" panose="02020603050405020304" pitchFamily="18" charset="0"/>
+                <a:cs typeface="Arial" panose="020B0604020202020204" pitchFamily="34" charset="0"/>
               </a:rPr>
-              <a:t>Engajamento de todos os membros </a:t>
-            </a:r>
-            <a:endParaRPr lang="pt-BR" sz="1600" dirty="0">
-              <a:latin typeface="Calibri" panose="020F0502020204030204" pitchFamily="34" charset="0"/>
-              <a:ea typeface="Calibri" panose="020F0502020204030204" pitchFamily="34" charset="0"/>
-              <a:cs typeface="Times New Roman" panose="02020603050405020304" pitchFamily="18" charset="0"/>
-            </a:endParaRPr>
-          </a:p>
-          <a:p>
-            <a:pPr marL="342900" lvl="0" indent="-342900">
-              <a:lnSpc>
-                <a:spcPct val="107000"/>
-              </a:lnSpc>
+              <a:t> </a:t>
+            </a:r>
+          </a:p>
+          <a:p>
+            <a:pPr fontAlgn="base">
               <a:spcAft>
                 <a:spcPts val="0"/>
               </a:spcAft>
-              <a:buFont typeface="Symbol" panose="05050102010706020507" pitchFamily="18" charset="2"/>
-              <a:buChar char=""/>
             </a:pPr>
             <a:r>
-              <a:rPr lang="pt-BR" dirty="0">
-                <a:latin typeface="Calibri" panose="020F0502020204030204" pitchFamily="34" charset="0"/>
-                <a:ea typeface="Calibri" panose="020F0502020204030204" pitchFamily="34" charset="0"/>
-                <a:cs typeface="Times New Roman" panose="02020603050405020304" pitchFamily="18" charset="0"/>
+              <a:rPr lang="pt-BR" sz="2000" dirty="0">
+                <a:latin typeface="Arial" panose="020B0604020202020204" pitchFamily="34" charset="0"/>
+                <a:ea typeface="Times New Roman" panose="02020603050405020304" pitchFamily="18" charset="0"/>
+                <a:cs typeface="Arial" panose="020B0604020202020204" pitchFamily="34" charset="0"/>
               </a:rPr>
-              <a:t>Diálogo e respeito</a:t>
-            </a:r>
-            <a:endParaRPr lang="pt-BR" sz="1600" dirty="0">
-              <a:latin typeface="Calibri" panose="020F0502020204030204" pitchFamily="34" charset="0"/>
-              <a:ea typeface="Calibri" panose="020F0502020204030204" pitchFamily="34" charset="0"/>
-              <a:cs typeface="Times New Roman" panose="02020603050405020304" pitchFamily="18" charset="0"/>
-            </a:endParaRPr>
-          </a:p>
-          <a:p>
-            <a:pPr marL="342900" lvl="0" indent="-342900">
-              <a:lnSpc>
-                <a:spcPct val="107000"/>
-              </a:lnSpc>
-              <a:spcAft>
-                <a:spcPts val="800"/>
-              </a:spcAft>
-              <a:buFont typeface="Symbol" panose="05050102010706020507" pitchFamily="18" charset="2"/>
-              <a:buChar char=""/>
-            </a:pPr>
-            <a:r>
-              <a:rPr lang="pt-BR" dirty="0">
-                <a:latin typeface="Calibri" panose="020F0502020204030204" pitchFamily="34" charset="0"/>
-                <a:ea typeface="Calibri" panose="020F0502020204030204" pitchFamily="34" charset="0"/>
-                <a:cs typeface="Times New Roman" panose="02020603050405020304" pitchFamily="18" charset="0"/>
-              </a:rPr>
-              <a:t>Consenso com as decisões</a:t>
-            </a:r>
-            <a:endParaRPr lang="pt-BR" sz="1600" dirty="0">
-              <a:latin typeface="Calibri" panose="020F0502020204030204" pitchFamily="34" charset="0"/>
-              <a:ea typeface="Calibri" panose="020F0502020204030204" pitchFamily="34" charset="0"/>
-              <a:cs typeface="Times New Roman" panose="02020603050405020304" pitchFamily="18" charset="0"/>
-            </a:endParaRPr>
-          </a:p>
-          <a:p>
-            <a:pPr>
-              <a:lnSpc>
-                <a:spcPct val="107000"/>
-              </a:lnSpc>
-              <a:spcAft>
-                <a:spcPts val="800"/>
-              </a:spcAft>
-            </a:pPr>
-            <a:r>
-              <a:rPr lang="pt-BR" dirty="0">
-                <a:latin typeface="Calibri" panose="020F0502020204030204" pitchFamily="34" charset="0"/>
-                <a:ea typeface="Calibri" panose="020F0502020204030204" pitchFamily="34" charset="0"/>
-                <a:cs typeface="Times New Roman" panose="02020603050405020304" pitchFamily="18" charset="0"/>
-              </a:rPr>
-              <a:t> </a:t>
-            </a:r>
-            <a:endParaRPr lang="pt-BR" sz="1600" dirty="0">
-              <a:latin typeface="Calibri" panose="020F0502020204030204" pitchFamily="34" charset="0"/>
-              <a:ea typeface="Calibri" panose="020F0502020204030204" pitchFamily="34" charset="0"/>
-              <a:cs typeface="Times New Roman" panose="02020603050405020304" pitchFamily="18" charset="0"/>
-            </a:endParaRPr>
-          </a:p>
-          <a:p>
-            <a:pPr>
-              <a:lnSpc>
-                <a:spcPct val="107000"/>
-              </a:lnSpc>
-              <a:spcAft>
-                <a:spcPts val="800"/>
-              </a:spcAft>
-            </a:pPr>
-            <a:r>
-              <a:rPr lang="pt-BR" dirty="0">
-                <a:latin typeface="Calibri" panose="020F0502020204030204" pitchFamily="34" charset="0"/>
-                <a:ea typeface="Calibri" panose="020F0502020204030204" pitchFamily="34" charset="0"/>
-                <a:cs typeface="Times New Roman" panose="02020603050405020304" pitchFamily="18" charset="0"/>
-              </a:rPr>
-              <a:t>Pontos fracos:</a:t>
-            </a:r>
-            <a:endParaRPr lang="pt-BR" sz="1600" dirty="0">
-              <a:latin typeface="Calibri" panose="020F0502020204030204" pitchFamily="34" charset="0"/>
-              <a:ea typeface="Calibri" panose="020F0502020204030204" pitchFamily="34" charset="0"/>
-              <a:cs typeface="Times New Roman" panose="02020603050405020304" pitchFamily="18" charset="0"/>
-            </a:endParaRPr>
-          </a:p>
-          <a:p>
-            <a:pPr marL="342900" lvl="0" indent="-342900">
-              <a:lnSpc>
-                <a:spcPct val="107000"/>
-              </a:lnSpc>
+              <a:t>E o ´Grupo 5`, ao qual pertencemos, ficou com os seguintes índices: ´ Acertos`: (60%) e ´Presença´: (71,4%). </a:t>
+            </a:r>
+          </a:p>
+          <a:p>
+            <a:pPr fontAlgn="base">
               <a:spcAft>
                 <a:spcPts val="0"/>
               </a:spcAft>
-              <a:buFont typeface="Symbol" panose="05050102010706020507" pitchFamily="18" charset="2"/>
-              <a:buChar char=""/>
             </a:pPr>
             <a:r>
-              <a:rPr lang="pt-BR" dirty="0">
-                <a:latin typeface="Calibri" panose="020F0502020204030204" pitchFamily="34" charset="0"/>
-                <a:ea typeface="Calibri" panose="020F0502020204030204" pitchFamily="34" charset="0"/>
-                <a:cs typeface="Times New Roman" panose="02020603050405020304" pitchFamily="18" charset="0"/>
+              <a:rPr lang="pt-BR" sz="2000" dirty="0">
+                <a:latin typeface="Arial" panose="020B0604020202020204" pitchFamily="34" charset="0"/>
+                <a:ea typeface="Times New Roman" panose="02020603050405020304" pitchFamily="18" charset="0"/>
+                <a:cs typeface="Arial" panose="020B0604020202020204" pitchFamily="34" charset="0"/>
               </a:rPr>
-              <a:t>Falta de Conhecimento sobre o assunto abordado</a:t>
-            </a:r>
-            <a:endParaRPr lang="pt-BR" sz="1600" dirty="0">
-              <a:latin typeface="Calibri" panose="020F0502020204030204" pitchFamily="34" charset="0"/>
-              <a:ea typeface="Calibri" panose="020F0502020204030204" pitchFamily="34" charset="0"/>
-              <a:cs typeface="Times New Roman" panose="02020603050405020304" pitchFamily="18" charset="0"/>
-            </a:endParaRPr>
-          </a:p>
-          <a:p>
-            <a:pPr marL="342900" lvl="0" indent="-342900">
-              <a:lnSpc>
-                <a:spcPct val="107000"/>
-              </a:lnSpc>
+              <a:t> </a:t>
+            </a:r>
+          </a:p>
+          <a:p>
+            <a:pPr fontAlgn="base">
               <a:spcAft>
                 <a:spcPts val="0"/>
               </a:spcAft>
-              <a:buFont typeface="Symbol" panose="05050102010706020507" pitchFamily="18" charset="2"/>
-              <a:buChar char=""/>
             </a:pPr>
             <a:r>
-              <a:rPr lang="pt-BR" dirty="0">
+              <a:rPr lang="pt-BR" sz="2000" dirty="0">
+                <a:latin typeface="Arial" panose="020B0604020202020204" pitchFamily="34" charset="0"/>
+                <a:ea typeface="Times New Roman" panose="02020603050405020304" pitchFamily="18" charset="0"/>
+                <a:cs typeface="Arial" panose="020B0604020202020204" pitchFamily="34" charset="0"/>
+              </a:rPr>
+              <a:t>Nosso grupo privilegiou o diálogo e as assertivas de um e outro debatendo as opiniões e os consensos não se atendo ao tempo e á necessidade em acabar logo o questionário ou sequer usar por exemplo o buscador Google para realizar pesquisas sobre o conteúdo da `prova` coisa levada adiante por outros </a:t>
+            </a:r>
+            <a:r>
+              <a:rPr lang="pt-BR" sz="2000" dirty="0" smtClean="0">
+                <a:latin typeface="Arial" panose="020B0604020202020204" pitchFamily="34" charset="0"/>
+                <a:ea typeface="Times New Roman" panose="02020603050405020304" pitchFamily="18" charset="0"/>
+                <a:cs typeface="Arial" panose="020B0604020202020204" pitchFamily="34" charset="0"/>
+              </a:rPr>
+              <a:t>grupos.</a:t>
+            </a:r>
+            <a:r>
+              <a:rPr lang="pt-BR" sz="2000" dirty="0">
+                <a:latin typeface="Times New Roman" panose="02020603050405020304" pitchFamily="18" charset="0"/>
+                <a:ea typeface="Times New Roman" panose="02020603050405020304" pitchFamily="18" charset="0"/>
+              </a:rPr>
+              <a:t> </a:t>
+            </a:r>
+            <a:r>
+              <a:rPr lang="pt-BR" sz="2000" dirty="0">
                 <a:latin typeface="Calibri" panose="020F0502020204030204" pitchFamily="34" charset="0"/>
-                <a:ea typeface="Calibri" panose="020F0502020204030204" pitchFamily="34" charset="0"/>
-                <a:cs typeface="Times New Roman" panose="02020603050405020304" pitchFamily="18" charset="0"/>
+                <a:ea typeface="Times New Roman" panose="02020603050405020304" pitchFamily="18" charset="0"/>
               </a:rPr>
-              <a:t>Falta de utilização das ferramentas que foram dadas ao grupo</a:t>
-            </a:r>
-            <a:endParaRPr lang="pt-BR" sz="1600" dirty="0">
+              <a:t> </a:t>
+            </a:r>
+            <a:endParaRPr lang="pt-BR" sz="2000" dirty="0" smtClean="0">
               <a:latin typeface="Calibri" panose="020F0502020204030204" pitchFamily="34" charset="0"/>
-              <a:ea typeface="Calibri" panose="020F0502020204030204" pitchFamily="34" charset="0"/>
-              <a:cs typeface="Times New Roman" panose="02020603050405020304" pitchFamily="18" charset="0"/>
+              <a:ea typeface="Times New Roman" panose="02020603050405020304" pitchFamily="18" charset="0"/>
             </a:endParaRPr>
           </a:p>
           <a:p>
-            <a:pPr marL="342900" lvl="0" indent="-342900">
-              <a:lnSpc>
-                <a:spcPct val="107000"/>
-              </a:lnSpc>
+            <a:pPr fontAlgn="base">
               <a:spcAft>
-                <a:spcPts val="800"/>
+                <a:spcPts val="0"/>
               </a:spcAft>
-              <a:buFont typeface="Symbol" panose="05050102010706020507" pitchFamily="18" charset="2"/>
-              <a:buChar char=""/>
             </a:pPr>
-            <a:r>
-              <a:rPr lang="pt-BR" dirty="0">
-                <a:latin typeface="Calibri" panose="020F0502020204030204" pitchFamily="34" charset="0"/>
-                <a:ea typeface="Calibri" panose="020F0502020204030204" pitchFamily="34" charset="0"/>
-                <a:cs typeface="Times New Roman" panose="02020603050405020304" pitchFamily="18" charset="0"/>
-              </a:rPr>
-              <a:t>Falta dos colaboradores</a:t>
-            </a:r>
-            <a:endParaRPr lang="pt-BR" sz="1600" dirty="0">
-              <a:effectLst/>
-              <a:latin typeface="Calibri" panose="020F0502020204030204" pitchFamily="34" charset="0"/>
-              <a:ea typeface="Calibri" panose="020F0502020204030204" pitchFamily="34" charset="0"/>
-              <a:cs typeface="Times New Roman" panose="02020603050405020304" pitchFamily="18" charset="0"/>
+            <a:endParaRPr lang="pt-BR" sz="2400" dirty="0">
+              <a:latin typeface="Times New Roman" panose="02020603050405020304" pitchFamily="18" charset="0"/>
+              <a:ea typeface="Times New Roman" panose="02020603050405020304" pitchFamily="18" charset="0"/>
             </a:endParaRPr>
           </a:p>
         </p:txBody>
@@ -5320,7 +8256,7 @@
     </p:spTree>
     <p:extLst>
       <p:ext uri="{BB962C8B-B14F-4D97-AF65-F5344CB8AC3E}">
-        <p14:creationId xmlns:p14="http://schemas.microsoft.com/office/powerpoint/2010/main" val="3956972819"/>
+        <p14:creationId xmlns:p14="http://schemas.microsoft.com/office/powerpoint/2010/main" val="4099727929"/>
       </p:ext>
     </p:extLst>
   </p:cSld>
@@ -5435,7 +8371,7 @@
                     <a:p>
                       <a:pPr algn="ctr" fontAlgn="b"/>
                       <a:r>
-                        <a:rPr lang="pt-BR" sz="2400" b="0" i="0" u="none" strike="noStrike">
+                        <a:rPr lang="pt-BR" sz="2400" b="0" i="0" u="none" strike="noStrike" dirty="0">
                           <a:solidFill>
                             <a:srgbClr val="000000"/>
                           </a:solidFill>
@@ -6485,7 +9421,7 @@
                     <a:p>
                       <a:pPr algn="r" fontAlgn="b"/>
                       <a:r>
-                        <a:rPr lang="pt-BR" sz="2400" b="0" i="0" u="none" strike="noStrike">
+                        <a:rPr lang="pt-BR" sz="2400" b="0" i="0" u="none" strike="noStrike" dirty="0">
                           <a:solidFill>
                             <a:srgbClr val="000000"/>
                           </a:solidFill>
@@ -6773,30 +9709,30 @@
           </a:graphicData>
         </a:graphic>
       </p:graphicFrame>
-      <p:pic>
-        <p:nvPicPr>
-          <p:cNvPr id="5" name="Imagem 4"/>
-          <p:cNvPicPr>
-            <a:picLocks noChangeAspect="1"/>
-          </p:cNvPicPr>
-          <p:nvPr/>
-        </p:nvPicPr>
-        <p:blipFill>
-          <a:blip r:embed="rId2"/>
-          <a:stretch>
-            <a:fillRect/>
-          </a:stretch>
-        </p:blipFill>
-        <p:spPr>
-          <a:xfrm>
-            <a:off x="2366127" y="2764728"/>
-            <a:ext cx="8352148" cy="3738813"/>
-          </a:xfrm>
-          <a:prstGeom prst="rect">
-            <a:avLst/>
-          </a:prstGeom>
-        </p:spPr>
-      </p:pic>
+      <p:graphicFrame>
+        <p:nvGraphicFramePr>
+          <p:cNvPr id="6" name="Gráfico 5"/>
+          <p:cNvGraphicFramePr>
+            <a:graphicFrameLocks/>
+          </p:cNvGraphicFramePr>
+          <p:nvPr>
+            <p:extLst>
+              <p:ext uri="{D42A27DB-BD31-4B8C-83A1-F6EECF244321}">
+                <p14:modId xmlns:p14="http://schemas.microsoft.com/office/powerpoint/2010/main" val="2769171243"/>
+              </p:ext>
+            </p:extLst>
+          </p:nvPr>
+        </p:nvGraphicFramePr>
+        <p:xfrm>
+          <a:off x="2366127" y="2930704"/>
+          <a:ext cx="8352148" cy="3336532"/>
+        </p:xfrm>
+        <a:graphic>
+          <a:graphicData uri="http://schemas.openxmlformats.org/drawingml/2006/chart">
+            <c:chart xmlns:c="http://schemas.openxmlformats.org/drawingml/2006/chart" xmlns:r="http://schemas.openxmlformats.org/officeDocument/2006/relationships" r:id="rId2"/>
+          </a:graphicData>
+        </a:graphic>
+      </p:graphicFrame>
     </p:spTree>
     <p:extLst>
       <p:ext uri="{BB962C8B-B14F-4D97-AF65-F5344CB8AC3E}">
@@ -6834,1453 +9770,10 @@
           <a:chExt cx="0" cy="0"/>
         </a:xfrm>
       </p:grpSpPr>
-      <p:graphicFrame>
-        <p:nvGraphicFramePr>
-          <p:cNvPr id="4" name="Tabela 3"/>
-          <p:cNvGraphicFramePr>
-            <a:graphicFrameLocks noGrp="1"/>
-          </p:cNvGraphicFramePr>
-          <p:nvPr>
-            <p:extLst>
-              <p:ext uri="{D42A27DB-BD31-4B8C-83A1-F6EECF244321}">
-                <p14:modId xmlns:p14="http://schemas.microsoft.com/office/powerpoint/2010/main" val="2391615993"/>
-              </p:ext>
-            </p:extLst>
-          </p:nvPr>
-        </p:nvGraphicFramePr>
-        <p:xfrm>
-          <a:off x="1387013" y="647263"/>
-          <a:ext cx="10191965" cy="1543242"/>
-        </p:xfrm>
-        <a:graphic>
-          <a:graphicData uri="http://schemas.openxmlformats.org/drawingml/2006/table">
-            <a:tbl>
-              <a:tblPr/>
-              <a:tblGrid>
-                <a:gridCol w="1455995">
-                  <a:extLst>
-                    <a:ext uri="{9D8B030D-6E8A-4147-A177-3AD203B41FA5}">
-                      <a16:colId xmlns:a16="http://schemas.microsoft.com/office/drawing/2014/main" val="2005591155"/>
-                    </a:ext>
-                  </a:extLst>
-                </a:gridCol>
-                <a:gridCol w="1455995">
-                  <a:extLst>
-                    <a:ext uri="{9D8B030D-6E8A-4147-A177-3AD203B41FA5}">
-                      <a16:colId xmlns:a16="http://schemas.microsoft.com/office/drawing/2014/main" val="3944702633"/>
-                    </a:ext>
-                  </a:extLst>
-                </a:gridCol>
-                <a:gridCol w="1455995">
-                  <a:extLst>
-                    <a:ext uri="{9D8B030D-6E8A-4147-A177-3AD203B41FA5}">
-                      <a16:colId xmlns:a16="http://schemas.microsoft.com/office/drawing/2014/main" val="2422102217"/>
-                    </a:ext>
-                  </a:extLst>
-                </a:gridCol>
-                <a:gridCol w="1455995">
-                  <a:extLst>
-                    <a:ext uri="{9D8B030D-6E8A-4147-A177-3AD203B41FA5}">
-                      <a16:colId xmlns:a16="http://schemas.microsoft.com/office/drawing/2014/main" val="3261145071"/>
-                    </a:ext>
-                  </a:extLst>
-                </a:gridCol>
-                <a:gridCol w="1455995">
-                  <a:extLst>
-                    <a:ext uri="{9D8B030D-6E8A-4147-A177-3AD203B41FA5}">
-                      <a16:colId xmlns:a16="http://schemas.microsoft.com/office/drawing/2014/main" val="1602160172"/>
-                    </a:ext>
-                  </a:extLst>
-                </a:gridCol>
-                <a:gridCol w="1455995">
-                  <a:extLst>
-                    <a:ext uri="{9D8B030D-6E8A-4147-A177-3AD203B41FA5}">
-                      <a16:colId xmlns:a16="http://schemas.microsoft.com/office/drawing/2014/main" val="3036095607"/>
-                    </a:ext>
-                  </a:extLst>
-                </a:gridCol>
-                <a:gridCol w="1455995">
-                  <a:extLst>
-                    <a:ext uri="{9D8B030D-6E8A-4147-A177-3AD203B41FA5}">
-                      <a16:colId xmlns:a16="http://schemas.microsoft.com/office/drawing/2014/main" val="3730899443"/>
-                    </a:ext>
-                  </a:extLst>
-                </a:gridCol>
-              </a:tblGrid>
-              <a:tr h="344009">
-                <a:tc gridSpan="7">
-                  <a:txBody>
-                    <a:bodyPr/>
-                    <a:lstStyle/>
-                    <a:p>
-                      <a:pPr algn="ctr" fontAlgn="b"/>
-                      <a:r>
-                        <a:rPr lang="pt-BR" sz="2400" b="0" i="0" u="none" strike="noStrike" dirty="0">
-                          <a:solidFill>
-                            <a:srgbClr val="000000"/>
-                          </a:solidFill>
-                          <a:effectLst/>
-                          <a:latin typeface="Calibri" panose="020F0502020204030204" pitchFamily="34" charset="0"/>
-                        </a:rPr>
-                        <a:t>Grupo 5:</a:t>
-                      </a:r>
-                    </a:p>
-                  </a:txBody>
-                  <a:tcPr marL="6350" marR="6350" marT="6350" marB="0" anchor="b">
-                    <a:lnL w="6350" cap="flat" cmpd="sng" algn="ctr">
-                      <a:solidFill>
-                        <a:srgbClr val="000000"/>
-                      </a:solidFill>
-                      <a:prstDash val="solid"/>
-                      <a:round/>
-                      <a:headEnd type="none" w="med" len="med"/>
-                      <a:tailEnd type="none" w="med" len="med"/>
-                    </a:lnL>
-                    <a:lnR w="6350" cap="flat" cmpd="sng" algn="ctr">
-                      <a:solidFill>
-                        <a:srgbClr val="000000"/>
-                      </a:solidFill>
-                      <a:prstDash val="solid"/>
-                      <a:round/>
-                      <a:headEnd type="none" w="med" len="med"/>
-                      <a:tailEnd type="none" w="med" len="med"/>
-                    </a:lnR>
-                    <a:lnT w="6350" cap="flat" cmpd="sng" algn="ctr">
-                      <a:solidFill>
-                        <a:srgbClr val="000000"/>
-                      </a:solidFill>
-                      <a:prstDash val="solid"/>
-                      <a:round/>
-                      <a:headEnd type="none" w="med" len="med"/>
-                      <a:tailEnd type="none" w="med" len="med"/>
-                    </a:lnT>
-                    <a:lnB w="6350" cap="flat" cmpd="sng" algn="ctr">
-                      <a:solidFill>
-                        <a:srgbClr val="000000"/>
-                      </a:solidFill>
-                      <a:prstDash val="solid"/>
-                      <a:round/>
-                      <a:headEnd type="none" w="med" len="med"/>
-                      <a:tailEnd type="none" w="med" len="med"/>
-                    </a:lnB>
-                  </a:tcPr>
-                </a:tc>
-                <a:tc hMerge="1">
-                  <a:txBody>
-                    <a:bodyPr/>
-                    <a:lstStyle/>
-                    <a:p>
-                      <a:endParaRPr lang="pt-BR"/>
-                    </a:p>
-                  </a:txBody>
-                  <a:tcPr/>
-                </a:tc>
-                <a:tc hMerge="1">
-                  <a:txBody>
-                    <a:bodyPr/>
-                    <a:lstStyle/>
-                    <a:p>
-                      <a:endParaRPr lang="pt-BR"/>
-                    </a:p>
-                  </a:txBody>
-                  <a:tcPr/>
-                </a:tc>
-                <a:tc hMerge="1">
-                  <a:txBody>
-                    <a:bodyPr/>
-                    <a:lstStyle/>
-                    <a:p>
-                      <a:endParaRPr lang="pt-BR"/>
-                    </a:p>
-                  </a:txBody>
-                  <a:tcPr/>
-                </a:tc>
-                <a:tc hMerge="1">
-                  <a:txBody>
-                    <a:bodyPr/>
-                    <a:lstStyle/>
-                    <a:p>
-                      <a:endParaRPr lang="pt-BR"/>
-                    </a:p>
-                  </a:txBody>
-                  <a:tcPr/>
-                </a:tc>
-                <a:tc hMerge="1">
-                  <a:txBody>
-                    <a:bodyPr/>
-                    <a:lstStyle/>
-                    <a:p>
-                      <a:endParaRPr lang="pt-BR"/>
-                    </a:p>
-                  </a:txBody>
-                  <a:tcPr/>
-                </a:tc>
-                <a:tc hMerge="1">
-                  <a:txBody>
-                    <a:bodyPr/>
-                    <a:lstStyle/>
-                    <a:p>
-                      <a:endParaRPr lang="pt-BR"/>
-                    </a:p>
-                  </a:txBody>
-                  <a:tcPr/>
-                </a:tc>
-                <a:extLst>
-                  <a:ext uri="{0D108BD9-81ED-4DB2-BD59-A6C34878D82A}">
-                    <a16:rowId xmlns:a16="http://schemas.microsoft.com/office/drawing/2014/main" val="348797190"/>
-                  </a:ext>
-                </a:extLst>
-              </a:tr>
-              <a:tr h="344009">
-                <a:tc>
-                  <a:txBody>
-                    <a:bodyPr/>
-                    <a:lstStyle/>
-                    <a:p>
-                      <a:pPr algn="l" fontAlgn="b"/>
-                      <a:r>
-                        <a:rPr lang="pt-BR" sz="2400" b="0" i="0" u="none" strike="noStrike">
-                          <a:solidFill>
-                            <a:srgbClr val="000000"/>
-                          </a:solidFill>
-                          <a:effectLst/>
-                          <a:latin typeface="Calibri" panose="020F0502020204030204" pitchFamily="34" charset="0"/>
-                        </a:rPr>
-                        <a:t> </a:t>
-                      </a:r>
-                    </a:p>
-                  </a:txBody>
-                  <a:tcPr marL="6350" marR="6350" marT="6350" marB="0" anchor="b">
-                    <a:lnL w="6350" cap="flat" cmpd="sng" algn="ctr">
-                      <a:solidFill>
-                        <a:srgbClr val="000000"/>
-                      </a:solidFill>
-                      <a:prstDash val="solid"/>
-                      <a:round/>
-                      <a:headEnd type="none" w="med" len="med"/>
-                      <a:tailEnd type="none" w="med" len="med"/>
-                    </a:lnL>
-                    <a:lnR w="6350" cap="flat" cmpd="sng" algn="ctr">
-                      <a:solidFill>
-                        <a:srgbClr val="000000"/>
-                      </a:solidFill>
-                      <a:prstDash val="solid"/>
-                      <a:round/>
-                      <a:headEnd type="none" w="med" len="med"/>
-                      <a:tailEnd type="none" w="med" len="med"/>
-                    </a:lnR>
-                    <a:lnT w="6350" cap="flat" cmpd="sng" algn="ctr">
-                      <a:solidFill>
-                        <a:srgbClr val="000000"/>
-                      </a:solidFill>
-                      <a:prstDash val="solid"/>
-                      <a:round/>
-                      <a:headEnd type="none" w="med" len="med"/>
-                      <a:tailEnd type="none" w="med" len="med"/>
-                    </a:lnT>
-                    <a:lnB w="6350" cap="flat" cmpd="sng" algn="ctr">
-                      <a:solidFill>
-                        <a:srgbClr val="000000"/>
-                      </a:solidFill>
-                      <a:prstDash val="solid"/>
-                      <a:round/>
-                      <a:headEnd type="none" w="med" len="med"/>
-                      <a:tailEnd type="none" w="med" len="med"/>
-                    </a:lnB>
-                  </a:tcPr>
-                </a:tc>
-                <a:tc>
-                  <a:txBody>
-                    <a:bodyPr/>
-                    <a:lstStyle/>
-                    <a:p>
-                      <a:pPr algn="l" fontAlgn="b"/>
-                      <a:r>
-                        <a:rPr lang="pt-BR" sz="2400" b="0" i="0" u="none" strike="noStrike">
-                          <a:solidFill>
-                            <a:srgbClr val="000000"/>
-                          </a:solidFill>
-                          <a:effectLst/>
-                          <a:latin typeface="Calibri" panose="020F0502020204030204" pitchFamily="34" charset="0"/>
-                        </a:rPr>
-                        <a:t>Angela</a:t>
-                      </a:r>
-                    </a:p>
-                  </a:txBody>
-                  <a:tcPr marL="6350" marR="6350" marT="6350" marB="0" anchor="b">
-                    <a:lnL w="6350" cap="flat" cmpd="sng" algn="ctr">
-                      <a:solidFill>
-                        <a:srgbClr val="000000"/>
-                      </a:solidFill>
-                      <a:prstDash val="solid"/>
-                      <a:round/>
-                      <a:headEnd type="none" w="med" len="med"/>
-                      <a:tailEnd type="none" w="med" len="med"/>
-                    </a:lnL>
-                    <a:lnR w="6350" cap="flat" cmpd="sng" algn="ctr">
-                      <a:solidFill>
-                        <a:srgbClr val="000000"/>
-                      </a:solidFill>
-                      <a:prstDash val="solid"/>
-                      <a:round/>
-                      <a:headEnd type="none" w="med" len="med"/>
-                      <a:tailEnd type="none" w="med" len="med"/>
-                    </a:lnR>
-                    <a:lnT w="6350" cap="flat" cmpd="sng" algn="ctr">
-                      <a:solidFill>
-                        <a:srgbClr val="000000"/>
-                      </a:solidFill>
-                      <a:prstDash val="solid"/>
-                      <a:round/>
-                      <a:headEnd type="none" w="med" len="med"/>
-                      <a:tailEnd type="none" w="med" len="med"/>
-                    </a:lnT>
-                    <a:lnB w="6350" cap="flat" cmpd="sng" algn="ctr">
-                      <a:solidFill>
-                        <a:srgbClr val="000000"/>
-                      </a:solidFill>
-                      <a:prstDash val="solid"/>
-                      <a:round/>
-                      <a:headEnd type="none" w="med" len="med"/>
-                      <a:tailEnd type="none" w="med" len="med"/>
-                    </a:lnB>
-                  </a:tcPr>
-                </a:tc>
-                <a:tc>
-                  <a:txBody>
-                    <a:bodyPr/>
-                    <a:lstStyle/>
-                    <a:p>
-                      <a:pPr algn="l" fontAlgn="b"/>
-                      <a:r>
-                        <a:rPr lang="pt-BR" sz="2400" b="0" i="0" u="none" strike="noStrike">
-                          <a:solidFill>
-                            <a:srgbClr val="000000"/>
-                          </a:solidFill>
-                          <a:effectLst/>
-                          <a:latin typeface="Calibri" panose="020F0502020204030204" pitchFamily="34" charset="0"/>
-                        </a:rPr>
-                        <a:t>Antônio </a:t>
-                      </a:r>
-                    </a:p>
-                  </a:txBody>
-                  <a:tcPr marL="6350" marR="6350" marT="6350" marB="0" anchor="b">
-                    <a:lnL w="6350" cap="flat" cmpd="sng" algn="ctr">
-                      <a:solidFill>
-                        <a:srgbClr val="000000"/>
-                      </a:solidFill>
-                      <a:prstDash val="solid"/>
-                      <a:round/>
-                      <a:headEnd type="none" w="med" len="med"/>
-                      <a:tailEnd type="none" w="med" len="med"/>
-                    </a:lnL>
-                    <a:lnR w="6350" cap="flat" cmpd="sng" algn="ctr">
-                      <a:solidFill>
-                        <a:srgbClr val="000000"/>
-                      </a:solidFill>
-                      <a:prstDash val="solid"/>
-                      <a:round/>
-                      <a:headEnd type="none" w="med" len="med"/>
-                      <a:tailEnd type="none" w="med" len="med"/>
-                    </a:lnR>
-                    <a:lnT w="6350" cap="flat" cmpd="sng" algn="ctr">
-                      <a:solidFill>
-                        <a:srgbClr val="000000"/>
-                      </a:solidFill>
-                      <a:prstDash val="solid"/>
-                      <a:round/>
-                      <a:headEnd type="none" w="med" len="med"/>
-                      <a:tailEnd type="none" w="med" len="med"/>
-                    </a:lnT>
-                    <a:lnB w="6350" cap="flat" cmpd="sng" algn="ctr">
-                      <a:solidFill>
-                        <a:srgbClr val="000000"/>
-                      </a:solidFill>
-                      <a:prstDash val="solid"/>
-                      <a:round/>
-                      <a:headEnd type="none" w="med" len="med"/>
-                      <a:tailEnd type="none" w="med" len="med"/>
-                    </a:lnB>
-                  </a:tcPr>
-                </a:tc>
-                <a:tc>
-                  <a:txBody>
-                    <a:bodyPr/>
-                    <a:lstStyle/>
-                    <a:p>
-                      <a:pPr algn="l" fontAlgn="b"/>
-                      <a:r>
-                        <a:rPr lang="pt-BR" sz="2400" b="0" i="0" u="none" strike="noStrike">
-                          <a:solidFill>
-                            <a:srgbClr val="000000"/>
-                          </a:solidFill>
-                          <a:effectLst/>
-                          <a:latin typeface="Calibri" panose="020F0502020204030204" pitchFamily="34" charset="0"/>
-                        </a:rPr>
-                        <a:t>Claudiane</a:t>
-                      </a:r>
-                    </a:p>
-                  </a:txBody>
-                  <a:tcPr marL="6350" marR="6350" marT="6350" marB="0" anchor="b">
-                    <a:lnL w="6350" cap="flat" cmpd="sng" algn="ctr">
-                      <a:solidFill>
-                        <a:srgbClr val="000000"/>
-                      </a:solidFill>
-                      <a:prstDash val="solid"/>
-                      <a:round/>
-                      <a:headEnd type="none" w="med" len="med"/>
-                      <a:tailEnd type="none" w="med" len="med"/>
-                    </a:lnL>
-                    <a:lnR w="6350" cap="flat" cmpd="sng" algn="ctr">
-                      <a:solidFill>
-                        <a:srgbClr val="000000"/>
-                      </a:solidFill>
-                      <a:prstDash val="solid"/>
-                      <a:round/>
-                      <a:headEnd type="none" w="med" len="med"/>
-                      <a:tailEnd type="none" w="med" len="med"/>
-                    </a:lnR>
-                    <a:lnT w="6350" cap="flat" cmpd="sng" algn="ctr">
-                      <a:solidFill>
-                        <a:srgbClr val="000000"/>
-                      </a:solidFill>
-                      <a:prstDash val="solid"/>
-                      <a:round/>
-                      <a:headEnd type="none" w="med" len="med"/>
-                      <a:tailEnd type="none" w="med" len="med"/>
-                    </a:lnT>
-                    <a:lnB w="6350" cap="flat" cmpd="sng" algn="ctr">
-                      <a:solidFill>
-                        <a:srgbClr val="000000"/>
-                      </a:solidFill>
-                      <a:prstDash val="solid"/>
-                      <a:round/>
-                      <a:headEnd type="none" w="med" len="med"/>
-                      <a:tailEnd type="none" w="med" len="med"/>
-                    </a:lnB>
-                  </a:tcPr>
-                </a:tc>
-                <a:tc>
-                  <a:txBody>
-                    <a:bodyPr/>
-                    <a:lstStyle/>
-                    <a:p>
-                      <a:pPr algn="l" fontAlgn="b"/>
-                      <a:r>
-                        <a:rPr lang="pt-BR" sz="2400" b="0" i="0" u="none" strike="noStrike">
-                          <a:solidFill>
-                            <a:srgbClr val="000000"/>
-                          </a:solidFill>
-                          <a:effectLst/>
-                          <a:latin typeface="Calibri" panose="020F0502020204030204" pitchFamily="34" charset="0"/>
-                        </a:rPr>
-                        <a:t>João</a:t>
-                      </a:r>
-                    </a:p>
-                  </a:txBody>
-                  <a:tcPr marL="6350" marR="6350" marT="6350" marB="0" anchor="b">
-                    <a:lnL w="6350" cap="flat" cmpd="sng" algn="ctr">
-                      <a:solidFill>
-                        <a:srgbClr val="000000"/>
-                      </a:solidFill>
-                      <a:prstDash val="solid"/>
-                      <a:round/>
-                      <a:headEnd type="none" w="med" len="med"/>
-                      <a:tailEnd type="none" w="med" len="med"/>
-                    </a:lnL>
-                    <a:lnR w="6350" cap="flat" cmpd="sng" algn="ctr">
-                      <a:solidFill>
-                        <a:srgbClr val="000000"/>
-                      </a:solidFill>
-                      <a:prstDash val="solid"/>
-                      <a:round/>
-                      <a:headEnd type="none" w="med" len="med"/>
-                      <a:tailEnd type="none" w="med" len="med"/>
-                    </a:lnR>
-                    <a:lnT w="6350" cap="flat" cmpd="sng" algn="ctr">
-                      <a:solidFill>
-                        <a:srgbClr val="000000"/>
-                      </a:solidFill>
-                      <a:prstDash val="solid"/>
-                      <a:round/>
-                      <a:headEnd type="none" w="med" len="med"/>
-                      <a:tailEnd type="none" w="med" len="med"/>
-                    </a:lnT>
-                    <a:lnB w="6350" cap="flat" cmpd="sng" algn="ctr">
-                      <a:solidFill>
-                        <a:srgbClr val="000000"/>
-                      </a:solidFill>
-                      <a:prstDash val="solid"/>
-                      <a:round/>
-                      <a:headEnd type="none" w="med" len="med"/>
-                      <a:tailEnd type="none" w="med" len="med"/>
-                    </a:lnB>
-                  </a:tcPr>
-                </a:tc>
-                <a:tc>
-                  <a:txBody>
-                    <a:bodyPr/>
-                    <a:lstStyle/>
-                    <a:p>
-                      <a:pPr algn="l" fontAlgn="b"/>
-                      <a:r>
-                        <a:rPr lang="pt-BR" sz="2400" b="0" i="0" u="none" strike="noStrike">
-                          <a:solidFill>
-                            <a:srgbClr val="000000"/>
-                          </a:solidFill>
-                          <a:effectLst/>
-                          <a:latin typeface="Calibri" panose="020F0502020204030204" pitchFamily="34" charset="0"/>
-                        </a:rPr>
-                        <a:t>Jonas</a:t>
-                      </a:r>
-                    </a:p>
-                  </a:txBody>
-                  <a:tcPr marL="6350" marR="6350" marT="6350" marB="0" anchor="b">
-                    <a:lnL w="6350" cap="flat" cmpd="sng" algn="ctr">
-                      <a:solidFill>
-                        <a:srgbClr val="000000"/>
-                      </a:solidFill>
-                      <a:prstDash val="solid"/>
-                      <a:round/>
-                      <a:headEnd type="none" w="med" len="med"/>
-                      <a:tailEnd type="none" w="med" len="med"/>
-                    </a:lnL>
-                    <a:lnR w="6350" cap="flat" cmpd="sng" algn="ctr">
-                      <a:solidFill>
-                        <a:srgbClr val="000000"/>
-                      </a:solidFill>
-                      <a:prstDash val="solid"/>
-                      <a:round/>
-                      <a:headEnd type="none" w="med" len="med"/>
-                      <a:tailEnd type="none" w="med" len="med"/>
-                    </a:lnR>
-                    <a:lnT w="6350" cap="flat" cmpd="sng" algn="ctr">
-                      <a:solidFill>
-                        <a:srgbClr val="000000"/>
-                      </a:solidFill>
-                      <a:prstDash val="solid"/>
-                      <a:round/>
-                      <a:headEnd type="none" w="med" len="med"/>
-                      <a:tailEnd type="none" w="med" len="med"/>
-                    </a:lnT>
-                    <a:lnB w="6350" cap="flat" cmpd="sng" algn="ctr">
-                      <a:solidFill>
-                        <a:srgbClr val="000000"/>
-                      </a:solidFill>
-                      <a:prstDash val="solid"/>
-                      <a:round/>
-                      <a:headEnd type="none" w="med" len="med"/>
-                      <a:tailEnd type="none" w="med" len="med"/>
-                    </a:lnB>
-                  </a:tcPr>
-                </a:tc>
-                <a:tc>
-                  <a:txBody>
-                    <a:bodyPr/>
-                    <a:lstStyle/>
-                    <a:p>
-                      <a:pPr algn="l" fontAlgn="b"/>
-                      <a:r>
-                        <a:rPr lang="pt-BR" sz="2400" b="0" i="0" u="none" strike="noStrike">
-                          <a:solidFill>
-                            <a:srgbClr val="000000"/>
-                          </a:solidFill>
-                          <a:effectLst/>
-                          <a:latin typeface="Calibri" panose="020F0502020204030204" pitchFamily="34" charset="0"/>
-                        </a:rPr>
-                        <a:t>Melissa</a:t>
-                      </a:r>
-                    </a:p>
-                  </a:txBody>
-                  <a:tcPr marL="6350" marR="6350" marT="6350" marB="0" anchor="b">
-                    <a:lnL w="6350" cap="flat" cmpd="sng" algn="ctr">
-                      <a:solidFill>
-                        <a:srgbClr val="000000"/>
-                      </a:solidFill>
-                      <a:prstDash val="solid"/>
-                      <a:round/>
-                      <a:headEnd type="none" w="med" len="med"/>
-                      <a:tailEnd type="none" w="med" len="med"/>
-                    </a:lnL>
-                    <a:lnR w="6350" cap="flat" cmpd="sng" algn="ctr">
-                      <a:solidFill>
-                        <a:srgbClr val="000000"/>
-                      </a:solidFill>
-                      <a:prstDash val="solid"/>
-                      <a:round/>
-                      <a:headEnd type="none" w="med" len="med"/>
-                      <a:tailEnd type="none" w="med" len="med"/>
-                    </a:lnR>
-                    <a:lnT w="6350" cap="flat" cmpd="sng" algn="ctr">
-                      <a:solidFill>
-                        <a:srgbClr val="000000"/>
-                      </a:solidFill>
-                      <a:prstDash val="solid"/>
-                      <a:round/>
-                      <a:headEnd type="none" w="med" len="med"/>
-                      <a:tailEnd type="none" w="med" len="med"/>
-                    </a:lnT>
-                    <a:lnB w="6350" cap="flat" cmpd="sng" algn="ctr">
-                      <a:solidFill>
-                        <a:srgbClr val="000000"/>
-                      </a:solidFill>
-                      <a:prstDash val="solid"/>
-                      <a:round/>
-                      <a:headEnd type="none" w="med" len="med"/>
-                      <a:tailEnd type="none" w="med" len="med"/>
-                    </a:lnB>
-                  </a:tcPr>
-                </a:tc>
-                <a:extLst>
-                  <a:ext uri="{0D108BD9-81ED-4DB2-BD59-A6C34878D82A}">
-                    <a16:rowId xmlns:a16="http://schemas.microsoft.com/office/drawing/2014/main" val="4203805217"/>
-                  </a:ext>
-                </a:extLst>
-              </a:tr>
-              <a:tr h="344009">
-                <a:tc>
-                  <a:txBody>
-                    <a:bodyPr/>
-                    <a:lstStyle/>
-                    <a:p>
-                      <a:pPr algn="l" fontAlgn="b"/>
-                      <a:r>
-                        <a:rPr lang="pt-BR" sz="2400" b="0" i="0" u="none" strike="noStrike">
-                          <a:solidFill>
-                            <a:srgbClr val="000000"/>
-                          </a:solidFill>
-                          <a:effectLst/>
-                          <a:latin typeface="Calibri" panose="020F0502020204030204" pitchFamily="34" charset="0"/>
-                        </a:rPr>
-                        <a:t>% Acertos</a:t>
-                      </a:r>
-                    </a:p>
-                  </a:txBody>
-                  <a:tcPr marL="6350" marR="6350" marT="6350" marB="0" anchor="b">
-                    <a:lnL w="6350" cap="flat" cmpd="sng" algn="ctr">
-                      <a:solidFill>
-                        <a:srgbClr val="000000"/>
-                      </a:solidFill>
-                      <a:prstDash val="solid"/>
-                      <a:round/>
-                      <a:headEnd type="none" w="med" len="med"/>
-                      <a:tailEnd type="none" w="med" len="med"/>
-                    </a:lnL>
-                    <a:lnR w="6350" cap="flat" cmpd="sng" algn="ctr">
-                      <a:solidFill>
-                        <a:srgbClr val="000000"/>
-                      </a:solidFill>
-                      <a:prstDash val="solid"/>
-                      <a:round/>
-                      <a:headEnd type="none" w="med" len="med"/>
-                      <a:tailEnd type="none" w="med" len="med"/>
-                    </a:lnR>
-                    <a:lnT w="6350" cap="flat" cmpd="sng" algn="ctr">
-                      <a:solidFill>
-                        <a:srgbClr val="000000"/>
-                      </a:solidFill>
-                      <a:prstDash val="solid"/>
-                      <a:round/>
-                      <a:headEnd type="none" w="med" len="med"/>
-                      <a:tailEnd type="none" w="med" len="med"/>
-                    </a:lnT>
-                    <a:lnB w="6350" cap="flat" cmpd="sng" algn="ctr">
-                      <a:solidFill>
-                        <a:srgbClr val="000000"/>
-                      </a:solidFill>
-                      <a:prstDash val="solid"/>
-                      <a:round/>
-                      <a:headEnd type="none" w="med" len="med"/>
-                      <a:tailEnd type="none" w="med" len="med"/>
-                    </a:lnB>
-                  </a:tcPr>
-                </a:tc>
-                <a:tc>
-                  <a:txBody>
-                    <a:bodyPr/>
-                    <a:lstStyle/>
-                    <a:p>
-                      <a:pPr algn="r" fontAlgn="b"/>
-                      <a:r>
-                        <a:rPr lang="pt-BR" sz="2400" b="0" i="0" u="none" strike="noStrike" dirty="0">
-                          <a:solidFill>
-                            <a:srgbClr val="000000"/>
-                          </a:solidFill>
-                          <a:effectLst/>
-                          <a:latin typeface="Calibri" panose="020F0502020204030204" pitchFamily="34" charset="0"/>
-                        </a:rPr>
-                        <a:t>32,00%</a:t>
-                      </a:r>
-                    </a:p>
-                  </a:txBody>
-                  <a:tcPr marL="6350" marR="6350" marT="6350" marB="0" anchor="b">
-                    <a:lnL w="6350" cap="flat" cmpd="sng" algn="ctr">
-                      <a:solidFill>
-                        <a:srgbClr val="000000"/>
-                      </a:solidFill>
-                      <a:prstDash val="solid"/>
-                      <a:round/>
-                      <a:headEnd type="none" w="med" len="med"/>
-                      <a:tailEnd type="none" w="med" len="med"/>
-                    </a:lnL>
-                    <a:lnR w="6350" cap="flat" cmpd="sng" algn="ctr">
-                      <a:solidFill>
-                        <a:srgbClr val="000000"/>
-                      </a:solidFill>
-                      <a:prstDash val="solid"/>
-                      <a:round/>
-                      <a:headEnd type="none" w="med" len="med"/>
-                      <a:tailEnd type="none" w="med" len="med"/>
-                    </a:lnR>
-                    <a:lnT w="6350" cap="flat" cmpd="sng" algn="ctr">
-                      <a:solidFill>
-                        <a:srgbClr val="000000"/>
-                      </a:solidFill>
-                      <a:prstDash val="solid"/>
-                      <a:round/>
-                      <a:headEnd type="none" w="med" len="med"/>
-                      <a:tailEnd type="none" w="med" len="med"/>
-                    </a:lnT>
-                    <a:lnB w="6350" cap="flat" cmpd="sng" algn="ctr">
-                      <a:solidFill>
-                        <a:srgbClr val="000000"/>
-                      </a:solidFill>
-                      <a:prstDash val="solid"/>
-                      <a:round/>
-                      <a:headEnd type="none" w="med" len="med"/>
-                      <a:tailEnd type="none" w="med" len="med"/>
-                    </a:lnB>
-                  </a:tcPr>
-                </a:tc>
-                <a:tc>
-                  <a:txBody>
-                    <a:bodyPr/>
-                    <a:lstStyle/>
-                    <a:p>
-                      <a:pPr algn="r" fontAlgn="b"/>
-                      <a:r>
-                        <a:rPr lang="pt-BR" sz="2400" b="0" i="0" u="none" strike="noStrike">
-                          <a:solidFill>
-                            <a:srgbClr val="000000"/>
-                          </a:solidFill>
-                          <a:effectLst/>
-                          <a:latin typeface="Calibri" panose="020F0502020204030204" pitchFamily="34" charset="0"/>
-                        </a:rPr>
-                        <a:t>56,00%</a:t>
-                      </a:r>
-                    </a:p>
-                  </a:txBody>
-                  <a:tcPr marL="6350" marR="6350" marT="6350" marB="0" anchor="b">
-                    <a:lnL w="6350" cap="flat" cmpd="sng" algn="ctr">
-                      <a:solidFill>
-                        <a:srgbClr val="000000"/>
-                      </a:solidFill>
-                      <a:prstDash val="solid"/>
-                      <a:round/>
-                      <a:headEnd type="none" w="med" len="med"/>
-                      <a:tailEnd type="none" w="med" len="med"/>
-                    </a:lnL>
-                    <a:lnR w="6350" cap="flat" cmpd="sng" algn="ctr">
-                      <a:solidFill>
-                        <a:srgbClr val="000000"/>
-                      </a:solidFill>
-                      <a:prstDash val="solid"/>
-                      <a:round/>
-                      <a:headEnd type="none" w="med" len="med"/>
-                      <a:tailEnd type="none" w="med" len="med"/>
-                    </a:lnR>
-                    <a:lnT w="6350" cap="flat" cmpd="sng" algn="ctr">
-                      <a:solidFill>
-                        <a:srgbClr val="000000"/>
-                      </a:solidFill>
-                      <a:prstDash val="solid"/>
-                      <a:round/>
-                      <a:headEnd type="none" w="med" len="med"/>
-                      <a:tailEnd type="none" w="med" len="med"/>
-                    </a:lnT>
-                    <a:lnB w="6350" cap="flat" cmpd="sng" algn="ctr">
-                      <a:solidFill>
-                        <a:srgbClr val="000000"/>
-                      </a:solidFill>
-                      <a:prstDash val="solid"/>
-                      <a:round/>
-                      <a:headEnd type="none" w="med" len="med"/>
-                      <a:tailEnd type="none" w="med" len="med"/>
-                    </a:lnB>
-                  </a:tcPr>
-                </a:tc>
-                <a:tc>
-                  <a:txBody>
-                    <a:bodyPr/>
-                    <a:lstStyle/>
-                    <a:p>
-                      <a:pPr algn="r" fontAlgn="b"/>
-                      <a:r>
-                        <a:rPr lang="pt-BR" sz="2400" b="0" i="0" u="none" strike="noStrike">
-                          <a:solidFill>
-                            <a:srgbClr val="000000"/>
-                          </a:solidFill>
-                          <a:effectLst/>
-                          <a:latin typeface="Calibri" panose="020F0502020204030204" pitchFamily="34" charset="0"/>
-                        </a:rPr>
-                        <a:t>24,00%</a:t>
-                      </a:r>
-                    </a:p>
-                  </a:txBody>
-                  <a:tcPr marL="6350" marR="6350" marT="6350" marB="0" anchor="b">
-                    <a:lnL w="6350" cap="flat" cmpd="sng" algn="ctr">
-                      <a:solidFill>
-                        <a:srgbClr val="000000"/>
-                      </a:solidFill>
-                      <a:prstDash val="solid"/>
-                      <a:round/>
-                      <a:headEnd type="none" w="med" len="med"/>
-                      <a:tailEnd type="none" w="med" len="med"/>
-                    </a:lnL>
-                    <a:lnR w="6350" cap="flat" cmpd="sng" algn="ctr">
-                      <a:solidFill>
-                        <a:srgbClr val="000000"/>
-                      </a:solidFill>
-                      <a:prstDash val="solid"/>
-                      <a:round/>
-                      <a:headEnd type="none" w="med" len="med"/>
-                      <a:tailEnd type="none" w="med" len="med"/>
-                    </a:lnR>
-                    <a:lnT w="6350" cap="flat" cmpd="sng" algn="ctr">
-                      <a:solidFill>
-                        <a:srgbClr val="000000"/>
-                      </a:solidFill>
-                      <a:prstDash val="solid"/>
-                      <a:round/>
-                      <a:headEnd type="none" w="med" len="med"/>
-                      <a:tailEnd type="none" w="med" len="med"/>
-                    </a:lnT>
-                    <a:lnB w="6350" cap="flat" cmpd="sng" algn="ctr">
-                      <a:solidFill>
-                        <a:srgbClr val="000000"/>
-                      </a:solidFill>
-                      <a:prstDash val="solid"/>
-                      <a:round/>
-                      <a:headEnd type="none" w="med" len="med"/>
-                      <a:tailEnd type="none" w="med" len="med"/>
-                    </a:lnB>
-                  </a:tcPr>
-                </a:tc>
-                <a:tc>
-                  <a:txBody>
-                    <a:bodyPr/>
-                    <a:lstStyle/>
-                    <a:p>
-                      <a:pPr algn="r" fontAlgn="b"/>
-                      <a:r>
-                        <a:rPr lang="pt-BR" sz="2400" b="0" i="0" u="none" strike="noStrike">
-                          <a:solidFill>
-                            <a:srgbClr val="000000"/>
-                          </a:solidFill>
-                          <a:effectLst/>
-                          <a:latin typeface="Calibri" panose="020F0502020204030204" pitchFamily="34" charset="0"/>
-                        </a:rPr>
-                        <a:t>64,00%</a:t>
-                      </a:r>
-                    </a:p>
-                  </a:txBody>
-                  <a:tcPr marL="6350" marR="6350" marT="6350" marB="0" anchor="b">
-                    <a:lnL w="6350" cap="flat" cmpd="sng" algn="ctr">
-                      <a:solidFill>
-                        <a:srgbClr val="000000"/>
-                      </a:solidFill>
-                      <a:prstDash val="solid"/>
-                      <a:round/>
-                      <a:headEnd type="none" w="med" len="med"/>
-                      <a:tailEnd type="none" w="med" len="med"/>
-                    </a:lnL>
-                    <a:lnR w="6350" cap="flat" cmpd="sng" algn="ctr">
-                      <a:solidFill>
-                        <a:srgbClr val="000000"/>
-                      </a:solidFill>
-                      <a:prstDash val="solid"/>
-                      <a:round/>
-                      <a:headEnd type="none" w="med" len="med"/>
-                      <a:tailEnd type="none" w="med" len="med"/>
-                    </a:lnR>
-                    <a:lnT w="6350" cap="flat" cmpd="sng" algn="ctr">
-                      <a:solidFill>
-                        <a:srgbClr val="000000"/>
-                      </a:solidFill>
-                      <a:prstDash val="solid"/>
-                      <a:round/>
-                      <a:headEnd type="none" w="med" len="med"/>
-                      <a:tailEnd type="none" w="med" len="med"/>
-                    </a:lnT>
-                    <a:lnB w="6350" cap="flat" cmpd="sng" algn="ctr">
-                      <a:solidFill>
-                        <a:srgbClr val="000000"/>
-                      </a:solidFill>
-                      <a:prstDash val="solid"/>
-                      <a:round/>
-                      <a:headEnd type="none" w="med" len="med"/>
-                      <a:tailEnd type="none" w="med" len="med"/>
-                    </a:lnB>
-                  </a:tcPr>
-                </a:tc>
-                <a:tc>
-                  <a:txBody>
-                    <a:bodyPr/>
-                    <a:lstStyle/>
-                    <a:p>
-                      <a:pPr algn="r" fontAlgn="b"/>
-                      <a:r>
-                        <a:rPr lang="pt-BR" sz="2400" b="0" i="0" u="none" strike="noStrike">
-                          <a:solidFill>
-                            <a:srgbClr val="000000"/>
-                          </a:solidFill>
-                          <a:effectLst/>
-                          <a:latin typeface="Calibri" panose="020F0502020204030204" pitchFamily="34" charset="0"/>
-                        </a:rPr>
-                        <a:t>0,00%</a:t>
-                      </a:r>
-                    </a:p>
-                  </a:txBody>
-                  <a:tcPr marL="6350" marR="6350" marT="6350" marB="0" anchor="b">
-                    <a:lnL w="6350" cap="flat" cmpd="sng" algn="ctr">
-                      <a:solidFill>
-                        <a:srgbClr val="000000"/>
-                      </a:solidFill>
-                      <a:prstDash val="solid"/>
-                      <a:round/>
-                      <a:headEnd type="none" w="med" len="med"/>
-                      <a:tailEnd type="none" w="med" len="med"/>
-                    </a:lnL>
-                    <a:lnR w="6350" cap="flat" cmpd="sng" algn="ctr">
-                      <a:solidFill>
-                        <a:srgbClr val="000000"/>
-                      </a:solidFill>
-                      <a:prstDash val="solid"/>
-                      <a:round/>
-                      <a:headEnd type="none" w="med" len="med"/>
-                      <a:tailEnd type="none" w="med" len="med"/>
-                    </a:lnR>
-                    <a:lnT w="6350" cap="flat" cmpd="sng" algn="ctr">
-                      <a:solidFill>
-                        <a:srgbClr val="000000"/>
-                      </a:solidFill>
-                      <a:prstDash val="solid"/>
-                      <a:round/>
-                      <a:headEnd type="none" w="med" len="med"/>
-                      <a:tailEnd type="none" w="med" len="med"/>
-                    </a:lnT>
-                    <a:lnB w="6350" cap="flat" cmpd="sng" algn="ctr">
-                      <a:solidFill>
-                        <a:srgbClr val="000000"/>
-                      </a:solidFill>
-                      <a:prstDash val="solid"/>
-                      <a:round/>
-                      <a:headEnd type="none" w="med" len="med"/>
-                      <a:tailEnd type="none" w="med" len="med"/>
-                    </a:lnB>
-                  </a:tcPr>
-                </a:tc>
-                <a:tc>
-                  <a:txBody>
-                    <a:bodyPr/>
-                    <a:lstStyle/>
-                    <a:p>
-                      <a:pPr algn="r" fontAlgn="b"/>
-                      <a:r>
-                        <a:rPr lang="pt-BR" sz="2400" b="0" i="0" u="none" strike="noStrike">
-                          <a:solidFill>
-                            <a:srgbClr val="000000"/>
-                          </a:solidFill>
-                          <a:effectLst/>
-                          <a:latin typeface="Calibri" panose="020F0502020204030204" pitchFamily="34" charset="0"/>
-                        </a:rPr>
-                        <a:t>36,00%</a:t>
-                      </a:r>
-                    </a:p>
-                  </a:txBody>
-                  <a:tcPr marL="6350" marR="6350" marT="6350" marB="0" anchor="b">
-                    <a:lnL w="6350" cap="flat" cmpd="sng" algn="ctr">
-                      <a:solidFill>
-                        <a:srgbClr val="000000"/>
-                      </a:solidFill>
-                      <a:prstDash val="solid"/>
-                      <a:round/>
-                      <a:headEnd type="none" w="med" len="med"/>
-                      <a:tailEnd type="none" w="med" len="med"/>
-                    </a:lnL>
-                    <a:lnR w="6350" cap="flat" cmpd="sng" algn="ctr">
-                      <a:solidFill>
-                        <a:srgbClr val="000000"/>
-                      </a:solidFill>
-                      <a:prstDash val="solid"/>
-                      <a:round/>
-                      <a:headEnd type="none" w="med" len="med"/>
-                      <a:tailEnd type="none" w="med" len="med"/>
-                    </a:lnR>
-                    <a:lnT w="6350" cap="flat" cmpd="sng" algn="ctr">
-                      <a:solidFill>
-                        <a:srgbClr val="000000"/>
-                      </a:solidFill>
-                      <a:prstDash val="solid"/>
-                      <a:round/>
-                      <a:headEnd type="none" w="med" len="med"/>
-                      <a:tailEnd type="none" w="med" len="med"/>
-                    </a:lnT>
-                    <a:lnB w="6350" cap="flat" cmpd="sng" algn="ctr">
-                      <a:solidFill>
-                        <a:srgbClr val="000000"/>
-                      </a:solidFill>
-                      <a:prstDash val="solid"/>
-                      <a:round/>
-                      <a:headEnd type="none" w="med" len="med"/>
-                      <a:tailEnd type="none" w="med" len="med"/>
-                    </a:lnB>
-                  </a:tcPr>
-                </a:tc>
-                <a:extLst>
-                  <a:ext uri="{0D108BD9-81ED-4DB2-BD59-A6C34878D82A}">
-                    <a16:rowId xmlns:a16="http://schemas.microsoft.com/office/drawing/2014/main" val="1214505616"/>
-                  </a:ext>
-                </a:extLst>
-              </a:tr>
-              <a:tr h="426912">
-                <a:tc>
-                  <a:txBody>
-                    <a:bodyPr/>
-                    <a:lstStyle/>
-                    <a:p>
-                      <a:pPr algn="l" fontAlgn="b"/>
-                      <a:r>
-                        <a:rPr lang="pt-BR" sz="2400" b="0" i="0" u="none" strike="noStrike">
-                          <a:solidFill>
-                            <a:srgbClr val="000000"/>
-                          </a:solidFill>
-                          <a:effectLst/>
-                          <a:latin typeface="Calibri" panose="020F0502020204030204" pitchFamily="34" charset="0"/>
-                        </a:rPr>
-                        <a:t>% Presença</a:t>
-                      </a:r>
-                    </a:p>
-                  </a:txBody>
-                  <a:tcPr marL="6350" marR="6350" marT="6350" marB="0" anchor="b">
-                    <a:lnL w="6350" cap="flat" cmpd="sng" algn="ctr">
-                      <a:solidFill>
-                        <a:srgbClr val="000000"/>
-                      </a:solidFill>
-                      <a:prstDash val="solid"/>
-                      <a:round/>
-                      <a:headEnd type="none" w="med" len="med"/>
-                      <a:tailEnd type="none" w="med" len="med"/>
-                    </a:lnL>
-                    <a:lnR w="6350" cap="flat" cmpd="sng" algn="ctr">
-                      <a:solidFill>
-                        <a:srgbClr val="000000"/>
-                      </a:solidFill>
-                      <a:prstDash val="solid"/>
-                      <a:round/>
-                      <a:headEnd type="none" w="med" len="med"/>
-                      <a:tailEnd type="none" w="med" len="med"/>
-                    </a:lnR>
-                    <a:lnT w="6350" cap="flat" cmpd="sng" algn="ctr">
-                      <a:solidFill>
-                        <a:srgbClr val="000000"/>
-                      </a:solidFill>
-                      <a:prstDash val="solid"/>
-                      <a:round/>
-                      <a:headEnd type="none" w="med" len="med"/>
-                      <a:tailEnd type="none" w="med" len="med"/>
-                    </a:lnT>
-                    <a:lnB w="6350" cap="flat" cmpd="sng" algn="ctr">
-                      <a:solidFill>
-                        <a:srgbClr val="000000"/>
-                      </a:solidFill>
-                      <a:prstDash val="solid"/>
-                      <a:round/>
-                      <a:headEnd type="none" w="med" len="med"/>
-                      <a:tailEnd type="none" w="med" len="med"/>
-                    </a:lnB>
-                  </a:tcPr>
-                </a:tc>
-                <a:tc>
-                  <a:txBody>
-                    <a:bodyPr/>
-                    <a:lstStyle/>
-                    <a:p>
-                      <a:pPr algn="r" fontAlgn="b"/>
-                      <a:r>
-                        <a:rPr lang="pt-BR" sz="2400" b="0" i="0" u="none" strike="noStrike">
-                          <a:solidFill>
-                            <a:srgbClr val="000000"/>
-                          </a:solidFill>
-                          <a:effectLst/>
-                          <a:latin typeface="Calibri" panose="020F0502020204030204" pitchFamily="34" charset="0"/>
-                        </a:rPr>
-                        <a:t>100,00%</a:t>
-                      </a:r>
-                    </a:p>
-                  </a:txBody>
-                  <a:tcPr marL="6350" marR="6350" marT="6350" marB="0" anchor="b">
-                    <a:lnL w="6350" cap="flat" cmpd="sng" algn="ctr">
-                      <a:solidFill>
-                        <a:srgbClr val="000000"/>
-                      </a:solidFill>
-                      <a:prstDash val="solid"/>
-                      <a:round/>
-                      <a:headEnd type="none" w="med" len="med"/>
-                      <a:tailEnd type="none" w="med" len="med"/>
-                    </a:lnL>
-                    <a:lnR w="6350" cap="flat" cmpd="sng" algn="ctr">
-                      <a:solidFill>
-                        <a:srgbClr val="000000"/>
-                      </a:solidFill>
-                      <a:prstDash val="solid"/>
-                      <a:round/>
-                      <a:headEnd type="none" w="med" len="med"/>
-                      <a:tailEnd type="none" w="med" len="med"/>
-                    </a:lnR>
-                    <a:lnT w="6350" cap="flat" cmpd="sng" algn="ctr">
-                      <a:solidFill>
-                        <a:srgbClr val="000000"/>
-                      </a:solidFill>
-                      <a:prstDash val="solid"/>
-                      <a:round/>
-                      <a:headEnd type="none" w="med" len="med"/>
-                      <a:tailEnd type="none" w="med" len="med"/>
-                    </a:lnT>
-                    <a:lnB w="6350" cap="flat" cmpd="sng" algn="ctr">
-                      <a:solidFill>
-                        <a:srgbClr val="000000"/>
-                      </a:solidFill>
-                      <a:prstDash val="solid"/>
-                      <a:round/>
-                      <a:headEnd type="none" w="med" len="med"/>
-                      <a:tailEnd type="none" w="med" len="med"/>
-                    </a:lnB>
-                  </a:tcPr>
-                </a:tc>
-                <a:tc>
-                  <a:txBody>
-                    <a:bodyPr/>
-                    <a:lstStyle/>
-                    <a:p>
-                      <a:pPr algn="r" fontAlgn="b"/>
-                      <a:r>
-                        <a:rPr lang="pt-BR" sz="2400" b="0" i="0" u="none" strike="noStrike">
-                          <a:solidFill>
-                            <a:srgbClr val="000000"/>
-                          </a:solidFill>
-                          <a:effectLst/>
-                          <a:latin typeface="Calibri" panose="020F0502020204030204" pitchFamily="34" charset="0"/>
-                        </a:rPr>
-                        <a:t>100,00%</a:t>
-                      </a:r>
-                    </a:p>
-                  </a:txBody>
-                  <a:tcPr marL="6350" marR="6350" marT="6350" marB="0" anchor="b">
-                    <a:lnL w="6350" cap="flat" cmpd="sng" algn="ctr">
-                      <a:solidFill>
-                        <a:srgbClr val="000000"/>
-                      </a:solidFill>
-                      <a:prstDash val="solid"/>
-                      <a:round/>
-                      <a:headEnd type="none" w="med" len="med"/>
-                      <a:tailEnd type="none" w="med" len="med"/>
-                    </a:lnL>
-                    <a:lnR w="6350" cap="flat" cmpd="sng" algn="ctr">
-                      <a:solidFill>
-                        <a:srgbClr val="000000"/>
-                      </a:solidFill>
-                      <a:prstDash val="solid"/>
-                      <a:round/>
-                      <a:headEnd type="none" w="med" len="med"/>
-                      <a:tailEnd type="none" w="med" len="med"/>
-                    </a:lnR>
-                    <a:lnT w="6350" cap="flat" cmpd="sng" algn="ctr">
-                      <a:solidFill>
-                        <a:srgbClr val="000000"/>
-                      </a:solidFill>
-                      <a:prstDash val="solid"/>
-                      <a:round/>
-                      <a:headEnd type="none" w="med" len="med"/>
-                      <a:tailEnd type="none" w="med" len="med"/>
-                    </a:lnT>
-                    <a:lnB w="6350" cap="flat" cmpd="sng" algn="ctr">
-                      <a:solidFill>
-                        <a:srgbClr val="000000"/>
-                      </a:solidFill>
-                      <a:prstDash val="solid"/>
-                      <a:round/>
-                      <a:headEnd type="none" w="med" len="med"/>
-                      <a:tailEnd type="none" w="med" len="med"/>
-                    </a:lnB>
-                  </a:tcPr>
-                </a:tc>
-                <a:tc>
-                  <a:txBody>
-                    <a:bodyPr/>
-                    <a:lstStyle/>
-                    <a:p>
-                      <a:pPr algn="r" fontAlgn="b"/>
-                      <a:r>
-                        <a:rPr lang="pt-BR" sz="2400" b="0" i="0" u="none" strike="noStrike">
-                          <a:solidFill>
-                            <a:srgbClr val="000000"/>
-                          </a:solidFill>
-                          <a:effectLst/>
-                          <a:latin typeface="Calibri" panose="020F0502020204030204" pitchFamily="34" charset="0"/>
-                        </a:rPr>
-                        <a:t>100,00%</a:t>
-                      </a:r>
-                    </a:p>
-                  </a:txBody>
-                  <a:tcPr marL="6350" marR="6350" marT="6350" marB="0" anchor="b">
-                    <a:lnL w="6350" cap="flat" cmpd="sng" algn="ctr">
-                      <a:solidFill>
-                        <a:srgbClr val="000000"/>
-                      </a:solidFill>
-                      <a:prstDash val="solid"/>
-                      <a:round/>
-                      <a:headEnd type="none" w="med" len="med"/>
-                      <a:tailEnd type="none" w="med" len="med"/>
-                    </a:lnL>
-                    <a:lnR w="6350" cap="flat" cmpd="sng" algn="ctr">
-                      <a:solidFill>
-                        <a:srgbClr val="000000"/>
-                      </a:solidFill>
-                      <a:prstDash val="solid"/>
-                      <a:round/>
-                      <a:headEnd type="none" w="med" len="med"/>
-                      <a:tailEnd type="none" w="med" len="med"/>
-                    </a:lnR>
-                    <a:lnT w="6350" cap="flat" cmpd="sng" algn="ctr">
-                      <a:solidFill>
-                        <a:srgbClr val="000000"/>
-                      </a:solidFill>
-                      <a:prstDash val="solid"/>
-                      <a:round/>
-                      <a:headEnd type="none" w="med" len="med"/>
-                      <a:tailEnd type="none" w="med" len="med"/>
-                    </a:lnT>
-                    <a:lnB w="6350" cap="flat" cmpd="sng" algn="ctr">
-                      <a:solidFill>
-                        <a:srgbClr val="000000"/>
-                      </a:solidFill>
-                      <a:prstDash val="solid"/>
-                      <a:round/>
-                      <a:headEnd type="none" w="med" len="med"/>
-                      <a:tailEnd type="none" w="med" len="med"/>
-                    </a:lnB>
-                  </a:tcPr>
-                </a:tc>
-                <a:tc>
-                  <a:txBody>
-                    <a:bodyPr/>
-                    <a:lstStyle/>
-                    <a:p>
-                      <a:pPr algn="r" fontAlgn="b"/>
-                      <a:r>
-                        <a:rPr lang="pt-BR" sz="2400" b="0" i="0" u="none" strike="noStrike">
-                          <a:solidFill>
-                            <a:srgbClr val="000000"/>
-                          </a:solidFill>
-                          <a:effectLst/>
-                          <a:latin typeface="Calibri" panose="020F0502020204030204" pitchFamily="34" charset="0"/>
-                        </a:rPr>
-                        <a:t>100,00%</a:t>
-                      </a:r>
-                    </a:p>
-                  </a:txBody>
-                  <a:tcPr marL="6350" marR="6350" marT="6350" marB="0" anchor="b">
-                    <a:lnL w="6350" cap="flat" cmpd="sng" algn="ctr">
-                      <a:solidFill>
-                        <a:srgbClr val="000000"/>
-                      </a:solidFill>
-                      <a:prstDash val="solid"/>
-                      <a:round/>
-                      <a:headEnd type="none" w="med" len="med"/>
-                      <a:tailEnd type="none" w="med" len="med"/>
-                    </a:lnL>
-                    <a:lnR w="6350" cap="flat" cmpd="sng" algn="ctr">
-                      <a:solidFill>
-                        <a:srgbClr val="000000"/>
-                      </a:solidFill>
-                      <a:prstDash val="solid"/>
-                      <a:round/>
-                      <a:headEnd type="none" w="med" len="med"/>
-                      <a:tailEnd type="none" w="med" len="med"/>
-                    </a:lnR>
-                    <a:lnT w="6350" cap="flat" cmpd="sng" algn="ctr">
-                      <a:solidFill>
-                        <a:srgbClr val="000000"/>
-                      </a:solidFill>
-                      <a:prstDash val="solid"/>
-                      <a:round/>
-                      <a:headEnd type="none" w="med" len="med"/>
-                      <a:tailEnd type="none" w="med" len="med"/>
-                    </a:lnT>
-                    <a:lnB w="6350" cap="flat" cmpd="sng" algn="ctr">
-                      <a:solidFill>
-                        <a:srgbClr val="000000"/>
-                      </a:solidFill>
-                      <a:prstDash val="solid"/>
-                      <a:round/>
-                      <a:headEnd type="none" w="med" len="med"/>
-                      <a:tailEnd type="none" w="med" len="med"/>
-                    </a:lnB>
-                  </a:tcPr>
-                </a:tc>
-                <a:tc>
-                  <a:txBody>
-                    <a:bodyPr/>
-                    <a:lstStyle/>
-                    <a:p>
-                      <a:pPr algn="r" fontAlgn="b"/>
-                      <a:r>
-                        <a:rPr lang="pt-BR" sz="2400" b="0" i="0" u="none" strike="noStrike">
-                          <a:solidFill>
-                            <a:srgbClr val="000000"/>
-                          </a:solidFill>
-                          <a:effectLst/>
-                          <a:latin typeface="Calibri" panose="020F0502020204030204" pitchFamily="34" charset="0"/>
-                        </a:rPr>
-                        <a:t>0,00%</a:t>
-                      </a:r>
-                    </a:p>
-                  </a:txBody>
-                  <a:tcPr marL="6350" marR="6350" marT="6350" marB="0" anchor="b">
-                    <a:lnL w="6350" cap="flat" cmpd="sng" algn="ctr">
-                      <a:solidFill>
-                        <a:srgbClr val="000000"/>
-                      </a:solidFill>
-                      <a:prstDash val="solid"/>
-                      <a:round/>
-                      <a:headEnd type="none" w="med" len="med"/>
-                      <a:tailEnd type="none" w="med" len="med"/>
-                    </a:lnL>
-                    <a:lnR w="6350" cap="flat" cmpd="sng" algn="ctr">
-                      <a:solidFill>
-                        <a:srgbClr val="000000"/>
-                      </a:solidFill>
-                      <a:prstDash val="solid"/>
-                      <a:round/>
-                      <a:headEnd type="none" w="med" len="med"/>
-                      <a:tailEnd type="none" w="med" len="med"/>
-                    </a:lnR>
-                    <a:lnT w="6350" cap="flat" cmpd="sng" algn="ctr">
-                      <a:solidFill>
-                        <a:srgbClr val="000000"/>
-                      </a:solidFill>
-                      <a:prstDash val="solid"/>
-                      <a:round/>
-                      <a:headEnd type="none" w="med" len="med"/>
-                      <a:tailEnd type="none" w="med" len="med"/>
-                    </a:lnT>
-                    <a:lnB w="6350" cap="flat" cmpd="sng" algn="ctr">
-                      <a:solidFill>
-                        <a:srgbClr val="000000"/>
-                      </a:solidFill>
-                      <a:prstDash val="solid"/>
-                      <a:round/>
-                      <a:headEnd type="none" w="med" len="med"/>
-                      <a:tailEnd type="none" w="med" len="med"/>
-                    </a:lnB>
-                  </a:tcPr>
-                </a:tc>
-                <a:tc>
-                  <a:txBody>
-                    <a:bodyPr/>
-                    <a:lstStyle/>
-                    <a:p>
-                      <a:pPr algn="r" fontAlgn="b"/>
-                      <a:r>
-                        <a:rPr lang="pt-BR" sz="2400" b="0" i="0" u="none" strike="noStrike" dirty="0">
-                          <a:solidFill>
-                            <a:srgbClr val="000000"/>
-                          </a:solidFill>
-                          <a:effectLst/>
-                          <a:latin typeface="Calibri" panose="020F0502020204030204" pitchFamily="34" charset="0"/>
-                        </a:rPr>
-                        <a:t>100,00%</a:t>
-                      </a:r>
-                    </a:p>
-                  </a:txBody>
-                  <a:tcPr marL="6350" marR="6350" marT="6350" marB="0" anchor="b">
-                    <a:lnL w="6350" cap="flat" cmpd="sng" algn="ctr">
-                      <a:solidFill>
-                        <a:srgbClr val="000000"/>
-                      </a:solidFill>
-                      <a:prstDash val="solid"/>
-                      <a:round/>
-                      <a:headEnd type="none" w="med" len="med"/>
-                      <a:tailEnd type="none" w="med" len="med"/>
-                    </a:lnL>
-                    <a:lnR w="6350" cap="flat" cmpd="sng" algn="ctr">
-                      <a:solidFill>
-                        <a:srgbClr val="000000"/>
-                      </a:solidFill>
-                      <a:prstDash val="solid"/>
-                      <a:round/>
-                      <a:headEnd type="none" w="med" len="med"/>
-                      <a:tailEnd type="none" w="med" len="med"/>
-                    </a:lnR>
-                    <a:lnT w="6350" cap="flat" cmpd="sng" algn="ctr">
-                      <a:solidFill>
-                        <a:srgbClr val="000000"/>
-                      </a:solidFill>
-                      <a:prstDash val="solid"/>
-                      <a:round/>
-                      <a:headEnd type="none" w="med" len="med"/>
-                      <a:tailEnd type="none" w="med" len="med"/>
-                    </a:lnT>
-                    <a:lnB w="6350" cap="flat" cmpd="sng" algn="ctr">
-                      <a:solidFill>
-                        <a:srgbClr val="000000"/>
-                      </a:solidFill>
-                      <a:prstDash val="solid"/>
-                      <a:round/>
-                      <a:headEnd type="none" w="med" len="med"/>
-                      <a:tailEnd type="none" w="med" len="med"/>
-                    </a:lnB>
-                  </a:tcPr>
-                </a:tc>
-                <a:extLst>
-                  <a:ext uri="{0D108BD9-81ED-4DB2-BD59-A6C34878D82A}">
-                    <a16:rowId xmlns:a16="http://schemas.microsoft.com/office/drawing/2014/main" val="1950583675"/>
-                  </a:ext>
-                </a:extLst>
-              </a:tr>
-            </a:tbl>
-          </a:graphicData>
-        </a:graphic>
-      </p:graphicFrame>
-      <p:pic>
-        <p:nvPicPr>
-          <p:cNvPr id="5" name="Imagem 4"/>
-          <p:cNvPicPr>
-            <a:picLocks noChangeAspect="1"/>
-          </p:cNvPicPr>
-          <p:nvPr/>
-        </p:nvPicPr>
-        <p:blipFill>
-          <a:blip r:embed="rId2"/>
-          <a:stretch>
-            <a:fillRect/>
-          </a:stretch>
-        </p:blipFill>
-        <p:spPr>
-          <a:xfrm>
-            <a:off x="1849348" y="2579793"/>
-            <a:ext cx="9287839" cy="3605250"/>
-          </a:xfrm>
-          <a:prstGeom prst="rect">
-            <a:avLst/>
-          </a:prstGeom>
-        </p:spPr>
-      </p:pic>
     </p:spTree>
     <p:extLst>
       <p:ext uri="{BB962C8B-B14F-4D97-AF65-F5344CB8AC3E}">
-        <p14:creationId xmlns:p14="http://schemas.microsoft.com/office/powerpoint/2010/main" val="3234958837"/>
+        <p14:creationId xmlns:p14="http://schemas.microsoft.com/office/powerpoint/2010/main" val="4111278658"/>
       </p:ext>
     </p:extLst>
   </p:cSld>
@@ -8377,7 +9870,7 @@
       </p:grpSpPr>
       <p:pic>
         <p:nvPicPr>
-          <p:cNvPr id="3" name="Imagem 2"/>
+          <p:cNvPr id="6" name="Imagem 5"/>
           <p:cNvPicPr>
             <a:picLocks noChangeAspect="1"/>
           </p:cNvPicPr>
@@ -8391,8 +9884,8 @@
         </p:blipFill>
         <p:spPr>
           <a:xfrm>
-            <a:off x="1819275" y="219075"/>
-            <a:ext cx="8553450" cy="6419850"/>
+            <a:off x="1084293" y="297951"/>
+            <a:ext cx="10710439" cy="5959011"/>
           </a:xfrm>
           <a:prstGeom prst="rect">
             <a:avLst/>
@@ -8402,7 +9895,7 @@
     </p:spTree>
     <p:extLst>
       <p:ext uri="{BB962C8B-B14F-4D97-AF65-F5344CB8AC3E}">
-        <p14:creationId xmlns:p14="http://schemas.microsoft.com/office/powerpoint/2010/main" val="4111278658"/>
+        <p14:creationId xmlns:p14="http://schemas.microsoft.com/office/powerpoint/2010/main" val="395552234"/>
       </p:ext>
     </p:extLst>
   </p:cSld>

--- a/Apresentação time cinco.pptx
+++ b/Apresentação time cinco.pptx
@@ -4,6 +4,9 @@
   <p:sldMasterIdLst>
     <p:sldMasterId id="2147483648" r:id="rId1"/>
   </p:sldMasterIdLst>
+  <p:notesMasterIdLst>
+    <p:notesMasterId r:id="rId19"/>
+  </p:notesMasterIdLst>
   <p:sldIdLst>
     <p:sldId id="256" r:id="rId2"/>
     <p:sldId id="268" r:id="rId3"/>
@@ -11,13 +14,17 @@
     <p:sldId id="262" r:id="rId5"/>
     <p:sldId id="260" r:id="rId6"/>
     <p:sldId id="261" r:id="rId7"/>
-    <p:sldId id="257" r:id="rId8"/>
-    <p:sldId id="263" r:id="rId9"/>
-    <p:sldId id="264" r:id="rId10"/>
-    <p:sldId id="265" r:id="rId11"/>
-    <p:sldId id="266" r:id="rId12"/>
-    <p:sldId id="267" r:id="rId13"/>
-    <p:sldId id="269" r:id="rId14"/>
+    <p:sldId id="270" r:id="rId8"/>
+    <p:sldId id="272" r:id="rId9"/>
+    <p:sldId id="273" r:id="rId10"/>
+    <p:sldId id="257" r:id="rId11"/>
+    <p:sldId id="274" r:id="rId12"/>
+    <p:sldId id="263" r:id="rId13"/>
+    <p:sldId id="264" r:id="rId14"/>
+    <p:sldId id="265" r:id="rId15"/>
+    <p:sldId id="266" r:id="rId16"/>
+    <p:sldId id="267" r:id="rId17"/>
+    <p:sldId id="269" r:id="rId18"/>
   </p:sldIdLst>
   <p:sldSz cx="12192000" cy="6858000"/>
   <p:notesSz cx="6858000" cy="9144000"/>
@@ -441,7 +448,6 @@
     </c:plotArea>
     <c:legend>
       <c:legendPos val="b"/>
-      <c:layout/>
       <c:overlay val="0"/>
       <c:spPr>
         <a:noFill/>
@@ -815,7 +821,6 @@
     </c:plotArea>
     <c:legend>
       <c:legendPos val="b"/>
-      <c:layout/>
       <c:overlay val="0"/>
       <c:spPr>
         <a:noFill/>
@@ -1958,6 +1963,442 @@
 </cs:chartStyle>
 </file>
 
+<file path=ppt/notesMasters/notesMaster1.xml><?xml version="1.0" encoding="utf-8"?>
+<p:notesMaster xmlns:a="http://schemas.openxmlformats.org/drawingml/2006/main" xmlns:r="http://schemas.openxmlformats.org/officeDocument/2006/relationships" xmlns:p="http://schemas.openxmlformats.org/presentationml/2006/main">
+  <p:cSld>
+    <p:bg>
+      <p:bgRef idx="1001">
+        <a:schemeClr val="bg1"/>
+      </p:bgRef>
+    </p:bg>
+    <p:spTree>
+      <p:nvGrpSpPr>
+        <p:cNvPr id="1" name=""/>
+        <p:cNvGrpSpPr/>
+        <p:nvPr/>
+      </p:nvGrpSpPr>
+      <p:grpSpPr>
+        <a:xfrm>
+          <a:off x="0" y="0"/>
+          <a:ext cx="0" cy="0"/>
+          <a:chOff x="0" y="0"/>
+          <a:chExt cx="0" cy="0"/>
+        </a:xfrm>
+      </p:grpSpPr>
+      <p:sp>
+        <p:nvSpPr>
+          <p:cNvPr id="2" name="Espaço Reservado para Cabeçalho 1"/>
+          <p:cNvSpPr>
+            <a:spLocks noGrp="1"/>
+          </p:cNvSpPr>
+          <p:nvPr>
+            <p:ph type="hdr" sz="quarter"/>
+          </p:nvPr>
+        </p:nvSpPr>
+        <p:spPr>
+          <a:xfrm>
+            <a:off x="0" y="0"/>
+            <a:ext cx="2971800" cy="458788"/>
+          </a:xfrm>
+          <a:prstGeom prst="rect">
+            <a:avLst/>
+          </a:prstGeom>
+        </p:spPr>
+        <p:txBody>
+          <a:bodyPr vert="horz" lIns="91440" tIns="45720" rIns="91440" bIns="45720" rtlCol="0"/>
+          <a:lstStyle>
+            <a:lvl1pPr algn="l">
+              <a:defRPr sz="1200"/>
+            </a:lvl1pPr>
+          </a:lstStyle>
+          <a:p>
+            <a:endParaRPr lang="pt-BR"/>
+          </a:p>
+        </p:txBody>
+      </p:sp>
+      <p:sp>
+        <p:nvSpPr>
+          <p:cNvPr id="3" name="Espaço Reservado para Data 2"/>
+          <p:cNvSpPr>
+            <a:spLocks noGrp="1"/>
+          </p:cNvSpPr>
+          <p:nvPr>
+            <p:ph type="dt" idx="1"/>
+          </p:nvPr>
+        </p:nvSpPr>
+        <p:spPr>
+          <a:xfrm>
+            <a:off x="3884613" y="0"/>
+            <a:ext cx="2971800" cy="458788"/>
+          </a:xfrm>
+          <a:prstGeom prst="rect">
+            <a:avLst/>
+          </a:prstGeom>
+        </p:spPr>
+        <p:txBody>
+          <a:bodyPr vert="horz" lIns="91440" tIns="45720" rIns="91440" bIns="45720" rtlCol="0"/>
+          <a:lstStyle>
+            <a:lvl1pPr algn="r">
+              <a:defRPr sz="1200"/>
+            </a:lvl1pPr>
+          </a:lstStyle>
+          <a:p>
+            <a:fld id="{CCF7A20F-AA80-4A1A-B76D-77FE4CB28634}" type="datetimeFigureOut">
+              <a:rPr lang="pt-BR" smtClean="0"/>
+              <a:t>11/04/2025</a:t>
+            </a:fld>
+            <a:endParaRPr lang="pt-BR"/>
+          </a:p>
+        </p:txBody>
+      </p:sp>
+      <p:sp>
+        <p:nvSpPr>
+          <p:cNvPr id="4" name="Espaço Reservado para Imagem de Slide 3"/>
+          <p:cNvSpPr>
+            <a:spLocks noGrp="1" noRot="1" noChangeAspect="1"/>
+          </p:cNvSpPr>
+          <p:nvPr>
+            <p:ph type="sldImg" idx="2"/>
+          </p:nvPr>
+        </p:nvSpPr>
+        <p:spPr>
+          <a:xfrm>
+            <a:off x="685800" y="1143000"/>
+            <a:ext cx="5486400" cy="3086100"/>
+          </a:xfrm>
+          <a:prstGeom prst="rect">
+            <a:avLst/>
+          </a:prstGeom>
+          <a:noFill/>
+          <a:ln w="12700">
+            <a:solidFill>
+              <a:prstClr val="black"/>
+            </a:solidFill>
+          </a:ln>
+        </p:spPr>
+        <p:txBody>
+          <a:bodyPr vert="horz" lIns="91440" tIns="45720" rIns="91440" bIns="45720" rtlCol="0" anchor="ctr"/>
+          <a:lstStyle/>
+          <a:p>
+            <a:endParaRPr lang="pt-BR"/>
+          </a:p>
+        </p:txBody>
+      </p:sp>
+      <p:sp>
+        <p:nvSpPr>
+          <p:cNvPr id="5" name="Espaço Reservado para Anotações 4"/>
+          <p:cNvSpPr>
+            <a:spLocks noGrp="1"/>
+          </p:cNvSpPr>
+          <p:nvPr>
+            <p:ph type="body" sz="quarter" idx="3"/>
+          </p:nvPr>
+        </p:nvSpPr>
+        <p:spPr>
+          <a:xfrm>
+            <a:off x="685800" y="4400550"/>
+            <a:ext cx="5486400" cy="3600450"/>
+          </a:xfrm>
+          <a:prstGeom prst="rect">
+            <a:avLst/>
+          </a:prstGeom>
+        </p:spPr>
+        <p:txBody>
+          <a:bodyPr vert="horz" lIns="91440" tIns="45720" rIns="91440" bIns="45720" rtlCol="0"/>
+          <a:lstStyle/>
+          <a:p>
+            <a:pPr lvl="0"/>
+            <a:r>
+              <a:rPr lang="pt-BR"/>
+              <a:t>Editar estilos de texto Mestre</a:t>
+            </a:r>
+          </a:p>
+          <a:p>
+            <a:pPr lvl="1"/>
+            <a:r>
+              <a:rPr lang="pt-BR"/>
+              <a:t>Segundo nível</a:t>
+            </a:r>
+          </a:p>
+          <a:p>
+            <a:pPr lvl="2"/>
+            <a:r>
+              <a:rPr lang="pt-BR"/>
+              <a:t>Terceiro nível</a:t>
+            </a:r>
+          </a:p>
+          <a:p>
+            <a:pPr lvl="3"/>
+            <a:r>
+              <a:rPr lang="pt-BR"/>
+              <a:t>Quarto nível</a:t>
+            </a:r>
+          </a:p>
+          <a:p>
+            <a:pPr lvl="4"/>
+            <a:r>
+              <a:rPr lang="pt-BR"/>
+              <a:t>Quinto nível</a:t>
+            </a:r>
+          </a:p>
+        </p:txBody>
+      </p:sp>
+      <p:sp>
+        <p:nvSpPr>
+          <p:cNvPr id="6" name="Espaço Reservado para Rodapé 5"/>
+          <p:cNvSpPr>
+            <a:spLocks noGrp="1"/>
+          </p:cNvSpPr>
+          <p:nvPr>
+            <p:ph type="ftr" sz="quarter" idx="4"/>
+          </p:nvPr>
+        </p:nvSpPr>
+        <p:spPr>
+          <a:xfrm>
+            <a:off x="0" y="8685213"/>
+            <a:ext cx="2971800" cy="458787"/>
+          </a:xfrm>
+          <a:prstGeom prst="rect">
+            <a:avLst/>
+          </a:prstGeom>
+        </p:spPr>
+        <p:txBody>
+          <a:bodyPr vert="horz" lIns="91440" tIns="45720" rIns="91440" bIns="45720" rtlCol="0" anchor="b"/>
+          <a:lstStyle>
+            <a:lvl1pPr algn="l">
+              <a:defRPr sz="1200"/>
+            </a:lvl1pPr>
+          </a:lstStyle>
+          <a:p>
+            <a:endParaRPr lang="pt-BR"/>
+          </a:p>
+        </p:txBody>
+      </p:sp>
+      <p:sp>
+        <p:nvSpPr>
+          <p:cNvPr id="7" name="Espaço Reservado para Número de Slide 6"/>
+          <p:cNvSpPr>
+            <a:spLocks noGrp="1"/>
+          </p:cNvSpPr>
+          <p:nvPr>
+            <p:ph type="sldNum" sz="quarter" idx="5"/>
+          </p:nvPr>
+        </p:nvSpPr>
+        <p:spPr>
+          <a:xfrm>
+            <a:off x="3884613" y="8685213"/>
+            <a:ext cx="2971800" cy="458787"/>
+          </a:xfrm>
+          <a:prstGeom prst="rect">
+            <a:avLst/>
+          </a:prstGeom>
+        </p:spPr>
+        <p:txBody>
+          <a:bodyPr vert="horz" lIns="91440" tIns="45720" rIns="91440" bIns="45720" rtlCol="0" anchor="b"/>
+          <a:lstStyle>
+            <a:lvl1pPr algn="r">
+              <a:defRPr sz="1200"/>
+            </a:lvl1pPr>
+          </a:lstStyle>
+          <a:p>
+            <a:fld id="{324A912D-AD75-452F-9B43-34B98177C738}" type="slidenum">
+              <a:rPr lang="pt-BR" smtClean="0"/>
+              <a:t>‹nº›</a:t>
+            </a:fld>
+            <a:endParaRPr lang="pt-BR"/>
+          </a:p>
+        </p:txBody>
+      </p:sp>
+    </p:spTree>
+    <p:extLst>
+      <p:ext uri="{BB962C8B-B14F-4D97-AF65-F5344CB8AC3E}">
+        <p14:creationId xmlns:p14="http://schemas.microsoft.com/office/powerpoint/2010/main" val="3998718308"/>
+      </p:ext>
+    </p:extLst>
+  </p:cSld>
+  <p:clrMap bg1="lt1" tx1="dk1" bg2="lt2" tx2="dk2" accent1="accent1" accent2="accent2" accent3="accent3" accent4="accent4" accent5="accent5" accent6="accent6" hlink="hlink" folHlink="folHlink"/>
+  <p:notesStyle>
+    <a:lvl1pPr marL="0" algn="l" defTabSz="914400" rtl="0" eaLnBrk="1" latinLnBrk="0" hangingPunct="1">
+      <a:defRPr sz="1200" kern="1200">
+        <a:solidFill>
+          <a:schemeClr val="tx1"/>
+        </a:solidFill>
+        <a:latin typeface="+mn-lt"/>
+        <a:ea typeface="+mn-ea"/>
+        <a:cs typeface="+mn-cs"/>
+      </a:defRPr>
+    </a:lvl1pPr>
+    <a:lvl2pPr marL="457200" algn="l" defTabSz="914400" rtl="0" eaLnBrk="1" latinLnBrk="0" hangingPunct="1">
+      <a:defRPr sz="1200" kern="1200">
+        <a:solidFill>
+          <a:schemeClr val="tx1"/>
+        </a:solidFill>
+        <a:latin typeface="+mn-lt"/>
+        <a:ea typeface="+mn-ea"/>
+        <a:cs typeface="+mn-cs"/>
+      </a:defRPr>
+    </a:lvl2pPr>
+    <a:lvl3pPr marL="914400" algn="l" defTabSz="914400" rtl="0" eaLnBrk="1" latinLnBrk="0" hangingPunct="1">
+      <a:defRPr sz="1200" kern="1200">
+        <a:solidFill>
+          <a:schemeClr val="tx1"/>
+        </a:solidFill>
+        <a:latin typeface="+mn-lt"/>
+        <a:ea typeface="+mn-ea"/>
+        <a:cs typeface="+mn-cs"/>
+      </a:defRPr>
+    </a:lvl3pPr>
+    <a:lvl4pPr marL="1371600" algn="l" defTabSz="914400" rtl="0" eaLnBrk="1" latinLnBrk="0" hangingPunct="1">
+      <a:defRPr sz="1200" kern="1200">
+        <a:solidFill>
+          <a:schemeClr val="tx1"/>
+        </a:solidFill>
+        <a:latin typeface="+mn-lt"/>
+        <a:ea typeface="+mn-ea"/>
+        <a:cs typeface="+mn-cs"/>
+      </a:defRPr>
+    </a:lvl4pPr>
+    <a:lvl5pPr marL="1828800" algn="l" defTabSz="914400" rtl="0" eaLnBrk="1" latinLnBrk="0" hangingPunct="1">
+      <a:defRPr sz="1200" kern="1200">
+        <a:solidFill>
+          <a:schemeClr val="tx1"/>
+        </a:solidFill>
+        <a:latin typeface="+mn-lt"/>
+        <a:ea typeface="+mn-ea"/>
+        <a:cs typeface="+mn-cs"/>
+      </a:defRPr>
+    </a:lvl5pPr>
+    <a:lvl6pPr marL="2286000" algn="l" defTabSz="914400" rtl="0" eaLnBrk="1" latinLnBrk="0" hangingPunct="1">
+      <a:defRPr sz="1200" kern="1200">
+        <a:solidFill>
+          <a:schemeClr val="tx1"/>
+        </a:solidFill>
+        <a:latin typeface="+mn-lt"/>
+        <a:ea typeface="+mn-ea"/>
+        <a:cs typeface="+mn-cs"/>
+      </a:defRPr>
+    </a:lvl6pPr>
+    <a:lvl7pPr marL="2743200" algn="l" defTabSz="914400" rtl="0" eaLnBrk="1" latinLnBrk="0" hangingPunct="1">
+      <a:defRPr sz="1200" kern="1200">
+        <a:solidFill>
+          <a:schemeClr val="tx1"/>
+        </a:solidFill>
+        <a:latin typeface="+mn-lt"/>
+        <a:ea typeface="+mn-ea"/>
+        <a:cs typeface="+mn-cs"/>
+      </a:defRPr>
+    </a:lvl7pPr>
+    <a:lvl8pPr marL="3200400" algn="l" defTabSz="914400" rtl="0" eaLnBrk="1" latinLnBrk="0" hangingPunct="1">
+      <a:defRPr sz="1200" kern="1200">
+        <a:solidFill>
+          <a:schemeClr val="tx1"/>
+        </a:solidFill>
+        <a:latin typeface="+mn-lt"/>
+        <a:ea typeface="+mn-ea"/>
+        <a:cs typeface="+mn-cs"/>
+      </a:defRPr>
+    </a:lvl8pPr>
+    <a:lvl9pPr marL="3657600" algn="l" defTabSz="914400" rtl="0" eaLnBrk="1" latinLnBrk="0" hangingPunct="1">
+      <a:defRPr sz="1200" kern="1200">
+        <a:solidFill>
+          <a:schemeClr val="tx1"/>
+        </a:solidFill>
+        <a:latin typeface="+mn-lt"/>
+        <a:ea typeface="+mn-ea"/>
+        <a:cs typeface="+mn-cs"/>
+      </a:defRPr>
+    </a:lvl9pPr>
+  </p:notesStyle>
+</p:notesMaster>
+</file>
+
+<file path=ppt/notesSlides/notesSlide1.xml><?xml version="1.0" encoding="utf-8"?>
+<p:notes xmlns:a="http://schemas.openxmlformats.org/drawingml/2006/main" xmlns:r="http://schemas.openxmlformats.org/officeDocument/2006/relationships" xmlns:p="http://schemas.openxmlformats.org/presentationml/2006/main">
+  <p:cSld>
+    <p:spTree>
+      <p:nvGrpSpPr>
+        <p:cNvPr id="1" name=""/>
+        <p:cNvGrpSpPr/>
+        <p:nvPr/>
+      </p:nvGrpSpPr>
+      <p:grpSpPr>
+        <a:xfrm>
+          <a:off x="0" y="0"/>
+          <a:ext cx="0" cy="0"/>
+          <a:chOff x="0" y="0"/>
+          <a:chExt cx="0" cy="0"/>
+        </a:xfrm>
+      </p:grpSpPr>
+      <p:sp>
+        <p:nvSpPr>
+          <p:cNvPr id="2" name="Espaço Reservado para Imagem de Slide 1"/>
+          <p:cNvSpPr>
+            <a:spLocks noGrp="1" noRot="1" noChangeAspect="1"/>
+          </p:cNvSpPr>
+          <p:nvPr>
+            <p:ph type="sldImg"/>
+          </p:nvPr>
+        </p:nvSpPr>
+        <p:spPr/>
+      </p:sp>
+      <p:sp>
+        <p:nvSpPr>
+          <p:cNvPr id="3" name="Espaço Reservado para Anotações 2"/>
+          <p:cNvSpPr>
+            <a:spLocks noGrp="1"/>
+          </p:cNvSpPr>
+          <p:nvPr>
+            <p:ph type="body" idx="1"/>
+          </p:nvPr>
+        </p:nvSpPr>
+        <p:spPr/>
+        <p:txBody>
+          <a:bodyPr/>
+          <a:lstStyle/>
+          <a:p>
+            <a:r>
+              <a:rPr lang="pt-BR" sz="1800" b="1" dirty="0"/>
+              <a:t>GRUPO 6</a:t>
+            </a:r>
+          </a:p>
+        </p:txBody>
+      </p:sp>
+      <p:sp>
+        <p:nvSpPr>
+          <p:cNvPr id="4" name="Espaço Reservado para Número de Slide 3"/>
+          <p:cNvSpPr>
+            <a:spLocks noGrp="1"/>
+          </p:cNvSpPr>
+          <p:nvPr>
+            <p:ph type="sldNum" sz="quarter" idx="5"/>
+          </p:nvPr>
+        </p:nvSpPr>
+        <p:spPr/>
+        <p:txBody>
+          <a:bodyPr/>
+          <a:lstStyle/>
+          <a:p>
+            <a:fld id="{324A912D-AD75-452F-9B43-34B98177C738}" type="slidenum">
+              <a:rPr lang="pt-BR" smtClean="0"/>
+              <a:t>10</a:t>
+            </a:fld>
+            <a:endParaRPr lang="pt-BR"/>
+          </a:p>
+        </p:txBody>
+      </p:sp>
+    </p:spTree>
+    <p:extLst>
+      <p:ext uri="{BB962C8B-B14F-4D97-AF65-F5344CB8AC3E}">
+        <p14:creationId xmlns:p14="http://schemas.microsoft.com/office/powerpoint/2010/main" val="1359913603"/>
+      </p:ext>
+    </p:extLst>
+  </p:cSld>
+  <p:clrMapOvr>
+    <a:masterClrMapping/>
+  </p:clrMapOvr>
+</p:notes>
+</file>
+
 <file path=ppt/slideLayouts/slideLayout1.xml><?xml version="1.0" encoding="utf-8"?>
 <p:sldLayout xmlns:a="http://schemas.openxmlformats.org/drawingml/2006/main" xmlns:r="http://schemas.openxmlformats.org/officeDocument/2006/relationships" xmlns:p="http://schemas.openxmlformats.org/presentationml/2006/main" showMasterSp="0" type="title" preserve="1">
   <p:cSld name="Slide de Título">
@@ -2014,7 +2455,7 @@
           </a:lstStyle>
           <a:p>
             <a:r>
-              <a:rPr lang="pt-BR" smtClean="0"/>
+              <a:rPr lang="pt-BR"/>
               <a:t>Clique para editar o título mestre</a:t>
             </a:r>
             <a:endParaRPr lang="en-US" dirty="0"/>
@@ -2090,7 +2531,7 @@
           </a:lstStyle>
           <a:p>
             <a:r>
-              <a:rPr lang="pt-BR" smtClean="0"/>
+              <a:rPr lang="pt-BR"/>
               <a:t>Clique para editar o estilo do subtítulo Mestre</a:t>
             </a:r>
             <a:endParaRPr lang="en-US" dirty="0"/>
@@ -2128,7 +2569,7 @@
             <a:fld id="{87DE6118-2437-4B30-8E3C-4D2BE6020583}" type="datetimeFigureOut">
               <a:rPr lang="en-US" dirty="0"/>
               <a:pPr/>
-              <a:t>4/8/2025</a:t>
+              <a:t>4/11/2025</a:t>
             </a:fld>
             <a:endParaRPr lang="en-US" dirty="0"/>
           </a:p>
@@ -2373,7 +2814,7 @@
           <a:lstStyle/>
           <a:p>
             <a:r>
-              <a:rPr lang="pt-BR" smtClean="0"/>
+              <a:rPr lang="pt-BR"/>
               <a:t>Clique para editar o título mestre</a:t>
             </a:r>
             <a:endParaRPr lang="en-US" dirty="0"/>
@@ -2402,35 +2843,35 @@
           <a:p>
             <a:pPr lvl="0"/>
             <a:r>
-              <a:rPr lang="pt-BR" smtClean="0"/>
+              <a:rPr lang="pt-BR"/>
               <a:t>Editar estilos de texto Mestre</a:t>
             </a:r>
           </a:p>
           <a:p>
             <a:pPr lvl="1"/>
             <a:r>
-              <a:rPr lang="pt-BR" smtClean="0"/>
+              <a:rPr lang="pt-BR"/>
               <a:t>Segundo nível</a:t>
             </a:r>
           </a:p>
           <a:p>
             <a:pPr lvl="2"/>
             <a:r>
-              <a:rPr lang="pt-BR" smtClean="0"/>
+              <a:rPr lang="pt-BR"/>
               <a:t>Terceiro nível</a:t>
             </a:r>
           </a:p>
           <a:p>
             <a:pPr lvl="3"/>
             <a:r>
-              <a:rPr lang="pt-BR" smtClean="0"/>
+              <a:rPr lang="pt-BR"/>
               <a:t>Quarto nível</a:t>
             </a:r>
           </a:p>
           <a:p>
             <a:pPr lvl="4"/>
             <a:r>
-              <a:rPr lang="pt-BR" smtClean="0"/>
+              <a:rPr lang="pt-BR"/>
               <a:t>Quinto nível</a:t>
             </a:r>
             <a:endParaRPr lang="en-US" dirty="0"/>
@@ -2454,7 +2895,7 @@
           <a:p>
             <a:fld id="{87DE6118-2437-4B30-8E3C-4D2BE6020583}" type="datetimeFigureOut">
               <a:rPr lang="en-US" dirty="0"/>
-              <a:t>4/8/2025</a:t>
+              <a:t>4/11/2025</a:t>
             </a:fld>
             <a:endParaRPr lang="en-US" dirty="0"/>
           </a:p>
@@ -2548,7 +2989,7 @@
           <a:lstStyle/>
           <a:p>
             <a:r>
-              <a:rPr lang="pt-BR" smtClean="0"/>
+              <a:rPr lang="pt-BR"/>
               <a:t>Clique para editar o título mestre</a:t>
             </a:r>
             <a:endParaRPr lang="en-US" dirty="0"/>
@@ -2577,35 +3018,35 @@
           <a:p>
             <a:pPr lvl="0"/>
             <a:r>
-              <a:rPr lang="pt-BR" smtClean="0"/>
+              <a:rPr lang="pt-BR"/>
               <a:t>Editar estilos de texto Mestre</a:t>
             </a:r>
           </a:p>
           <a:p>
             <a:pPr lvl="1"/>
             <a:r>
-              <a:rPr lang="pt-BR" smtClean="0"/>
+              <a:rPr lang="pt-BR"/>
               <a:t>Segundo nível</a:t>
             </a:r>
           </a:p>
           <a:p>
             <a:pPr lvl="2"/>
             <a:r>
-              <a:rPr lang="pt-BR" smtClean="0"/>
+              <a:rPr lang="pt-BR"/>
               <a:t>Terceiro nível</a:t>
             </a:r>
           </a:p>
           <a:p>
             <a:pPr lvl="3"/>
             <a:r>
-              <a:rPr lang="pt-BR" smtClean="0"/>
+              <a:rPr lang="pt-BR"/>
               <a:t>Quarto nível</a:t>
             </a:r>
           </a:p>
           <a:p>
             <a:pPr lvl="4"/>
             <a:r>
-              <a:rPr lang="pt-BR" smtClean="0"/>
+              <a:rPr lang="pt-BR"/>
               <a:t>Quinto nível</a:t>
             </a:r>
             <a:endParaRPr lang="en-US" dirty="0"/>
@@ -2629,7 +3070,7 @@
           <a:p>
             <a:fld id="{87DE6118-2437-4B30-8E3C-4D2BE6020583}" type="datetimeFigureOut">
               <a:rPr lang="en-US" dirty="0"/>
-              <a:t>4/8/2025</a:t>
+              <a:t>4/11/2025</a:t>
             </a:fld>
             <a:endParaRPr lang="en-US" dirty="0"/>
           </a:p>
@@ -2718,7 +3159,7 @@
           <a:lstStyle/>
           <a:p>
             <a:r>
-              <a:rPr lang="pt-BR" smtClean="0"/>
+              <a:rPr lang="pt-BR"/>
               <a:t>Clique para editar o título mestre</a:t>
             </a:r>
             <a:endParaRPr lang="en-US" dirty="0"/>
@@ -2742,35 +3183,35 @@
           <a:p>
             <a:pPr lvl="0"/>
             <a:r>
-              <a:rPr lang="pt-BR" smtClean="0"/>
+              <a:rPr lang="pt-BR"/>
               <a:t>Editar estilos de texto Mestre</a:t>
             </a:r>
           </a:p>
           <a:p>
             <a:pPr lvl="1"/>
             <a:r>
-              <a:rPr lang="pt-BR" smtClean="0"/>
+              <a:rPr lang="pt-BR"/>
               <a:t>Segundo nível</a:t>
             </a:r>
           </a:p>
           <a:p>
             <a:pPr lvl="2"/>
             <a:r>
-              <a:rPr lang="pt-BR" smtClean="0"/>
+              <a:rPr lang="pt-BR"/>
               <a:t>Terceiro nível</a:t>
             </a:r>
           </a:p>
           <a:p>
             <a:pPr lvl="3"/>
             <a:r>
-              <a:rPr lang="pt-BR" smtClean="0"/>
+              <a:rPr lang="pt-BR"/>
               <a:t>Quarto nível</a:t>
             </a:r>
           </a:p>
           <a:p>
             <a:pPr lvl="4"/>
             <a:r>
-              <a:rPr lang="pt-BR" smtClean="0"/>
+              <a:rPr lang="pt-BR"/>
               <a:t>Quinto nível</a:t>
             </a:r>
             <a:endParaRPr lang="en-US" dirty="0"/>
@@ -2794,7 +3235,7 @@
           <a:p>
             <a:fld id="{87DE6118-2437-4B30-8E3C-4D2BE6020583}" type="datetimeFigureOut">
               <a:rPr lang="en-US" dirty="0"/>
-              <a:t>4/8/2025</a:t>
+              <a:t>4/11/2025</a:t>
             </a:fld>
             <a:endParaRPr lang="en-US" dirty="0"/>
           </a:p>
@@ -2903,7 +3344,7 @@
           </a:lstStyle>
           <a:p>
             <a:r>
-              <a:rPr lang="pt-BR" smtClean="0"/>
+              <a:rPr lang="pt-BR"/>
               <a:t>Clique para editar o título mestre</a:t>
             </a:r>
             <a:endParaRPr lang="en-US" dirty="0"/>
@@ -3030,7 +3471,7 @@
           <a:p>
             <a:pPr lvl="0"/>
             <a:r>
-              <a:rPr lang="pt-BR" smtClean="0"/>
+              <a:rPr lang="pt-BR"/>
               <a:t>Editar estilos de texto Mestre</a:t>
             </a:r>
           </a:p>
@@ -3067,7 +3508,7 @@
             <a:fld id="{87DE6118-2437-4B30-8E3C-4D2BE6020583}" type="datetimeFigureOut">
               <a:rPr lang="en-US" dirty="0"/>
               <a:pPr/>
-              <a:t>4/8/2025</a:t>
+              <a:t>4/11/2025</a:t>
             </a:fld>
             <a:endParaRPr lang="en-US" dirty="0"/>
           </a:p>
@@ -3247,7 +3688,7 @@
           </a:lstStyle>
           <a:p>
             <a:r>
-              <a:rPr lang="pt-BR" smtClean="0"/>
+              <a:rPr lang="pt-BR"/>
               <a:t>Clique para editar o título mestre</a:t>
             </a:r>
             <a:endParaRPr lang="en-US" dirty="0"/>
@@ -3312,35 +3753,35 @@
           <a:p>
             <a:pPr lvl="0"/>
             <a:r>
-              <a:rPr lang="pt-BR" smtClean="0"/>
+              <a:rPr lang="pt-BR"/>
               <a:t>Editar estilos de texto Mestre</a:t>
             </a:r>
           </a:p>
           <a:p>
             <a:pPr lvl="1"/>
             <a:r>
-              <a:rPr lang="pt-BR" smtClean="0"/>
+              <a:rPr lang="pt-BR"/>
               <a:t>Segundo nível</a:t>
             </a:r>
           </a:p>
           <a:p>
             <a:pPr lvl="2"/>
             <a:r>
-              <a:rPr lang="pt-BR" smtClean="0"/>
+              <a:rPr lang="pt-BR"/>
               <a:t>Terceiro nível</a:t>
             </a:r>
           </a:p>
           <a:p>
             <a:pPr lvl="3"/>
             <a:r>
-              <a:rPr lang="pt-BR" smtClean="0"/>
+              <a:rPr lang="pt-BR"/>
               <a:t>Quarto nível</a:t>
             </a:r>
           </a:p>
           <a:p>
             <a:pPr lvl="4"/>
             <a:r>
-              <a:rPr lang="pt-BR" smtClean="0"/>
+              <a:rPr lang="pt-BR"/>
               <a:t>Quinto nível</a:t>
             </a:r>
             <a:endParaRPr lang="en-US" dirty="0"/>
@@ -3405,35 +3846,35 @@
           <a:p>
             <a:pPr lvl="0"/>
             <a:r>
-              <a:rPr lang="pt-BR" smtClean="0"/>
+              <a:rPr lang="pt-BR"/>
               <a:t>Editar estilos de texto Mestre</a:t>
             </a:r>
           </a:p>
           <a:p>
             <a:pPr lvl="1"/>
             <a:r>
-              <a:rPr lang="pt-BR" smtClean="0"/>
+              <a:rPr lang="pt-BR"/>
               <a:t>Segundo nível</a:t>
             </a:r>
           </a:p>
           <a:p>
             <a:pPr lvl="2"/>
             <a:r>
-              <a:rPr lang="pt-BR" smtClean="0"/>
+              <a:rPr lang="pt-BR"/>
               <a:t>Terceiro nível</a:t>
             </a:r>
           </a:p>
           <a:p>
             <a:pPr lvl="3"/>
             <a:r>
-              <a:rPr lang="pt-BR" smtClean="0"/>
+              <a:rPr lang="pt-BR"/>
               <a:t>Quarto nível</a:t>
             </a:r>
           </a:p>
           <a:p>
             <a:pPr lvl="4"/>
             <a:r>
-              <a:rPr lang="pt-BR" smtClean="0"/>
+              <a:rPr lang="pt-BR"/>
               <a:t>Quinto nível</a:t>
             </a:r>
             <a:endParaRPr lang="en-US" dirty="0"/>
@@ -3457,7 +3898,7 @@
           <a:p>
             <a:fld id="{87DE6118-2437-4B30-8E3C-4D2BE6020583}" type="datetimeFigureOut">
               <a:rPr lang="en-US" dirty="0"/>
-              <a:t>4/8/2025</a:t>
+              <a:t>4/11/2025</a:t>
             </a:fld>
             <a:endParaRPr lang="en-US" dirty="0"/>
           </a:p>
@@ -3559,7 +4000,7 @@
           </a:lstStyle>
           <a:p>
             <a:r>
-              <a:rPr lang="pt-BR" smtClean="0"/>
+              <a:rPr lang="pt-BR"/>
               <a:t>Clique para editar o título mestre</a:t>
             </a:r>
             <a:endParaRPr lang="en-US" dirty="0"/>
@@ -3640,7 +4081,7 @@
           <a:p>
             <a:pPr lvl="0"/>
             <a:r>
-              <a:rPr lang="pt-BR" smtClean="0"/>
+              <a:rPr lang="pt-BR"/>
               <a:t>Editar estilos de texto Mestre</a:t>
             </a:r>
           </a:p>
@@ -3704,35 +4145,35 @@
           <a:p>
             <a:pPr lvl="0"/>
             <a:r>
-              <a:rPr lang="pt-BR" smtClean="0"/>
+              <a:rPr lang="pt-BR"/>
               <a:t>Editar estilos de texto Mestre</a:t>
             </a:r>
           </a:p>
           <a:p>
             <a:pPr lvl="1"/>
             <a:r>
-              <a:rPr lang="pt-BR" smtClean="0"/>
+              <a:rPr lang="pt-BR"/>
               <a:t>Segundo nível</a:t>
             </a:r>
           </a:p>
           <a:p>
             <a:pPr lvl="2"/>
             <a:r>
-              <a:rPr lang="pt-BR" smtClean="0"/>
+              <a:rPr lang="pt-BR"/>
               <a:t>Terceiro nível</a:t>
             </a:r>
           </a:p>
           <a:p>
             <a:pPr lvl="3"/>
             <a:r>
-              <a:rPr lang="pt-BR" smtClean="0"/>
+              <a:rPr lang="pt-BR"/>
               <a:t>Quarto nível</a:t>
             </a:r>
           </a:p>
           <a:p>
             <a:pPr lvl="4"/>
             <a:r>
-              <a:rPr lang="pt-BR" smtClean="0"/>
+              <a:rPr lang="pt-BR"/>
               <a:t>Quinto nível</a:t>
             </a:r>
             <a:endParaRPr lang="en-US" dirty="0"/>
@@ -3813,7 +4254,7 @@
           <a:p>
             <a:pPr lvl="0"/>
             <a:r>
-              <a:rPr lang="pt-BR" smtClean="0"/>
+              <a:rPr lang="pt-BR"/>
               <a:t>Editar estilos de texto Mestre</a:t>
             </a:r>
           </a:p>
@@ -3877,35 +4318,35 @@
           <a:p>
             <a:pPr lvl="0"/>
             <a:r>
-              <a:rPr lang="pt-BR" smtClean="0"/>
+              <a:rPr lang="pt-BR"/>
               <a:t>Editar estilos de texto Mestre</a:t>
             </a:r>
           </a:p>
           <a:p>
             <a:pPr lvl="1"/>
             <a:r>
-              <a:rPr lang="pt-BR" smtClean="0"/>
+              <a:rPr lang="pt-BR"/>
               <a:t>Segundo nível</a:t>
             </a:r>
           </a:p>
           <a:p>
             <a:pPr lvl="2"/>
             <a:r>
-              <a:rPr lang="pt-BR" smtClean="0"/>
+              <a:rPr lang="pt-BR"/>
               <a:t>Terceiro nível</a:t>
             </a:r>
           </a:p>
           <a:p>
             <a:pPr lvl="3"/>
             <a:r>
-              <a:rPr lang="pt-BR" smtClean="0"/>
+              <a:rPr lang="pt-BR"/>
               <a:t>Quarto nível</a:t>
             </a:r>
           </a:p>
           <a:p>
             <a:pPr lvl="4"/>
             <a:r>
-              <a:rPr lang="pt-BR" smtClean="0"/>
+              <a:rPr lang="pt-BR"/>
               <a:t>Quinto nível</a:t>
             </a:r>
             <a:endParaRPr lang="en-US" dirty="0"/>
@@ -3929,7 +4370,7 @@
           <a:p>
             <a:fld id="{87DE6118-2437-4B30-8E3C-4D2BE6020583}" type="datetimeFigureOut">
               <a:rPr lang="en-US" dirty="0"/>
-              <a:t>4/8/2025</a:t>
+              <a:t>4/11/2025</a:t>
             </a:fld>
             <a:endParaRPr lang="en-US" dirty="0"/>
           </a:p>
@@ -4018,7 +4459,7 @@
           <a:lstStyle/>
           <a:p>
             <a:r>
-              <a:rPr lang="pt-BR" smtClean="0"/>
+              <a:rPr lang="pt-BR"/>
               <a:t>Clique para editar o título mestre</a:t>
             </a:r>
             <a:endParaRPr lang="en-US" dirty="0"/>
@@ -4042,7 +4483,7 @@
           <a:p>
             <a:fld id="{87DE6118-2437-4B30-8E3C-4D2BE6020583}" type="datetimeFigureOut">
               <a:rPr lang="en-US" dirty="0"/>
-              <a:t>4/8/2025</a:t>
+              <a:t>4/11/2025</a:t>
             </a:fld>
             <a:endParaRPr lang="en-US" dirty="0"/>
           </a:p>
@@ -4132,7 +4573,7 @@
           <a:p>
             <a:fld id="{87DE6118-2437-4B30-8E3C-4D2BE6020583}" type="datetimeFigureOut">
               <a:rPr lang="en-US" dirty="0"/>
-              <a:t>4/8/2025</a:t>
+              <a:t>4/11/2025</a:t>
             </a:fld>
             <a:endParaRPr lang="en-US" dirty="0"/>
           </a:p>
@@ -4277,7 +4718,7 @@
           </a:lstStyle>
           <a:p>
             <a:r>
-              <a:rPr lang="pt-BR" smtClean="0"/>
+              <a:rPr lang="pt-BR"/>
               <a:t>Clique para editar o título mestre</a:t>
             </a:r>
             <a:endParaRPr lang="en-US" dirty="0"/>
@@ -4334,35 +4775,35 @@
           <a:p>
             <a:pPr lvl="0"/>
             <a:r>
-              <a:rPr lang="pt-BR" smtClean="0"/>
+              <a:rPr lang="pt-BR"/>
               <a:t>Editar estilos de texto Mestre</a:t>
             </a:r>
           </a:p>
           <a:p>
             <a:pPr lvl="1"/>
             <a:r>
-              <a:rPr lang="pt-BR" smtClean="0"/>
+              <a:rPr lang="pt-BR"/>
               <a:t>Segundo nível</a:t>
             </a:r>
           </a:p>
           <a:p>
             <a:pPr lvl="2"/>
             <a:r>
-              <a:rPr lang="pt-BR" smtClean="0"/>
+              <a:rPr lang="pt-BR"/>
               <a:t>Terceiro nível</a:t>
             </a:r>
           </a:p>
           <a:p>
             <a:pPr lvl="3"/>
             <a:r>
-              <a:rPr lang="pt-BR" smtClean="0"/>
+              <a:rPr lang="pt-BR"/>
               <a:t>Quarto nível</a:t>
             </a:r>
           </a:p>
           <a:p>
             <a:pPr lvl="4"/>
             <a:r>
-              <a:rPr lang="pt-BR" smtClean="0"/>
+              <a:rPr lang="pt-BR"/>
               <a:t>Quinto nível</a:t>
             </a:r>
             <a:endParaRPr lang="en-US" dirty="0"/>
@@ -4437,7 +4878,7 @@
           <a:p>
             <a:pPr lvl="0"/>
             <a:r>
-              <a:rPr lang="pt-BR" smtClean="0"/>
+              <a:rPr lang="pt-BR"/>
               <a:t>Editar estilos de texto Mestre</a:t>
             </a:r>
           </a:p>
@@ -4474,7 +4915,7 @@
             <a:fld id="{87DE6118-2437-4B30-8E3C-4D2BE6020583}" type="datetimeFigureOut">
               <a:rPr lang="en-US" dirty="0"/>
               <a:pPr/>
-              <a:t>4/8/2025</a:t>
+              <a:t>4/11/2025</a:t>
             </a:fld>
             <a:endParaRPr lang="en-US" dirty="0"/>
           </a:p>
@@ -4680,7 +5121,7 @@
           </a:lstStyle>
           <a:p>
             <a:r>
-              <a:rPr lang="pt-BR" smtClean="0"/>
+              <a:rPr lang="pt-BR"/>
               <a:t>Clique para editar o título mestre</a:t>
             </a:r>
             <a:endParaRPr lang="en-US" dirty="0"/>
@@ -4747,7 +5188,7 @@
           </a:lstStyle>
           <a:p>
             <a:r>
-              <a:rPr lang="pt-BR" smtClean="0"/>
+              <a:rPr lang="pt-BR"/>
               <a:t>Clique no ícone para adicionar uma imagem</a:t>
             </a:r>
             <a:endParaRPr lang="en-US" dirty="0"/>
@@ -4822,7 +5263,7 @@
           <a:p>
             <a:pPr lvl="0"/>
             <a:r>
-              <a:rPr lang="pt-BR" smtClean="0"/>
+              <a:rPr lang="pt-BR"/>
               <a:t>Editar estilos de texto Mestre</a:t>
             </a:r>
           </a:p>
@@ -4859,7 +5300,7 @@
             <a:fld id="{87DE6118-2437-4B30-8E3C-4D2BE6020583}" type="datetimeFigureOut">
               <a:rPr lang="en-US" dirty="0"/>
               <a:pPr/>
-              <a:t>4/8/2025</a:t>
+              <a:t>4/11/2025</a:t>
             </a:fld>
             <a:endParaRPr lang="en-US" dirty="0"/>
           </a:p>
@@ -5031,7 +5472,7 @@
           <a:lstStyle/>
           <a:p>
             <a:r>
-              <a:rPr lang="pt-BR" smtClean="0"/>
+              <a:rPr lang="pt-BR"/>
               <a:t>Clique para editar o título mestre</a:t>
             </a:r>
             <a:endParaRPr lang="en-US" dirty="0"/>
@@ -5065,35 +5506,35 @@
           <a:p>
             <a:pPr lvl="0"/>
             <a:r>
-              <a:rPr lang="pt-BR" smtClean="0"/>
+              <a:rPr lang="pt-BR"/>
               <a:t>Editar estilos de texto Mestre</a:t>
             </a:r>
           </a:p>
           <a:p>
             <a:pPr lvl="1"/>
             <a:r>
-              <a:rPr lang="pt-BR" smtClean="0"/>
+              <a:rPr lang="pt-BR"/>
               <a:t>Segundo nível</a:t>
             </a:r>
           </a:p>
           <a:p>
             <a:pPr lvl="2"/>
             <a:r>
-              <a:rPr lang="pt-BR" smtClean="0"/>
+              <a:rPr lang="pt-BR"/>
               <a:t>Terceiro nível</a:t>
             </a:r>
           </a:p>
           <a:p>
             <a:pPr lvl="3"/>
             <a:r>
-              <a:rPr lang="pt-BR" smtClean="0"/>
+              <a:rPr lang="pt-BR"/>
               <a:t>Quarto nível</a:t>
             </a:r>
           </a:p>
           <a:p>
             <a:pPr lvl="4"/>
             <a:r>
-              <a:rPr lang="pt-BR" smtClean="0"/>
+              <a:rPr lang="pt-BR"/>
               <a:t>Quinto nível</a:t>
             </a:r>
             <a:endParaRPr lang="en-US" dirty="0"/>
@@ -5134,7 +5575,7 @@
             <a:fld id="{87DE6118-2437-4B30-8E3C-4D2BE6020583}" type="datetimeFigureOut">
               <a:rPr lang="en-US" dirty="0"/>
               <a:pPr/>
-              <a:t>4/8/2025</a:t>
+              <a:t>4/11/2025</a:t>
             </a:fld>
             <a:endParaRPr lang="en-US" dirty="0"/>
           </a:p>
@@ -5665,28 +6106,27 @@
           <a:lstStyle/>
           <a:p>
             <a:r>
-              <a:rPr lang="pt-BR" sz="2000" dirty="0" smtClean="0"/>
+              <a:rPr lang="pt-BR" sz="2000" dirty="0"/>
               <a:t>Projeto Integrador</a:t>
             </a:r>
           </a:p>
           <a:p>
             <a:r>
-              <a:rPr lang="pt-BR" sz="2000" dirty="0" smtClean="0"/>
+              <a:rPr lang="pt-BR" sz="2000" dirty="0"/>
               <a:t>GPI.</a:t>
             </a:r>
           </a:p>
           <a:p>
             <a:r>
-              <a:rPr lang="pt-BR" sz="2000" dirty="0" smtClean="0"/>
+              <a:rPr lang="pt-BR" sz="2000" dirty="0"/>
               <a:t>Sprint 1</a:t>
             </a:r>
           </a:p>
           <a:p>
             <a:r>
-              <a:rPr lang="pt-BR" sz="2000" dirty="0" smtClean="0"/>
+              <a:rPr lang="pt-BR" sz="2000" dirty="0"/>
               <a:t>1º semestre</a:t>
             </a:r>
-            <a:endParaRPr lang="pt-BR" sz="2000" dirty="0"/>
           </a:p>
         </p:txBody>
       </p:sp>
@@ -5724,10 +6164,9 @@
           <a:lstStyle/>
           <a:p>
             <a:r>
-              <a:rPr lang="pt-BR" dirty="0" smtClean="0"/>
+              <a:rPr lang="pt-BR" dirty="0"/>
               <a:t>Apresentação time cinco</a:t>
             </a:r>
-            <a:endParaRPr lang="pt-BR" dirty="0"/>
           </a:p>
         </p:txBody>
       </p:sp>
@@ -5741,17 +6180,334 @@
   <p:clrMapOvr>
     <a:masterClrMapping/>
   </p:clrMapOvr>
-  <p:timing>
-    <p:tnLst>
-      <p:par>
-        <p:cTn id="1" dur="indefinite" restart="never" nodeType="tmRoot"/>
-      </p:par>
-    </p:tnLst>
-  </p:timing>
 </p:sld>
 </file>
 
 <file path=ppt/slides/slide10.xml><?xml version="1.0" encoding="utf-8"?>
+<p:sld xmlns:a="http://schemas.openxmlformats.org/drawingml/2006/main" xmlns:r="http://schemas.openxmlformats.org/officeDocument/2006/relationships" xmlns:p="http://schemas.openxmlformats.org/presentationml/2006/main">
+  <p:cSld>
+    <p:spTree>
+      <p:nvGrpSpPr>
+        <p:cNvPr id="1" name=""/>
+        <p:cNvGrpSpPr/>
+        <p:nvPr/>
+      </p:nvGrpSpPr>
+      <p:grpSpPr>
+        <a:xfrm>
+          <a:off x="0" y="0"/>
+          <a:ext cx="0" cy="0"/>
+          <a:chOff x="0" y="0"/>
+          <a:chExt cx="0" cy="0"/>
+        </a:xfrm>
+      </p:grpSpPr>
+      <p:pic>
+        <p:nvPicPr>
+          <p:cNvPr id="5" name="Imagem 4">
+            <a:extLst>
+              <a:ext uri="{FF2B5EF4-FFF2-40B4-BE49-F238E27FC236}">
+                <a16:creationId xmlns:a16="http://schemas.microsoft.com/office/drawing/2014/main" id="{61DED301-D067-4B18-BFC8-D167729CDABA}"/>
+              </a:ext>
+            </a:extLst>
+          </p:cNvPr>
+          <p:cNvPicPr>
+            <a:picLocks noChangeAspect="1"/>
+          </p:cNvPicPr>
+          <p:nvPr/>
+        </p:nvPicPr>
+        <p:blipFill>
+          <a:blip r:embed="rId3"/>
+          <a:stretch>
+            <a:fillRect/>
+          </a:stretch>
+        </p:blipFill>
+        <p:spPr>
+          <a:xfrm>
+            <a:off x="3312543" y="1599944"/>
+            <a:ext cx="6987397" cy="3903709"/>
+          </a:xfrm>
+          <a:prstGeom prst="rect">
+            <a:avLst/>
+          </a:prstGeom>
+        </p:spPr>
+      </p:pic>
+      <p:sp>
+        <p:nvSpPr>
+          <p:cNvPr id="6" name="Retângulo 5">
+            <a:extLst>
+              <a:ext uri="{FF2B5EF4-FFF2-40B4-BE49-F238E27FC236}">
+                <a16:creationId xmlns:a16="http://schemas.microsoft.com/office/drawing/2014/main" id="{DD7700DB-0E25-4341-9A7A-BD6ACDB5B18A}"/>
+              </a:ext>
+            </a:extLst>
+          </p:cNvPr>
+          <p:cNvSpPr/>
+          <p:nvPr/>
+        </p:nvSpPr>
+        <p:spPr>
+          <a:xfrm>
+            <a:off x="4749211" y="636601"/>
+            <a:ext cx="3404778" cy="369332"/>
+          </a:xfrm>
+          <a:prstGeom prst="rect">
+            <a:avLst/>
+          </a:prstGeom>
+        </p:spPr>
+        <p:txBody>
+          <a:bodyPr wrap="none">
+            <a:spAutoFit/>
+          </a:bodyPr>
+          <a:lstStyle/>
+          <a:p>
+            <a:pPr algn="ctr">
+              <a:spcAft>
+                <a:spcPts val="0"/>
+              </a:spcAft>
+            </a:pPr>
+            <a:r>
+              <a:rPr lang="pt-BR" b="1" kern="1400" spc="-50" dirty="0">
+                <a:latin typeface="Arial Black" panose="020B0A04020102020204" pitchFamily="34" charset="0"/>
+                <a:ea typeface="Times New Roman" panose="02020603050405020304" pitchFamily="18" charset="0"/>
+                <a:cs typeface="Times New Roman" panose="02020603050405020304" pitchFamily="18" charset="0"/>
+              </a:rPr>
+              <a:t>Análise  Individual Grupo 4</a:t>
+            </a:r>
+            <a:endParaRPr lang="pt-BR" kern="1400" spc="-50" dirty="0">
+              <a:latin typeface="Arial Black" panose="020B0A04020102020204" pitchFamily="34" charset="0"/>
+              <a:ea typeface="Times New Roman" panose="02020603050405020304" pitchFamily="18" charset="0"/>
+              <a:cs typeface="Times New Roman" panose="02020603050405020304" pitchFamily="18" charset="0"/>
+            </a:endParaRPr>
+          </a:p>
+        </p:txBody>
+      </p:sp>
+    </p:spTree>
+    <p:extLst>
+      <p:ext uri="{BB962C8B-B14F-4D97-AF65-F5344CB8AC3E}">
+        <p14:creationId xmlns:p14="http://schemas.microsoft.com/office/powerpoint/2010/main" val="4111278658"/>
+      </p:ext>
+    </p:extLst>
+  </p:cSld>
+  <p:clrMapOvr>
+    <a:masterClrMapping/>
+  </p:clrMapOvr>
+</p:sld>
+</file>
+
+<file path=ppt/slides/slide11.xml><?xml version="1.0" encoding="utf-8"?>
+<p:sld xmlns:a="http://schemas.openxmlformats.org/drawingml/2006/main" xmlns:r="http://schemas.openxmlformats.org/officeDocument/2006/relationships" xmlns:p="http://schemas.openxmlformats.org/presentationml/2006/main">
+  <p:cSld>
+    <p:spTree>
+      <p:nvGrpSpPr>
+        <p:cNvPr id="1" name=""/>
+        <p:cNvGrpSpPr/>
+        <p:nvPr/>
+      </p:nvGrpSpPr>
+      <p:grpSpPr>
+        <a:xfrm>
+          <a:off x="0" y="0"/>
+          <a:ext cx="0" cy="0"/>
+          <a:chOff x="0" y="0"/>
+          <a:chExt cx="0" cy="0"/>
+        </a:xfrm>
+      </p:grpSpPr>
+      <p:pic>
+        <p:nvPicPr>
+          <p:cNvPr id="2" name="Imagem 1">
+            <a:extLst>
+              <a:ext uri="{FF2B5EF4-FFF2-40B4-BE49-F238E27FC236}">
+                <a16:creationId xmlns:a16="http://schemas.microsoft.com/office/drawing/2014/main" id="{E81EEC03-09C4-4136-AA4A-9D6510FB695F}"/>
+              </a:ext>
+            </a:extLst>
+          </p:cNvPr>
+          <p:cNvPicPr>
+            <a:picLocks noChangeAspect="1"/>
+          </p:cNvPicPr>
+          <p:nvPr/>
+        </p:nvPicPr>
+        <p:blipFill>
+          <a:blip r:embed="rId2"/>
+          <a:stretch>
+            <a:fillRect/>
+          </a:stretch>
+        </p:blipFill>
+        <p:spPr>
+          <a:xfrm>
+            <a:off x="2505099" y="1817653"/>
+            <a:ext cx="7181801" cy="3618706"/>
+          </a:xfrm>
+          <a:prstGeom prst="rect">
+            <a:avLst/>
+          </a:prstGeom>
+        </p:spPr>
+      </p:pic>
+      <p:sp>
+        <p:nvSpPr>
+          <p:cNvPr id="3" name="Retângulo 2">
+            <a:extLst>
+              <a:ext uri="{FF2B5EF4-FFF2-40B4-BE49-F238E27FC236}">
+                <a16:creationId xmlns:a16="http://schemas.microsoft.com/office/drawing/2014/main" id="{8480CA98-27CB-4380-A396-31121E64B22D}"/>
+              </a:ext>
+            </a:extLst>
+          </p:cNvPr>
+          <p:cNvSpPr/>
+          <p:nvPr/>
+        </p:nvSpPr>
+        <p:spPr>
+          <a:xfrm>
+            <a:off x="4190411" y="822868"/>
+            <a:ext cx="3404778" cy="369332"/>
+          </a:xfrm>
+          <a:prstGeom prst="rect">
+            <a:avLst/>
+          </a:prstGeom>
+        </p:spPr>
+        <p:txBody>
+          <a:bodyPr wrap="none">
+            <a:spAutoFit/>
+          </a:bodyPr>
+          <a:lstStyle/>
+          <a:p>
+            <a:pPr algn="ctr">
+              <a:spcAft>
+                <a:spcPts val="0"/>
+              </a:spcAft>
+            </a:pPr>
+            <a:r>
+              <a:rPr lang="pt-BR" b="1" kern="1400" spc="-50" dirty="0">
+                <a:latin typeface="Arial Black" panose="020B0A04020102020204" pitchFamily="34" charset="0"/>
+                <a:ea typeface="Times New Roman" panose="02020603050405020304" pitchFamily="18" charset="0"/>
+                <a:cs typeface="Times New Roman" panose="02020603050405020304" pitchFamily="18" charset="0"/>
+              </a:rPr>
+              <a:t>Análise  Individual Grupo 6</a:t>
+            </a:r>
+            <a:endParaRPr lang="pt-BR" kern="1400" spc="-50" dirty="0">
+              <a:latin typeface="Arial Black" panose="020B0A04020102020204" pitchFamily="34" charset="0"/>
+              <a:ea typeface="Times New Roman" panose="02020603050405020304" pitchFamily="18" charset="0"/>
+              <a:cs typeface="Times New Roman" panose="02020603050405020304" pitchFamily="18" charset="0"/>
+            </a:endParaRPr>
+          </a:p>
+        </p:txBody>
+      </p:sp>
+    </p:spTree>
+    <p:extLst>
+      <p:ext uri="{BB962C8B-B14F-4D97-AF65-F5344CB8AC3E}">
+        <p14:creationId xmlns:p14="http://schemas.microsoft.com/office/powerpoint/2010/main" val="637608564"/>
+      </p:ext>
+    </p:extLst>
+  </p:cSld>
+  <p:clrMapOvr>
+    <a:masterClrMapping/>
+  </p:clrMapOvr>
+</p:sld>
+</file>
+
+<file path=ppt/slides/slide12.xml><?xml version="1.0" encoding="utf-8"?>
+<p:sld xmlns:a="http://schemas.openxmlformats.org/drawingml/2006/main" xmlns:r="http://schemas.openxmlformats.org/officeDocument/2006/relationships" xmlns:p="http://schemas.openxmlformats.org/presentationml/2006/main">
+  <p:cSld>
+    <p:spTree>
+      <p:nvGrpSpPr>
+        <p:cNvPr id="1" name=""/>
+        <p:cNvGrpSpPr/>
+        <p:nvPr/>
+      </p:nvGrpSpPr>
+      <p:grpSpPr>
+        <a:xfrm>
+          <a:off x="0" y="0"/>
+          <a:ext cx="0" cy="0"/>
+          <a:chOff x="0" y="0"/>
+          <a:chExt cx="0" cy="0"/>
+        </a:xfrm>
+      </p:grpSpPr>
+      <p:pic>
+        <p:nvPicPr>
+          <p:cNvPr id="6" name="Imagem 5"/>
+          <p:cNvPicPr>
+            <a:picLocks noChangeAspect="1"/>
+          </p:cNvPicPr>
+          <p:nvPr/>
+        </p:nvPicPr>
+        <p:blipFill>
+          <a:blip r:embed="rId2"/>
+          <a:stretch>
+            <a:fillRect/>
+          </a:stretch>
+        </p:blipFill>
+        <p:spPr>
+          <a:xfrm>
+            <a:off x="1154430" y="104775"/>
+            <a:ext cx="10424160" cy="6648450"/>
+          </a:xfrm>
+          <a:prstGeom prst="rect">
+            <a:avLst/>
+          </a:prstGeom>
+        </p:spPr>
+      </p:pic>
+    </p:spTree>
+    <p:extLst>
+      <p:ext uri="{BB962C8B-B14F-4D97-AF65-F5344CB8AC3E}">
+        <p14:creationId xmlns:p14="http://schemas.microsoft.com/office/powerpoint/2010/main" val="496051644"/>
+      </p:ext>
+    </p:extLst>
+  </p:cSld>
+  <p:clrMapOvr>
+    <a:masterClrMapping/>
+  </p:clrMapOvr>
+</p:sld>
+</file>
+
+<file path=ppt/slides/slide13.xml><?xml version="1.0" encoding="utf-8"?>
+<p:sld xmlns:a="http://schemas.openxmlformats.org/drawingml/2006/main" xmlns:r="http://schemas.openxmlformats.org/officeDocument/2006/relationships" xmlns:p="http://schemas.openxmlformats.org/presentationml/2006/main">
+  <p:cSld>
+    <p:spTree>
+      <p:nvGrpSpPr>
+        <p:cNvPr id="1" name=""/>
+        <p:cNvGrpSpPr/>
+        <p:nvPr/>
+      </p:nvGrpSpPr>
+      <p:grpSpPr>
+        <a:xfrm>
+          <a:off x="0" y="0"/>
+          <a:ext cx="0" cy="0"/>
+          <a:chOff x="0" y="0"/>
+          <a:chExt cx="0" cy="0"/>
+        </a:xfrm>
+      </p:grpSpPr>
+      <p:pic>
+        <p:nvPicPr>
+          <p:cNvPr id="6" name="Imagem 5"/>
+          <p:cNvPicPr>
+            <a:picLocks noChangeAspect="1"/>
+          </p:cNvPicPr>
+          <p:nvPr/>
+        </p:nvPicPr>
+        <p:blipFill>
+          <a:blip r:embed="rId2"/>
+          <a:stretch>
+            <a:fillRect/>
+          </a:stretch>
+        </p:blipFill>
+        <p:spPr>
+          <a:xfrm>
+            <a:off x="1084293" y="297951"/>
+            <a:ext cx="10710439" cy="5959011"/>
+          </a:xfrm>
+          <a:prstGeom prst="rect">
+            <a:avLst/>
+          </a:prstGeom>
+        </p:spPr>
+      </p:pic>
+    </p:spTree>
+    <p:extLst>
+      <p:ext uri="{BB962C8B-B14F-4D97-AF65-F5344CB8AC3E}">
+        <p14:creationId xmlns:p14="http://schemas.microsoft.com/office/powerpoint/2010/main" val="395552234"/>
+      </p:ext>
+    </p:extLst>
+  </p:cSld>
+  <p:clrMapOvr>
+    <a:masterClrMapping/>
+  </p:clrMapOvr>
+</p:sld>
+</file>
+
+<file path=ppt/slides/slide14.xml><?xml version="1.0" encoding="utf-8"?>
 <p:sld xmlns:a="http://schemas.openxmlformats.org/drawingml/2006/main" xmlns:r="http://schemas.openxmlformats.org/officeDocument/2006/relationships" xmlns:p="http://schemas.openxmlformats.org/presentationml/2006/main">
   <p:cSld>
     <p:spTree>
@@ -5840,17 +6596,10 @@
   <p:clrMapOvr>
     <a:masterClrMapping/>
   </p:clrMapOvr>
-  <p:timing>
-    <p:tnLst>
-      <p:par>
-        <p:cTn id="1" dur="indefinite" restart="never" nodeType="tmRoot"/>
-      </p:par>
-    </p:tnLst>
-  </p:timing>
 </p:sld>
 </file>
 
-<file path=ppt/slides/slide11.xml><?xml version="1.0" encoding="utf-8"?>
+<file path=ppt/slides/slide15.xml><?xml version="1.0" encoding="utf-8"?>
 <p:sld xmlns:a="http://schemas.openxmlformats.org/drawingml/2006/main" xmlns:r="http://schemas.openxmlformats.org/officeDocument/2006/relationships" xmlns:p="http://schemas.openxmlformats.org/presentationml/2006/main">
   <p:cSld>
     <p:spTree>
@@ -5939,17 +6688,10 @@
   <p:clrMapOvr>
     <a:masterClrMapping/>
   </p:clrMapOvr>
-  <p:timing>
-    <p:tnLst>
-      <p:par>
-        <p:cTn id="1" dur="indefinite" restart="never" nodeType="tmRoot"/>
-      </p:par>
-    </p:tnLst>
-  </p:timing>
 </p:sld>
 </file>
 
-<file path=ppt/slides/slide12.xml><?xml version="1.0" encoding="utf-8"?>
+<file path=ppt/slides/slide16.xml><?xml version="1.0" encoding="utf-8"?>
 <p:sld xmlns:a="http://schemas.openxmlformats.org/drawingml/2006/main" xmlns:r="http://schemas.openxmlformats.org/officeDocument/2006/relationships" xmlns:p="http://schemas.openxmlformats.org/presentationml/2006/main">
   <p:cSld>
     <p:spTree>
@@ -6038,17 +6780,10 @@
   <p:clrMapOvr>
     <a:masterClrMapping/>
   </p:clrMapOvr>
-  <p:timing>
-    <p:tnLst>
-      <p:par>
-        <p:cTn id="1" dur="indefinite" restart="never" nodeType="tmRoot"/>
-      </p:par>
-    </p:tnLst>
-  </p:timing>
 </p:sld>
 </file>
 
-<file path=ppt/slides/slide13.xml><?xml version="1.0" encoding="utf-8"?>
+<file path=ppt/slides/slide17.xml><?xml version="1.0" encoding="utf-8"?>
 <p:sld xmlns:a="http://schemas.openxmlformats.org/drawingml/2006/main" xmlns:r="http://schemas.openxmlformats.org/officeDocument/2006/relationships" xmlns:p="http://schemas.openxmlformats.org/presentationml/2006/main">
   <p:cSld>
     <p:spTree>
@@ -6081,14 +6816,9 @@
           <a:lstStyle/>
           <a:p>
             <a:r>
-              <a:rPr lang="pt-BR" dirty="0" smtClean="0"/>
-              <a:t>Obrigado pela </a:t>
+              <a:rPr lang="pt-BR" dirty="0"/>
+              <a:t>Obrigado pela atenção. </a:t>
             </a:r>
-            <a:r>
-              <a:rPr lang="pt-BR" dirty="0" smtClean="0"/>
-              <a:t>atenção. </a:t>
-            </a:r>
-            <a:endParaRPr lang="pt-BR" dirty="0"/>
           </a:p>
         </p:txBody>
       </p:sp>
@@ -6121,13 +6851,6 @@
   <p:clrMapOvr>
     <a:masterClrMapping/>
   </p:clrMapOvr>
-  <p:timing>
-    <p:tnLst>
-      <p:par>
-        <p:cTn id="1" dur="indefinite" restart="never" nodeType="tmRoot"/>
-      </p:par>
-    </p:tnLst>
-  </p:timing>
 </p:sld>
 </file>
 
@@ -6172,60 +6895,59 @@
           <a:p>
             <a:pPr algn="ctr"/>
             <a:r>
-              <a:rPr lang="pt-BR" dirty="0" smtClean="0"/>
+              <a:rPr lang="pt-BR" dirty="0"/>
               <a:t> </a:t>
             </a:r>
             <a:r>
-              <a:rPr lang="pt-BR" sz="5400" b="1" dirty="0" smtClean="0"/>
+              <a:rPr lang="pt-BR" sz="5400" b="1" dirty="0"/>
               <a:t>Nomes: </a:t>
             </a:r>
           </a:p>
           <a:p>
             <a:pPr algn="ctr"/>
             <a:r>
-              <a:rPr lang="pt-BR" sz="5400" b="1" dirty="0" err="1" smtClean="0"/>
+              <a:rPr lang="pt-BR" sz="5400" b="1" dirty="0" err="1"/>
               <a:t>Angela</a:t>
             </a:r>
             <a:r>
-              <a:rPr lang="pt-BR" sz="5400" b="1" dirty="0" smtClean="0"/>
+              <a:rPr lang="pt-BR" sz="5400" b="1" dirty="0"/>
               <a:t> </a:t>
             </a:r>
           </a:p>
           <a:p>
             <a:pPr algn="ctr"/>
             <a:r>
-              <a:rPr lang="pt-BR" sz="5400" b="1" dirty="0" smtClean="0"/>
+              <a:rPr lang="pt-BR" sz="5400" b="1" dirty="0"/>
               <a:t>Antônio</a:t>
             </a:r>
           </a:p>
           <a:p>
             <a:pPr algn="ctr"/>
             <a:r>
-              <a:rPr lang="pt-BR" sz="5400" b="1" dirty="0" smtClean="0"/>
+              <a:rPr lang="pt-BR" sz="5400" b="1" dirty="0"/>
               <a:t>Claudiane</a:t>
             </a:r>
           </a:p>
           <a:p>
             <a:pPr algn="ctr"/>
             <a:r>
-              <a:rPr lang="pt-BR" sz="5400" b="1" dirty="0" smtClean="0"/>
+              <a:rPr lang="pt-BR" sz="5400" b="1" dirty="0"/>
               <a:t>João Gabriel</a:t>
             </a:r>
           </a:p>
           <a:p>
             <a:pPr algn="ctr"/>
             <a:r>
-              <a:rPr lang="pt-BR" sz="5400" b="1" dirty="0" smtClean="0"/>
+              <a:rPr lang="pt-BR" sz="5400" b="1" dirty="0"/>
               <a:t>Jonas</a:t>
             </a:r>
           </a:p>
           <a:p>
             <a:pPr algn="ctr"/>
             <a:r>
-              <a:rPr lang="pt-BR" sz="5400" b="1" dirty="0" smtClean="0"/>
+              <a:rPr lang="pt-BR" sz="5400" b="1" dirty="0"/>
               <a:t>Melissa</a:t>
             </a:r>
-            <a:endParaRPr lang="pt-BR" sz="5400" b="1" dirty="0"/>
           </a:p>
         </p:txBody>
       </p:sp>
@@ -6239,13 +6961,6 @@
   <p:clrMapOvr>
     <a:masterClrMapping/>
   </p:clrMapOvr>
-  <p:timing>
-    <p:tnLst>
-      <p:par>
-        <p:cTn id="1" dur="indefinite" restart="never" nodeType="tmRoot"/>
-      </p:par>
-    </p:tnLst>
-  </p:timing>
 </p:sld>
 </file>
 
@@ -6442,21 +7157,8 @@
                 <a:ea typeface="Calibri" panose="020F0502020204030204" pitchFamily="34" charset="0"/>
                 <a:cs typeface="Arial" panose="020B0604020202020204" pitchFamily="34" charset="0"/>
               </a:rPr>
-              <a:t>João Gabriel: 64% de </a:t>
+              <a:t>João Gabriel: 64% de acertos</a:t>
             </a:r>
-            <a:r>
-              <a:rPr lang="pt-BR" sz="2000" dirty="0" smtClean="0">
-                <a:latin typeface="Arial" panose="020B0604020202020204" pitchFamily="34" charset="0"/>
-                <a:ea typeface="Calibri" panose="020F0502020204030204" pitchFamily="34" charset="0"/>
-                <a:cs typeface="Arial" panose="020B0604020202020204" pitchFamily="34" charset="0"/>
-              </a:rPr>
-              <a:t>acertos</a:t>
-            </a:r>
-            <a:endParaRPr lang="pt-BR" sz="2000" dirty="0">
-              <a:latin typeface="Arial" panose="020B0604020202020204" pitchFamily="34" charset="0"/>
-              <a:ea typeface="Calibri" panose="020F0502020204030204" pitchFamily="34" charset="0"/>
-              <a:cs typeface="Arial" panose="020B0604020202020204" pitchFamily="34" charset="0"/>
-            </a:endParaRPr>
           </a:p>
           <a:p>
             <a:pPr>
@@ -6473,21 +7175,8 @@
                 <a:ea typeface="Calibri" panose="020F0502020204030204" pitchFamily="34" charset="0"/>
                 <a:cs typeface="Arial" panose="020B0604020202020204" pitchFamily="34" charset="0"/>
               </a:rPr>
-              <a:t>Jonas: </a:t>
+              <a:t>Jonas: 32% de acertos</a:t>
             </a:r>
-            <a:r>
-              <a:rPr lang="pt-BR" sz="2000" dirty="0" smtClean="0">
-                <a:latin typeface="Arial" panose="020B0604020202020204" pitchFamily="34" charset="0"/>
-                <a:ea typeface="Calibri" panose="020F0502020204030204" pitchFamily="34" charset="0"/>
-                <a:cs typeface="Arial" panose="020B0604020202020204" pitchFamily="34" charset="0"/>
-              </a:rPr>
-              <a:t>32% de acertos</a:t>
-            </a:r>
-            <a:endParaRPr lang="pt-BR" sz="2000" dirty="0">
-              <a:latin typeface="Arial" panose="020B0604020202020204" pitchFamily="34" charset="0"/>
-              <a:ea typeface="Calibri" panose="020F0502020204030204" pitchFamily="34" charset="0"/>
-              <a:cs typeface="Arial" panose="020B0604020202020204" pitchFamily="34" charset="0"/>
-            </a:endParaRPr>
           </a:p>
           <a:p>
             <a:pPr>
@@ -6504,15 +7193,7 @@
                 <a:ea typeface="Calibri" panose="020F0502020204030204" pitchFamily="34" charset="0"/>
                 <a:cs typeface="Arial" panose="020B0604020202020204" pitchFamily="34" charset="0"/>
               </a:rPr>
-              <a:t>Melissa: 36</a:t>
-            </a:r>
-            <a:r>
-              <a:rPr lang="pt-BR" sz="2000" dirty="0" smtClean="0">
-                <a:latin typeface="Arial" panose="020B0604020202020204" pitchFamily="34" charset="0"/>
-                <a:ea typeface="Calibri" panose="020F0502020204030204" pitchFamily="34" charset="0"/>
-                <a:cs typeface="Arial" panose="020B0604020202020204" pitchFamily="34" charset="0"/>
-              </a:rPr>
-              <a:t>% acertos</a:t>
+              <a:t>Melissa: 36% acertos</a:t>
             </a:r>
           </a:p>
           <a:p>
@@ -6543,13 +7224,6 @@
   <p:clrMapOvr>
     <a:masterClrMapping/>
   </p:clrMapOvr>
-  <p:timing>
-    <p:tnLst>
-      <p:par>
-        <p:cTn id="1" dur="indefinite" restart="never" nodeType="tmRoot"/>
-      </p:par>
-    </p:tnLst>
-  </p:timing>
 </p:sld>
 </file>
 
@@ -7466,16 +8140,6 @@
                     <a:p>
                       <a:pPr algn="r" fontAlgn="b"/>
                       <a:r>
-                        <a:rPr lang="pt-BR" sz="2400" b="0" i="0" u="none" strike="noStrike" dirty="0" smtClean="0">
-                          <a:solidFill>
-                            <a:srgbClr val="000000"/>
-                          </a:solidFill>
-                          <a:effectLst/>
-                          <a:latin typeface="Calibri" panose="020F0502020204030204" pitchFamily="34" charset="0"/>
-                        </a:rPr>
-                        <a:t>32,00</a:t>
-                      </a:r>
-                      <a:r>
                         <a:rPr lang="pt-BR" sz="2400" b="0" i="0" u="none" strike="noStrike" dirty="0">
                           <a:solidFill>
                             <a:srgbClr val="000000"/>
@@ -7483,7 +8147,7 @@
                           <a:effectLst/>
                           <a:latin typeface="Calibri" panose="020F0502020204030204" pitchFamily="34" charset="0"/>
                         </a:rPr>
-                        <a:t>%</a:t>
+                        <a:t>32,00%</a:t>
                       </a:r>
                     </a:p>
                   </a:txBody>
@@ -8033,13 +8697,6 @@
   <p:clrMapOvr>
     <a:masterClrMapping/>
   </p:clrMapOvr>
-  <p:timing>
-    <p:tnLst>
-      <p:par>
-        <p:cTn id="1" dur="indefinite" restart="never" nodeType="tmRoot"/>
-      </p:par>
-    </p:tnLst>
-  </p:timing>
 </p:sld>
 </file>
 
@@ -8211,15 +8868,7 @@
                 <a:ea typeface="Times New Roman" panose="02020603050405020304" pitchFamily="18" charset="0"/>
                 <a:cs typeface="Arial" panose="020B0604020202020204" pitchFamily="34" charset="0"/>
               </a:rPr>
-              <a:t>Nosso grupo privilegiou o diálogo e as assertivas de um e outro debatendo as opiniões e os consensos não se atendo ao tempo e á necessidade em acabar logo o questionário ou sequer usar por exemplo o buscador Google para realizar pesquisas sobre o conteúdo da `prova` coisa levada adiante por outros </a:t>
-            </a:r>
-            <a:r>
-              <a:rPr lang="pt-BR" sz="2000" dirty="0" smtClean="0">
-                <a:latin typeface="Arial" panose="020B0604020202020204" pitchFamily="34" charset="0"/>
-                <a:ea typeface="Times New Roman" panose="02020603050405020304" pitchFamily="18" charset="0"/>
-                <a:cs typeface="Arial" panose="020B0604020202020204" pitchFamily="34" charset="0"/>
-              </a:rPr>
-              <a:t>grupos.</a:t>
+              <a:t>Nosso grupo privilegiou o diálogo e as assertivas de um e outro debatendo as opiniões e os consensos não se atendo ao tempo e á necessidade em acabar logo o questionário ou sequer usar por exemplo o buscador Google para realizar pesquisas sobre o conteúdo da `prova` coisa levada adiante por outros grupos.</a:t>
             </a:r>
             <a:r>
               <a:rPr lang="pt-BR" sz="2000" dirty="0">
@@ -8235,10 +8884,6 @@
               </a:rPr>
               <a:t> </a:t>
             </a:r>
-            <a:endParaRPr lang="pt-BR" sz="2000" dirty="0" smtClean="0">
-              <a:latin typeface="Calibri" panose="020F0502020204030204" pitchFamily="34" charset="0"/>
-              <a:ea typeface="Times New Roman" panose="02020603050405020304" pitchFamily="18" charset="0"/>
-            </a:endParaRPr>
           </a:p>
           <a:p>
             <a:pPr fontAlgn="base">
@@ -8263,13 +8908,6 @@
   <p:clrMapOvr>
     <a:masterClrMapping/>
   </p:clrMapOvr>
-  <p:timing>
-    <p:tnLst>
-      <p:par>
-        <p:cTn id="1" dur="indefinite" restart="never" nodeType="tmRoot"/>
-      </p:par>
-    </p:tnLst>
-  </p:timing>
 </p:sld>
 </file>
 
@@ -9743,13 +10381,6 @@
   <p:clrMapOvr>
     <a:masterClrMapping/>
   </p:clrMapOvr>
-  <p:timing>
-    <p:tnLst>
-      <p:par>
-        <p:cTn id="1" dur="indefinite" restart="never" nodeType="tmRoot"/>
-      </p:par>
-    </p:tnLst>
-  </p:timing>
 </p:sld>
 </file>
 
@@ -9770,23 +10401,117 @@
           <a:chExt cx="0" cy="0"/>
         </a:xfrm>
       </p:grpSpPr>
+      <p:pic>
+        <p:nvPicPr>
+          <p:cNvPr id="2" name="Imagem 1">
+            <a:extLst>
+              <a:ext uri="{FF2B5EF4-FFF2-40B4-BE49-F238E27FC236}">
+                <a16:creationId xmlns:a16="http://schemas.microsoft.com/office/drawing/2014/main" id="{44C81A6D-7123-48C3-B6F7-F184FE0DC2AE}"/>
+              </a:ext>
+            </a:extLst>
+          </p:cNvPr>
+          <p:cNvPicPr>
+            <a:picLocks noChangeAspect="1"/>
+          </p:cNvPicPr>
+          <p:nvPr/>
+        </p:nvPicPr>
+        <p:blipFill>
+          <a:blip r:embed="rId2"/>
+          <a:stretch>
+            <a:fillRect/>
+          </a:stretch>
+        </p:blipFill>
+        <p:spPr>
+          <a:xfrm>
+            <a:off x="2317631" y="2040466"/>
+            <a:ext cx="7556738" cy="4040831"/>
+          </a:xfrm>
+          <a:prstGeom prst="rect">
+            <a:avLst/>
+          </a:prstGeom>
+        </p:spPr>
+      </p:pic>
+      <p:sp>
+        <p:nvSpPr>
+          <p:cNvPr id="3" name="Retângulo 2">
+            <a:extLst>
+              <a:ext uri="{FF2B5EF4-FFF2-40B4-BE49-F238E27FC236}">
+                <a16:creationId xmlns:a16="http://schemas.microsoft.com/office/drawing/2014/main" id="{1D02EE07-86AC-4E3F-8BD5-92B29950E83E}"/>
+              </a:ext>
+            </a:extLst>
+          </p:cNvPr>
+          <p:cNvSpPr/>
+          <p:nvPr/>
+        </p:nvSpPr>
+        <p:spPr>
+          <a:xfrm>
+            <a:off x="2810933" y="918325"/>
+            <a:ext cx="6096000" cy="652551"/>
+          </a:xfrm>
+          <a:prstGeom prst="rect">
+            <a:avLst/>
+          </a:prstGeom>
+        </p:spPr>
+        <p:txBody>
+          <a:bodyPr>
+            <a:spAutoFit/>
+          </a:bodyPr>
+          <a:lstStyle/>
+          <a:p>
+            <a:pPr algn="ctr">
+              <a:spcAft>
+                <a:spcPts val="0"/>
+              </a:spcAft>
+            </a:pPr>
+            <a:r>
+              <a:rPr lang="pt-BR" b="1" kern="1400" spc="-50" dirty="0">
+                <a:latin typeface="Arial Black" panose="020B0A04020102020204" pitchFamily="34" charset="0"/>
+                <a:ea typeface="Times New Roman" panose="02020603050405020304" pitchFamily="18" charset="0"/>
+                <a:cs typeface="Times New Roman" panose="02020603050405020304" pitchFamily="18" charset="0"/>
+              </a:rPr>
+              <a:t>Análise  Individual Grupo 1</a:t>
+            </a:r>
+            <a:endParaRPr lang="pt-BR" kern="1400" spc="-50" dirty="0">
+              <a:latin typeface="Arial Black" panose="020B0A04020102020204" pitchFamily="34" charset="0"/>
+              <a:ea typeface="Times New Roman" panose="02020603050405020304" pitchFamily="18" charset="0"/>
+              <a:cs typeface="Times New Roman" panose="02020603050405020304" pitchFamily="18" charset="0"/>
+            </a:endParaRPr>
+          </a:p>
+          <a:p>
+            <a:pPr>
+              <a:lnSpc>
+                <a:spcPct val="107000"/>
+              </a:lnSpc>
+              <a:spcAft>
+                <a:spcPts val="800"/>
+              </a:spcAft>
+            </a:pPr>
+            <a:r>
+              <a:rPr lang="pt-BR" dirty="0">
+                <a:latin typeface="Calibri" panose="020F0502020204030204" pitchFamily="34" charset="0"/>
+                <a:ea typeface="Calibri" panose="020F0502020204030204" pitchFamily="34" charset="0"/>
+                <a:cs typeface="Times New Roman" panose="02020603050405020304" pitchFamily="18" charset="0"/>
+              </a:rPr>
+              <a:t> </a:t>
+            </a:r>
+            <a:endParaRPr lang="pt-BR" sz="1200" dirty="0">
+              <a:latin typeface="Calibri" panose="020F0502020204030204" pitchFamily="34" charset="0"/>
+              <a:ea typeface="Calibri" panose="020F0502020204030204" pitchFamily="34" charset="0"/>
+              <a:cs typeface="Times New Roman" panose="02020603050405020304" pitchFamily="18" charset="0"/>
+            </a:endParaRPr>
+          </a:p>
+        </p:txBody>
+      </p:sp>
     </p:spTree>
     <p:extLst>
       <p:ext uri="{BB962C8B-B14F-4D97-AF65-F5344CB8AC3E}">
-        <p14:creationId xmlns:p14="http://schemas.microsoft.com/office/powerpoint/2010/main" val="4111278658"/>
+        <p14:creationId xmlns:p14="http://schemas.microsoft.com/office/powerpoint/2010/main" val="1464683063"/>
       </p:ext>
     </p:extLst>
   </p:cSld>
   <p:clrMapOvr>
     <a:masterClrMapping/>
   </p:clrMapOvr>
-  <p:timing>
-    <p:tnLst>
-      <p:par>
-        <p:cTn id="1" dur="indefinite" restart="never" nodeType="tmRoot"/>
-      </p:par>
-    </p:tnLst>
-  </p:timing>
 </p:sld>
 </file>
 
@@ -9809,7 +10534,13 @@
       </p:grpSpPr>
       <p:pic>
         <p:nvPicPr>
-          <p:cNvPr id="6" name="Imagem 5"/>
+          <p:cNvPr id="2" name="Imagem 1">
+            <a:extLst>
+              <a:ext uri="{FF2B5EF4-FFF2-40B4-BE49-F238E27FC236}">
+                <a16:creationId xmlns:a16="http://schemas.microsoft.com/office/drawing/2014/main" id="{EB0C3703-2224-45EB-AD2B-19854733F64E}"/>
+              </a:ext>
+            </a:extLst>
+          </p:cNvPr>
           <p:cNvPicPr>
             <a:picLocks noChangeAspect="1"/>
           </p:cNvPicPr>
@@ -9823,31 +10554,95 @@
         </p:blipFill>
         <p:spPr>
           <a:xfrm>
-            <a:off x="1154430" y="104775"/>
-            <a:ext cx="10424160" cy="6648450"/>
+            <a:off x="2054365" y="2002676"/>
+            <a:ext cx="7643003" cy="4410691"/>
           </a:xfrm>
           <a:prstGeom prst="rect">
             <a:avLst/>
           </a:prstGeom>
         </p:spPr>
       </p:pic>
+      <p:sp>
+        <p:nvSpPr>
+          <p:cNvPr id="3" name="Retângulo 2">
+            <a:extLst>
+              <a:ext uri="{FF2B5EF4-FFF2-40B4-BE49-F238E27FC236}">
+                <a16:creationId xmlns:a16="http://schemas.microsoft.com/office/drawing/2014/main" id="{94977A20-7685-46D2-8CC4-28404468EF96}"/>
+              </a:ext>
+            </a:extLst>
+          </p:cNvPr>
+          <p:cNvSpPr/>
+          <p:nvPr/>
+        </p:nvSpPr>
+        <p:spPr>
+          <a:xfrm>
+            <a:off x="2827867" y="1223125"/>
+            <a:ext cx="6096000" cy="652551"/>
+          </a:xfrm>
+          <a:prstGeom prst="rect">
+            <a:avLst/>
+          </a:prstGeom>
+        </p:spPr>
+        <p:txBody>
+          <a:bodyPr>
+            <a:spAutoFit/>
+          </a:bodyPr>
+          <a:lstStyle/>
+          <a:p>
+            <a:pPr algn="ctr">
+              <a:spcAft>
+                <a:spcPts val="0"/>
+              </a:spcAft>
+            </a:pPr>
+            <a:r>
+              <a:rPr lang="pt-BR" b="1" kern="1400" spc="-50" dirty="0">
+                <a:latin typeface="Arial Black" panose="020B0A04020102020204" pitchFamily="34" charset="0"/>
+                <a:ea typeface="Times New Roman" panose="02020603050405020304" pitchFamily="18" charset="0"/>
+                <a:cs typeface="Times New Roman" panose="02020603050405020304" pitchFamily="18" charset="0"/>
+              </a:rPr>
+              <a:t>Análise  Individual Grupo 2</a:t>
+            </a:r>
+            <a:endParaRPr lang="pt-BR" kern="1400" spc="-50" dirty="0">
+              <a:latin typeface="Arial Black" panose="020B0A04020102020204" pitchFamily="34" charset="0"/>
+              <a:ea typeface="Times New Roman" panose="02020603050405020304" pitchFamily="18" charset="0"/>
+              <a:cs typeface="Times New Roman" panose="02020603050405020304" pitchFamily="18" charset="0"/>
+            </a:endParaRPr>
+          </a:p>
+          <a:p>
+            <a:pPr>
+              <a:lnSpc>
+                <a:spcPct val="107000"/>
+              </a:lnSpc>
+              <a:spcAft>
+                <a:spcPts val="800"/>
+              </a:spcAft>
+            </a:pPr>
+            <a:r>
+              <a:rPr lang="pt-BR" dirty="0">
+                <a:latin typeface="Calibri" panose="020F0502020204030204" pitchFamily="34" charset="0"/>
+                <a:ea typeface="Calibri" panose="020F0502020204030204" pitchFamily="34" charset="0"/>
+                <a:cs typeface="Times New Roman" panose="02020603050405020304" pitchFamily="18" charset="0"/>
+              </a:rPr>
+              <a:t> </a:t>
+            </a:r>
+            <a:endParaRPr lang="pt-BR" sz="1200" dirty="0">
+              <a:latin typeface="Calibri" panose="020F0502020204030204" pitchFamily="34" charset="0"/>
+              <a:ea typeface="Calibri" panose="020F0502020204030204" pitchFamily="34" charset="0"/>
+              <a:cs typeface="Times New Roman" panose="02020603050405020304" pitchFamily="18" charset="0"/>
+            </a:endParaRPr>
+          </a:p>
+        </p:txBody>
+      </p:sp>
     </p:spTree>
     <p:extLst>
       <p:ext uri="{BB962C8B-B14F-4D97-AF65-F5344CB8AC3E}">
-        <p14:creationId xmlns:p14="http://schemas.microsoft.com/office/powerpoint/2010/main" val="496051644"/>
+        <p14:creationId xmlns:p14="http://schemas.microsoft.com/office/powerpoint/2010/main" val="3501664903"/>
       </p:ext>
     </p:extLst>
   </p:cSld>
   <p:clrMapOvr>
     <a:masterClrMapping/>
   </p:clrMapOvr>
-  <p:timing>
-    <p:tnLst>
-      <p:par>
-        <p:cTn id="1" dur="indefinite" restart="never" nodeType="tmRoot"/>
-      </p:par>
-    </p:tnLst>
-  </p:timing>
 </p:sld>
 </file>
 
@@ -9870,7 +10665,13 @@
       </p:grpSpPr>
       <p:pic>
         <p:nvPicPr>
-          <p:cNvPr id="6" name="Imagem 5"/>
+          <p:cNvPr id="2" name="Imagem 1">
+            <a:extLst>
+              <a:ext uri="{FF2B5EF4-FFF2-40B4-BE49-F238E27FC236}">
+                <a16:creationId xmlns:a16="http://schemas.microsoft.com/office/drawing/2014/main" id="{1D5FBF2E-73FB-4490-B4FD-0B6AA15831C3}"/>
+              </a:ext>
+            </a:extLst>
+          </p:cNvPr>
           <p:cNvPicPr>
             <a:picLocks noChangeAspect="1"/>
           </p:cNvPicPr>
@@ -9884,31 +10685,72 @@
         </p:blipFill>
         <p:spPr>
           <a:xfrm>
-            <a:off x="1084293" y="297951"/>
-            <a:ext cx="10710439" cy="5959011"/>
+            <a:off x="2481532" y="1377114"/>
+            <a:ext cx="7228936" cy="4391638"/>
           </a:xfrm>
           <a:prstGeom prst="rect">
             <a:avLst/>
           </a:prstGeom>
         </p:spPr>
       </p:pic>
+      <p:sp>
+        <p:nvSpPr>
+          <p:cNvPr id="3" name="Retângulo 2">
+            <a:extLst>
+              <a:ext uri="{FF2B5EF4-FFF2-40B4-BE49-F238E27FC236}">
+                <a16:creationId xmlns:a16="http://schemas.microsoft.com/office/drawing/2014/main" id="{5DDF14E1-8D92-48E6-8BEA-4A524EFB38E1}"/>
+              </a:ext>
+            </a:extLst>
+          </p:cNvPr>
+          <p:cNvSpPr/>
+          <p:nvPr/>
+        </p:nvSpPr>
+        <p:spPr>
+          <a:xfrm>
+            <a:off x="4393611" y="568867"/>
+            <a:ext cx="3404778" cy="369332"/>
+          </a:xfrm>
+          <a:prstGeom prst="rect">
+            <a:avLst/>
+          </a:prstGeom>
+        </p:spPr>
+        <p:txBody>
+          <a:bodyPr wrap="none">
+            <a:spAutoFit/>
+          </a:bodyPr>
+          <a:lstStyle/>
+          <a:p>
+            <a:pPr algn="ctr">
+              <a:spcAft>
+                <a:spcPts val="0"/>
+              </a:spcAft>
+            </a:pPr>
+            <a:r>
+              <a:rPr lang="pt-BR" b="1" kern="1400" spc="-50" dirty="0">
+                <a:latin typeface="Arial Black" panose="020B0A04020102020204" pitchFamily="34" charset="0"/>
+                <a:ea typeface="Times New Roman" panose="02020603050405020304" pitchFamily="18" charset="0"/>
+                <a:cs typeface="Times New Roman" panose="02020603050405020304" pitchFamily="18" charset="0"/>
+              </a:rPr>
+              <a:t>Análise  Individual Grupo 3</a:t>
+            </a:r>
+            <a:endParaRPr lang="pt-BR" kern="1400" spc="-50" dirty="0">
+              <a:latin typeface="Arial Black" panose="020B0A04020102020204" pitchFamily="34" charset="0"/>
+              <a:ea typeface="Times New Roman" panose="02020603050405020304" pitchFamily="18" charset="0"/>
+              <a:cs typeface="Times New Roman" panose="02020603050405020304" pitchFamily="18" charset="0"/>
+            </a:endParaRPr>
+          </a:p>
+        </p:txBody>
+      </p:sp>
     </p:spTree>
     <p:extLst>
       <p:ext uri="{BB962C8B-B14F-4D97-AF65-F5344CB8AC3E}">
-        <p14:creationId xmlns:p14="http://schemas.microsoft.com/office/powerpoint/2010/main" val="395552234"/>
+        <p14:creationId xmlns:p14="http://schemas.microsoft.com/office/powerpoint/2010/main" val="1944909750"/>
       </p:ext>
     </p:extLst>
   </p:cSld>
   <p:clrMapOvr>
     <a:masterClrMapping/>
   </p:clrMapOvr>
-  <p:timing>
-    <p:tnLst>
-      <p:par>
-        <p:cTn id="1" dur="indefinite" restart="never" nodeType="tmRoot"/>
-      </p:par>
-    </p:tnLst>
-  </p:timing>
 </p:sld>
 </file>
 
@@ -10168,4 +11010,299 @@
     </a:ext>
   </a:extLst>
 </a:theme>
+</file>
+
+<file path=ppt/theme/theme2.xml><?xml version="1.0" encoding="utf-8"?>
+<a:theme xmlns:a="http://schemas.openxmlformats.org/drawingml/2006/main" name="Tema do Office">
+  <a:themeElements>
+    <a:clrScheme name="Office">
+      <a:dk1>
+        <a:sysClr val="windowText" lastClr="000000"/>
+      </a:dk1>
+      <a:lt1>
+        <a:sysClr val="window" lastClr="FFFFFF"/>
+      </a:lt1>
+      <a:dk2>
+        <a:srgbClr val="44546A"/>
+      </a:dk2>
+      <a:lt2>
+        <a:srgbClr val="E7E6E6"/>
+      </a:lt2>
+      <a:accent1>
+        <a:srgbClr val="4472C4"/>
+      </a:accent1>
+      <a:accent2>
+        <a:srgbClr val="ED7D31"/>
+      </a:accent2>
+      <a:accent3>
+        <a:srgbClr val="A5A5A5"/>
+      </a:accent3>
+      <a:accent4>
+        <a:srgbClr val="FFC000"/>
+      </a:accent4>
+      <a:accent5>
+        <a:srgbClr val="5B9BD5"/>
+      </a:accent5>
+      <a:accent6>
+        <a:srgbClr val="70AD47"/>
+      </a:accent6>
+      <a:hlink>
+        <a:srgbClr val="0563C1"/>
+      </a:hlink>
+      <a:folHlink>
+        <a:srgbClr val="954F72"/>
+      </a:folHlink>
+    </a:clrScheme>
+    <a:fontScheme name="Office">
+      <a:majorFont>
+        <a:latin typeface="Calibri Light" panose="020F0302020204030204"/>
+        <a:ea typeface=""/>
+        <a:cs typeface=""/>
+        <a:font script="Jpan" typeface="游ゴシック Light"/>
+        <a:font script="Hang" typeface="맑은 고딕"/>
+        <a:font script="Hans" typeface="等线 Light"/>
+        <a:font script="Hant" typeface="新細明體"/>
+        <a:font script="Arab" typeface="Times New Roman"/>
+        <a:font script="Hebr" typeface="Times New Roman"/>
+        <a:font script="Thai" typeface="Angsana New"/>
+        <a:font script="Ethi" typeface="Nyala"/>
+        <a:font script="Beng" typeface="Vrinda"/>
+        <a:font script="Gujr" typeface="Shruti"/>
+        <a:font script="Khmr" typeface="MoolBoran"/>
+        <a:font script="Knda" typeface="Tunga"/>
+        <a:font script="Guru" typeface="Raavi"/>
+        <a:font script="Cans" typeface="Euphemia"/>
+        <a:font script="Cher" typeface="Plantagenet Cherokee"/>
+        <a:font script="Yiii" typeface="Microsoft Yi Baiti"/>
+        <a:font script="Tibt" typeface="Microsoft Himalaya"/>
+        <a:font script="Thaa" typeface="MV Boli"/>
+        <a:font script="Deva" typeface="Mangal"/>
+        <a:font script="Telu" typeface="Gautami"/>
+        <a:font script="Taml" typeface="Latha"/>
+        <a:font script="Syrc" typeface="Estrangelo Edessa"/>
+        <a:font script="Orya" typeface="Kalinga"/>
+        <a:font script="Mlym" typeface="Kartika"/>
+        <a:font script="Laoo" typeface="DokChampa"/>
+        <a:font script="Sinh" typeface="Iskoola Pota"/>
+        <a:font script="Mong" typeface="Mongolian Baiti"/>
+        <a:font script="Viet" typeface="Times New Roman"/>
+        <a:font script="Uigh" typeface="Microsoft Uighur"/>
+        <a:font script="Geor" typeface="Sylfaen"/>
+        <a:font script="Armn" typeface="Arial"/>
+        <a:font script="Bugi" typeface="Leelawadee UI"/>
+        <a:font script="Bopo" typeface="Microsoft JhengHei"/>
+        <a:font script="Java" typeface="Javanese Text"/>
+        <a:font script="Lisu" typeface="Segoe UI"/>
+        <a:font script="Mymr" typeface="Myanmar Text"/>
+        <a:font script="Nkoo" typeface="Ebrima"/>
+        <a:font script="Olck" typeface="Nirmala UI"/>
+        <a:font script="Osma" typeface="Ebrima"/>
+        <a:font script="Phag" typeface="Phagspa"/>
+        <a:font script="Syrn" typeface="Estrangelo Edessa"/>
+        <a:font script="Syrj" typeface="Estrangelo Edessa"/>
+        <a:font script="Syre" typeface="Estrangelo Edessa"/>
+        <a:font script="Sora" typeface="Nirmala UI"/>
+        <a:font script="Tale" typeface="Microsoft Tai Le"/>
+        <a:font script="Talu" typeface="Microsoft New Tai Lue"/>
+        <a:font script="Tfng" typeface="Ebrima"/>
+      </a:majorFont>
+      <a:minorFont>
+        <a:latin typeface="Calibri" panose="020F0502020204030204"/>
+        <a:ea typeface=""/>
+        <a:cs typeface=""/>
+        <a:font script="Jpan" typeface="游ゴシック"/>
+        <a:font script="Hang" typeface="맑은 고딕"/>
+        <a:font script="Hans" typeface="等线"/>
+        <a:font script="Hant" typeface="新細明體"/>
+        <a:font script="Arab" typeface="Arial"/>
+        <a:font script="Hebr" typeface="Arial"/>
+        <a:font script="Thai" typeface="Cordia New"/>
+        <a:font script="Ethi" typeface="Nyala"/>
+        <a:font script="Beng" typeface="Vrinda"/>
+        <a:font script="Gujr" typeface="Shruti"/>
+        <a:font script="Khmr" typeface="DaunPenh"/>
+        <a:font script="Knda" typeface="Tunga"/>
+        <a:font script="Guru" typeface="Raavi"/>
+        <a:font script="Cans" typeface="Euphemia"/>
+        <a:font script="Cher" typeface="Plantagenet Cherokee"/>
+        <a:font script="Yiii" typeface="Microsoft Yi Baiti"/>
+        <a:font script="Tibt" typeface="Microsoft Himalaya"/>
+        <a:font script="Thaa" typeface="MV Boli"/>
+        <a:font script="Deva" typeface="Mangal"/>
+        <a:font script="Telu" typeface="Gautami"/>
+        <a:font script="Taml" typeface="Latha"/>
+        <a:font script="Syrc" typeface="Estrangelo Edessa"/>
+        <a:font script="Orya" typeface="Kalinga"/>
+        <a:font script="Mlym" typeface="Kartika"/>
+        <a:font script="Laoo" typeface="DokChampa"/>
+        <a:font script="Sinh" typeface="Iskoola Pota"/>
+        <a:font script="Mong" typeface="Mongolian Baiti"/>
+        <a:font script="Viet" typeface="Arial"/>
+        <a:font script="Uigh" typeface="Microsoft Uighur"/>
+        <a:font script="Geor" typeface="Sylfaen"/>
+        <a:font script="Armn" typeface="Arial"/>
+        <a:font script="Bugi" typeface="Leelawadee UI"/>
+        <a:font script="Bopo" typeface="Microsoft JhengHei"/>
+        <a:font script="Java" typeface="Javanese Text"/>
+        <a:font script="Lisu" typeface="Segoe UI"/>
+        <a:font script="Mymr" typeface="Myanmar Text"/>
+        <a:font script="Nkoo" typeface="Ebrima"/>
+        <a:font script="Olck" typeface="Nirmala UI"/>
+        <a:font script="Osma" typeface="Ebrima"/>
+        <a:font script="Phag" typeface="Phagspa"/>
+        <a:font script="Syrn" typeface="Estrangelo Edessa"/>
+        <a:font script="Syrj" typeface="Estrangelo Edessa"/>
+        <a:font script="Syre" typeface="Estrangelo Edessa"/>
+        <a:font script="Sora" typeface="Nirmala UI"/>
+        <a:font script="Tale" typeface="Microsoft Tai Le"/>
+        <a:font script="Talu" typeface="Microsoft New Tai Lue"/>
+        <a:font script="Tfng" typeface="Ebrima"/>
+      </a:minorFont>
+    </a:fontScheme>
+    <a:fmtScheme name="Office">
+      <a:fillStyleLst>
+        <a:solidFill>
+          <a:schemeClr val="phClr"/>
+        </a:solidFill>
+        <a:gradFill rotWithShape="1">
+          <a:gsLst>
+            <a:gs pos="0">
+              <a:schemeClr val="phClr">
+                <a:lumMod val="110000"/>
+                <a:satMod val="105000"/>
+                <a:tint val="67000"/>
+              </a:schemeClr>
+            </a:gs>
+            <a:gs pos="50000">
+              <a:schemeClr val="phClr">
+                <a:lumMod val="105000"/>
+                <a:satMod val="103000"/>
+                <a:tint val="73000"/>
+              </a:schemeClr>
+            </a:gs>
+            <a:gs pos="100000">
+              <a:schemeClr val="phClr">
+                <a:lumMod val="105000"/>
+                <a:satMod val="109000"/>
+                <a:tint val="81000"/>
+              </a:schemeClr>
+            </a:gs>
+          </a:gsLst>
+          <a:lin ang="5400000" scaled="0"/>
+        </a:gradFill>
+        <a:gradFill rotWithShape="1">
+          <a:gsLst>
+            <a:gs pos="0">
+              <a:schemeClr val="phClr">
+                <a:satMod val="103000"/>
+                <a:lumMod val="102000"/>
+                <a:tint val="94000"/>
+              </a:schemeClr>
+            </a:gs>
+            <a:gs pos="50000">
+              <a:schemeClr val="phClr">
+                <a:satMod val="110000"/>
+                <a:lumMod val="100000"/>
+                <a:shade val="100000"/>
+              </a:schemeClr>
+            </a:gs>
+            <a:gs pos="100000">
+              <a:schemeClr val="phClr">
+                <a:lumMod val="99000"/>
+                <a:satMod val="120000"/>
+                <a:shade val="78000"/>
+              </a:schemeClr>
+            </a:gs>
+          </a:gsLst>
+          <a:lin ang="5400000" scaled="0"/>
+        </a:gradFill>
+      </a:fillStyleLst>
+      <a:lnStyleLst>
+        <a:ln w="6350" cap="flat" cmpd="sng" algn="ctr">
+          <a:solidFill>
+            <a:schemeClr val="phClr"/>
+          </a:solidFill>
+          <a:prstDash val="solid"/>
+          <a:miter lim="800000"/>
+        </a:ln>
+        <a:ln w="12700" cap="flat" cmpd="sng" algn="ctr">
+          <a:solidFill>
+            <a:schemeClr val="phClr"/>
+          </a:solidFill>
+          <a:prstDash val="solid"/>
+          <a:miter lim="800000"/>
+        </a:ln>
+        <a:ln w="19050" cap="flat" cmpd="sng" algn="ctr">
+          <a:solidFill>
+            <a:schemeClr val="phClr"/>
+          </a:solidFill>
+          <a:prstDash val="solid"/>
+          <a:miter lim="800000"/>
+        </a:ln>
+      </a:lnStyleLst>
+      <a:effectStyleLst>
+        <a:effectStyle>
+          <a:effectLst/>
+        </a:effectStyle>
+        <a:effectStyle>
+          <a:effectLst/>
+        </a:effectStyle>
+        <a:effectStyle>
+          <a:effectLst>
+            <a:outerShdw blurRad="57150" dist="19050" dir="5400000" algn="ctr" rotWithShape="0">
+              <a:srgbClr val="000000">
+                <a:alpha val="63000"/>
+              </a:srgbClr>
+            </a:outerShdw>
+          </a:effectLst>
+        </a:effectStyle>
+      </a:effectStyleLst>
+      <a:bgFillStyleLst>
+        <a:solidFill>
+          <a:schemeClr val="phClr"/>
+        </a:solidFill>
+        <a:solidFill>
+          <a:schemeClr val="phClr">
+            <a:tint val="95000"/>
+            <a:satMod val="170000"/>
+          </a:schemeClr>
+        </a:solidFill>
+        <a:gradFill rotWithShape="1">
+          <a:gsLst>
+            <a:gs pos="0">
+              <a:schemeClr val="phClr">
+                <a:tint val="93000"/>
+                <a:satMod val="150000"/>
+                <a:shade val="98000"/>
+                <a:lumMod val="102000"/>
+              </a:schemeClr>
+            </a:gs>
+            <a:gs pos="50000">
+              <a:schemeClr val="phClr">
+                <a:tint val="98000"/>
+                <a:satMod val="130000"/>
+                <a:shade val="90000"/>
+                <a:lumMod val="103000"/>
+              </a:schemeClr>
+            </a:gs>
+            <a:gs pos="100000">
+              <a:schemeClr val="phClr">
+                <a:shade val="63000"/>
+                <a:satMod val="120000"/>
+              </a:schemeClr>
+            </a:gs>
+          </a:gsLst>
+          <a:lin ang="5400000" scaled="0"/>
+        </a:gradFill>
+      </a:bgFillStyleLst>
+    </a:fmtScheme>
+  </a:themeElements>
+  <a:objectDefaults/>
+  <a:extraClrSchemeLst/>
+  <a:extLst>
+    <a:ext uri="{05A4C25C-085E-4340-85A3-A5531E510DB2}">
+      <thm15:themeFamily xmlns:thm15="http://schemas.microsoft.com/office/thememl/2012/main" name="Office Theme" id="{62F939B6-93AF-4DB8-9C6B-D6C7DFDC589F}" vid="{4A3C46E8-61CC-4603-A589-7422A47A8E4A}"/>
+    </a:ext>
+  </a:extLst>
+</a:theme>
 </file>